--- a/11214-박준혁.pptx
+++ b/11214-박준혁.pptx
@@ -112,6 +112,11 @@
       </a:defRPr>
     </a:lvl9pPr>
   </p:defaultTextStyle>
+  <p:extLst>
+    <p:ext uri="{EFAFB233-063F-42B5-8137-9DF3F51BA10A}">
+      <p15:sldGuideLst xmlns:p15="http://schemas.microsoft.com/office/powerpoint/2012/main"/>
+    </p:ext>
+  </p:extLst>
 </p:presentation>
 </file>
 
@@ -197,7 +202,7 @@
           <a:p>
             <a:fld id="{8318AE5E-F4CF-4DFD-902C-AF4A30EB7FEB}" type="datetimeFigureOut">
               <a:rPr lang="ko-KR" altLang="en-US" smtClean="0"/>
-              <a:t>2023-05-22</a:t>
+              <a:t>2023-05-23</a:t>
             </a:fld>
             <a:endParaRPr lang="ko-KR" altLang="en-US"/>
           </a:p>
@@ -596,7 +601,7 @@
           <a:p>
             <a:fld id="{13A6E76C-CC2D-447C-8DDE-5708DC4765DC}" type="datetime1">
               <a:rPr lang="ko-KR" altLang="en-US" smtClean="0"/>
-              <a:t>2023-05-22</a:t>
+              <a:t>2023-05-23</a:t>
             </a:fld>
             <a:endParaRPr lang="ko-KR" altLang="en-US"/>
           </a:p>
@@ -773,7 +778,7 @@
           <a:p>
             <a:fld id="{014226AD-54CD-4078-8BBE-B926C9A050F5}" type="datetime1">
               <a:rPr lang="ko-KR" altLang="en-US" smtClean="0"/>
-              <a:t>2023-05-22</a:t>
+              <a:t>2023-05-23</a:t>
             </a:fld>
             <a:endParaRPr lang="ko-KR" altLang="en-US"/>
           </a:p>
@@ -953,7 +958,7 @@
           <a:p>
             <a:fld id="{8BA0821A-FB84-4A34-B06D-FE72BDF5E1F6}" type="datetime1">
               <a:rPr lang="ko-KR" altLang="en-US" smtClean="0"/>
-              <a:t>2023-05-22</a:t>
+              <a:t>2023-05-23</a:t>
             </a:fld>
             <a:endParaRPr lang="ko-KR" altLang="en-US"/>
           </a:p>
@@ -1100,7 +1105,7 @@
           <a:p>
             <a:fld id="{85255E53-79A4-43EF-9176-66E12C82420A}" type="datetime1">
               <a:rPr lang="ko-KR" altLang="en-US" smtClean="0"/>
-              <a:t>2023-05-22</a:t>
+              <a:t>2023-05-23</a:t>
             </a:fld>
             <a:endParaRPr lang="ko-KR" altLang="en-US"/>
           </a:p>
@@ -1525,7 +1530,7 @@
           <a:p>
             <a:fld id="{B614E3E2-A802-4F77-A4BD-3C198C32C6A7}" type="datetime1">
               <a:rPr lang="ko-KR" altLang="en-US" smtClean="0"/>
-              <a:t>2023-05-22</a:t>
+              <a:t>2023-05-23</a:t>
             </a:fld>
             <a:endParaRPr lang="ko-KR" altLang="en-US"/>
           </a:p>
@@ -1757,7 +1762,7 @@
           <a:p>
             <a:fld id="{E77F4454-C0C2-417A-81F1-9068FDFCA329}" type="datetime1">
               <a:rPr lang="ko-KR" altLang="en-US" smtClean="0"/>
-              <a:t>2023-05-22</a:t>
+              <a:t>2023-05-23</a:t>
             </a:fld>
             <a:endParaRPr lang="ko-KR" altLang="en-US"/>
           </a:p>
@@ -2124,7 +2129,7 @@
           <a:p>
             <a:fld id="{53F01550-3F75-4428-813E-E13D8E0218F8}" type="datetime1">
               <a:rPr lang="ko-KR" altLang="en-US" smtClean="0"/>
-              <a:t>2023-05-22</a:t>
+              <a:t>2023-05-23</a:t>
             </a:fld>
             <a:endParaRPr lang="ko-KR" altLang="en-US"/>
           </a:p>
@@ -2242,7 +2247,7 @@
           <a:p>
             <a:fld id="{28D82C1A-0CCA-4401-AC74-136D4B59C538}" type="datetime1">
               <a:rPr lang="ko-KR" altLang="en-US" smtClean="0"/>
-              <a:t>2023-05-22</a:t>
+              <a:t>2023-05-23</a:t>
             </a:fld>
             <a:endParaRPr lang="ko-KR" altLang="en-US"/>
           </a:p>
@@ -2337,7 +2342,7 @@
           <a:p>
             <a:fld id="{CC52ACD0-F3EA-45B8-A247-1713C1A26232}" type="datetime1">
               <a:rPr lang="ko-KR" altLang="en-US" smtClean="0"/>
-              <a:t>2023-05-22</a:t>
+              <a:t>2023-05-23</a:t>
             </a:fld>
             <a:endParaRPr lang="ko-KR" altLang="en-US"/>
           </a:p>
@@ -2614,7 +2619,7 @@
           <a:p>
             <a:fld id="{36BBBF9F-F5C9-4B31-B211-70AFDEBAF2C7}" type="datetime1">
               <a:rPr lang="ko-KR" altLang="en-US" smtClean="0"/>
-              <a:t>2023-05-22</a:t>
+              <a:t>2023-05-23</a:t>
             </a:fld>
             <a:endParaRPr lang="ko-KR" altLang="en-US"/>
           </a:p>
@@ -2871,7 +2876,7 @@
           <a:p>
             <a:fld id="{702B11F3-4421-42AF-B45F-DAD658858DB1}" type="datetime1">
               <a:rPr lang="ko-KR" altLang="en-US" smtClean="0"/>
-              <a:t>2023-05-22</a:t>
+              <a:t>2023-05-23</a:t>
             </a:fld>
             <a:endParaRPr lang="ko-KR" altLang="en-US"/>
           </a:p>
@@ -3084,7 +3089,7 @@
           <a:p>
             <a:fld id="{D02D35F3-03F3-4248-B22B-8EB166BA39E2}" type="datetime1">
               <a:rPr lang="ko-KR" altLang="en-US" smtClean="0"/>
-              <a:t>2023-05-22</a:t>
+              <a:t>2023-05-23</a:t>
             </a:fld>
             <a:endParaRPr lang="ko-KR" altLang="en-US"/>
           </a:p>
@@ -3628,8 +3633,8 @@
         </p:blipFill>
         <p:spPr>
           <a:xfrm>
-            <a:off x="6917749" y="107889"/>
-            <a:ext cx="2774891" cy="1089451"/>
+            <a:off x="7148945" y="107889"/>
+            <a:ext cx="2543695" cy="998681"/>
           </a:xfrm>
           <a:prstGeom prst="rect">
             <a:avLst/>
@@ -3688,26 +3693,11 @@
           <a:bodyPr/>
           <a:lstStyle/>
           <a:p>
-            <a:endParaRPr lang="ko-KR" altLang="en-US"/>
-          </a:p>
-        </p:txBody>
-      </p:sp>
-      <p:sp>
-        <p:nvSpPr>
-          <p:cNvPr id="3" name="내용 개체 틀 2"/>
-          <p:cNvSpPr>
-            <a:spLocks noGrp="1"/>
-          </p:cNvSpPr>
-          <p:nvPr>
-            <p:ph idx="1"/>
-          </p:nvPr>
-        </p:nvSpPr>
-        <p:spPr/>
-        <p:txBody>
-          <a:bodyPr/>
-          <a:lstStyle/>
-          <a:p>
-            <a:endParaRPr lang="ko-KR" altLang="en-US"/>
+            <a:r>
+              <a:rPr lang="ko-KR" altLang="en-US" dirty="0" smtClean="0"/>
+              <a:t>목차</a:t>
+            </a:r>
+            <a:endParaRPr lang="ko-KR" altLang="en-US" dirty="0"/>
           </a:p>
         </p:txBody>
       </p:sp>
@@ -3734,6 +3724,624 @@
           </a:p>
         </p:txBody>
       </p:sp>
+      <p:sp>
+        <p:nvSpPr>
+          <p:cNvPr id="6" name="직사각형 5"/>
+          <p:cNvSpPr/>
+          <p:nvPr/>
+        </p:nvSpPr>
+        <p:spPr>
+          <a:xfrm>
+            <a:off x="2709951" y="3332241"/>
+            <a:ext cx="6134791" cy="166255"/>
+          </a:xfrm>
+          <a:prstGeom prst="rect">
+            <a:avLst/>
+          </a:prstGeom>
+          <a:solidFill>
+            <a:schemeClr val="accent2">
+              <a:lumMod val="60000"/>
+              <a:lumOff val="40000"/>
+            </a:schemeClr>
+          </a:solidFill>
+          <a:ln>
+            <a:noFill/>
+          </a:ln>
+        </p:spPr>
+        <p:style>
+          <a:lnRef idx="2">
+            <a:schemeClr val="accent1">
+              <a:shade val="50000"/>
+            </a:schemeClr>
+          </a:lnRef>
+          <a:fillRef idx="1">
+            <a:schemeClr val="accent1"/>
+          </a:fillRef>
+          <a:effectRef idx="0">
+            <a:schemeClr val="accent1"/>
+          </a:effectRef>
+          <a:fontRef idx="minor">
+            <a:schemeClr val="lt1"/>
+          </a:fontRef>
+        </p:style>
+        <p:txBody>
+          <a:bodyPr rtlCol="0" anchor="ctr"/>
+          <a:lstStyle/>
+          <a:p>
+            <a:pPr algn="ctr"/>
+            <a:endParaRPr lang="ko-KR" altLang="en-US"/>
+          </a:p>
+        </p:txBody>
+      </p:sp>
+      <p:sp>
+        <p:nvSpPr>
+          <p:cNvPr id="5" name="빗면 4"/>
+          <p:cNvSpPr/>
+          <p:nvPr/>
+        </p:nvSpPr>
+        <p:spPr>
+          <a:xfrm>
+            <a:off x="2709951" y="2746765"/>
+            <a:ext cx="1163782" cy="748145"/>
+          </a:xfrm>
+          <a:prstGeom prst="bevel">
+            <a:avLst/>
+          </a:prstGeom>
+          <a:solidFill>
+            <a:schemeClr val="accent2"/>
+          </a:solidFill>
+          <a:ln>
+            <a:noFill/>
+          </a:ln>
+        </p:spPr>
+        <p:style>
+          <a:lnRef idx="2">
+            <a:schemeClr val="accent1">
+              <a:shade val="50000"/>
+            </a:schemeClr>
+          </a:lnRef>
+          <a:fillRef idx="1">
+            <a:schemeClr val="accent1"/>
+          </a:fillRef>
+          <a:effectRef idx="0">
+            <a:schemeClr val="accent1"/>
+          </a:effectRef>
+          <a:fontRef idx="minor">
+            <a:schemeClr val="lt1"/>
+          </a:fontRef>
+        </p:style>
+        <p:txBody>
+          <a:bodyPr rtlCol="0" anchor="ctr"/>
+          <a:lstStyle/>
+          <a:p>
+            <a:pPr algn="ctr"/>
+            <a:r>
+              <a:rPr lang="en-US" altLang="ko-KR" sz="2400" dirty="0" smtClean="0">
+                <a:latin typeface="굴림" panose="020B0600000101010101" pitchFamily="50" charset="-127"/>
+                <a:ea typeface="굴림" panose="020B0600000101010101" pitchFamily="50" charset="-127"/>
+              </a:rPr>
+              <a:t>Ⅱ</a:t>
+            </a:r>
+            <a:endParaRPr lang="ko-KR" altLang="en-US" sz="2400" dirty="0">
+              <a:latin typeface="굴림" panose="020B0600000101010101" pitchFamily="50" charset="-127"/>
+              <a:ea typeface="굴림" panose="020B0600000101010101" pitchFamily="50" charset="-127"/>
+            </a:endParaRPr>
+          </a:p>
+        </p:txBody>
+      </p:sp>
+      <p:sp>
+        <p:nvSpPr>
+          <p:cNvPr id="7" name="TextBox 6"/>
+          <p:cNvSpPr txBox="1"/>
+          <p:nvPr/>
+        </p:nvSpPr>
+        <p:spPr>
+          <a:xfrm>
+            <a:off x="3873733" y="2827090"/>
+            <a:ext cx="4971009" cy="461665"/>
+          </a:xfrm>
+          <a:prstGeom prst="rect">
+            <a:avLst/>
+          </a:prstGeom>
+          <a:noFill/>
+        </p:spPr>
+        <p:txBody>
+          <a:bodyPr wrap="square" rtlCol="0">
+            <a:spAutoFit/>
+          </a:bodyPr>
+          <a:lstStyle/>
+          <a:p>
+            <a:r>
+              <a:rPr lang="ko-KR" altLang="en-US" sz="2400" dirty="0" smtClean="0">
+                <a:latin typeface="굴림" panose="020B0600000101010101" pitchFamily="50" charset="-127"/>
+                <a:ea typeface="굴림" panose="020B0600000101010101" pitchFamily="50" charset="-127"/>
+              </a:rPr>
+              <a:t>교통사고 줄이기</a:t>
+            </a:r>
+            <a:r>
+              <a:rPr lang="en-US" altLang="ko-KR" sz="2400" dirty="0" smtClean="0">
+                <a:latin typeface="굴림" panose="020B0600000101010101" pitchFamily="50" charset="-127"/>
+                <a:ea typeface="굴림" panose="020B0600000101010101" pitchFamily="50" charset="-127"/>
+              </a:rPr>
+              <a:t> </a:t>
+            </a:r>
+            <a:r>
+              <a:rPr lang="ko-KR" altLang="en-US" sz="2400" dirty="0" smtClean="0">
+                <a:latin typeface="굴림" panose="020B0600000101010101" pitchFamily="50" charset="-127"/>
+                <a:ea typeface="굴림" panose="020B0600000101010101" pitchFamily="50" charset="-127"/>
+              </a:rPr>
+              <a:t>종합대책</a:t>
+            </a:r>
+            <a:endParaRPr lang="ko-KR" altLang="en-US" sz="2400" dirty="0">
+              <a:latin typeface="굴림" panose="020B0600000101010101" pitchFamily="50" charset="-127"/>
+              <a:ea typeface="굴림" panose="020B0600000101010101" pitchFamily="50" charset="-127"/>
+            </a:endParaRPr>
+          </a:p>
+        </p:txBody>
+      </p:sp>
+      <p:sp>
+        <p:nvSpPr>
+          <p:cNvPr id="8" name="직사각형 7"/>
+          <p:cNvSpPr/>
+          <p:nvPr/>
+        </p:nvSpPr>
+        <p:spPr>
+          <a:xfrm>
+            <a:off x="2709951" y="2320565"/>
+            <a:ext cx="6134791" cy="166255"/>
+          </a:xfrm>
+          <a:prstGeom prst="rect">
+            <a:avLst/>
+          </a:prstGeom>
+          <a:solidFill>
+            <a:schemeClr val="accent2">
+              <a:lumMod val="60000"/>
+              <a:lumOff val="40000"/>
+            </a:schemeClr>
+          </a:solidFill>
+          <a:ln>
+            <a:noFill/>
+          </a:ln>
+        </p:spPr>
+        <p:style>
+          <a:lnRef idx="2">
+            <a:schemeClr val="accent1">
+              <a:shade val="50000"/>
+            </a:schemeClr>
+          </a:lnRef>
+          <a:fillRef idx="1">
+            <a:schemeClr val="accent1"/>
+          </a:fillRef>
+          <a:effectRef idx="0">
+            <a:schemeClr val="accent1"/>
+          </a:effectRef>
+          <a:fontRef idx="minor">
+            <a:schemeClr val="lt1"/>
+          </a:fontRef>
+        </p:style>
+        <p:txBody>
+          <a:bodyPr rtlCol="0" anchor="ctr"/>
+          <a:lstStyle/>
+          <a:p>
+            <a:pPr algn="ctr"/>
+            <a:endParaRPr lang="ko-KR" altLang="en-US"/>
+          </a:p>
+        </p:txBody>
+      </p:sp>
+      <p:sp>
+        <p:nvSpPr>
+          <p:cNvPr id="9" name="빗면 8"/>
+          <p:cNvSpPr/>
+          <p:nvPr/>
+        </p:nvSpPr>
+        <p:spPr>
+          <a:xfrm>
+            <a:off x="2709951" y="1738675"/>
+            <a:ext cx="1163782" cy="748145"/>
+          </a:xfrm>
+          <a:prstGeom prst="bevel">
+            <a:avLst/>
+          </a:prstGeom>
+          <a:solidFill>
+            <a:schemeClr val="accent2"/>
+          </a:solidFill>
+          <a:ln>
+            <a:noFill/>
+          </a:ln>
+        </p:spPr>
+        <p:style>
+          <a:lnRef idx="2">
+            <a:schemeClr val="accent1">
+              <a:shade val="50000"/>
+            </a:schemeClr>
+          </a:lnRef>
+          <a:fillRef idx="1">
+            <a:schemeClr val="accent1"/>
+          </a:fillRef>
+          <a:effectRef idx="0">
+            <a:schemeClr val="accent1"/>
+          </a:effectRef>
+          <a:fontRef idx="minor">
+            <a:schemeClr val="lt1"/>
+          </a:fontRef>
+        </p:style>
+        <p:txBody>
+          <a:bodyPr rtlCol="0" anchor="ctr"/>
+          <a:lstStyle/>
+          <a:p>
+            <a:pPr algn="ctr"/>
+            <a:r>
+              <a:rPr lang="en-US" altLang="ko-KR" sz="2400" dirty="0" smtClean="0">
+                <a:latin typeface="굴림" panose="020B0600000101010101" pitchFamily="50" charset="-127"/>
+                <a:ea typeface="굴림" panose="020B0600000101010101" pitchFamily="50" charset="-127"/>
+              </a:rPr>
+              <a:t>Ⅰ</a:t>
+            </a:r>
+            <a:endParaRPr lang="ko-KR" altLang="en-US" sz="2400" dirty="0">
+              <a:latin typeface="굴림" panose="020B0600000101010101" pitchFamily="50" charset="-127"/>
+              <a:ea typeface="굴림" panose="020B0600000101010101" pitchFamily="50" charset="-127"/>
+            </a:endParaRPr>
+          </a:p>
+        </p:txBody>
+      </p:sp>
+      <p:sp>
+        <p:nvSpPr>
+          <p:cNvPr id="10" name="TextBox 9"/>
+          <p:cNvSpPr txBox="1"/>
+          <p:nvPr/>
+        </p:nvSpPr>
+        <p:spPr>
+          <a:xfrm>
+            <a:off x="3873733" y="1815414"/>
+            <a:ext cx="4971009" cy="461665"/>
+          </a:xfrm>
+          <a:prstGeom prst="rect">
+            <a:avLst/>
+          </a:prstGeom>
+          <a:noFill/>
+        </p:spPr>
+        <p:txBody>
+          <a:bodyPr wrap="square" rtlCol="0">
+            <a:spAutoFit/>
+          </a:bodyPr>
+          <a:lstStyle/>
+          <a:p>
+            <a:r>
+              <a:rPr lang="ko-KR" altLang="en-US" sz="2400" dirty="0" smtClean="0">
+                <a:latin typeface="굴림" panose="020B0600000101010101" pitchFamily="50" charset="-127"/>
+                <a:ea typeface="굴림" panose="020B0600000101010101" pitchFamily="50" charset="-127"/>
+              </a:rPr>
+              <a:t>교통사고 발생시 조치 사항</a:t>
+            </a:r>
+            <a:endParaRPr lang="ko-KR" altLang="en-US" sz="2400" dirty="0">
+              <a:latin typeface="굴림" panose="020B0600000101010101" pitchFamily="50" charset="-127"/>
+              <a:ea typeface="굴림" panose="020B0600000101010101" pitchFamily="50" charset="-127"/>
+            </a:endParaRPr>
+          </a:p>
+        </p:txBody>
+      </p:sp>
+      <p:sp>
+        <p:nvSpPr>
+          <p:cNvPr id="11" name="직사각형 10"/>
+          <p:cNvSpPr/>
+          <p:nvPr/>
+        </p:nvSpPr>
+        <p:spPr>
+          <a:xfrm>
+            <a:off x="2709951" y="4326246"/>
+            <a:ext cx="6134791" cy="166255"/>
+          </a:xfrm>
+          <a:prstGeom prst="rect">
+            <a:avLst/>
+          </a:prstGeom>
+          <a:solidFill>
+            <a:schemeClr val="accent2">
+              <a:lumMod val="60000"/>
+              <a:lumOff val="40000"/>
+            </a:schemeClr>
+          </a:solidFill>
+          <a:ln>
+            <a:noFill/>
+          </a:ln>
+        </p:spPr>
+        <p:style>
+          <a:lnRef idx="2">
+            <a:schemeClr val="accent1">
+              <a:shade val="50000"/>
+            </a:schemeClr>
+          </a:lnRef>
+          <a:fillRef idx="1">
+            <a:schemeClr val="accent1"/>
+          </a:fillRef>
+          <a:effectRef idx="0">
+            <a:schemeClr val="accent1"/>
+          </a:effectRef>
+          <a:fontRef idx="minor">
+            <a:schemeClr val="lt1"/>
+          </a:fontRef>
+        </p:style>
+        <p:txBody>
+          <a:bodyPr rtlCol="0" anchor="ctr"/>
+          <a:lstStyle/>
+          <a:p>
+            <a:pPr algn="ctr"/>
+            <a:endParaRPr lang="ko-KR" altLang="en-US"/>
+          </a:p>
+        </p:txBody>
+      </p:sp>
+      <p:sp>
+        <p:nvSpPr>
+          <p:cNvPr id="12" name="빗면 11"/>
+          <p:cNvSpPr/>
+          <p:nvPr/>
+        </p:nvSpPr>
+        <p:spPr>
+          <a:xfrm>
+            <a:off x="2709951" y="3733745"/>
+            <a:ext cx="1163782" cy="748145"/>
+          </a:xfrm>
+          <a:prstGeom prst="bevel">
+            <a:avLst/>
+          </a:prstGeom>
+          <a:solidFill>
+            <a:schemeClr val="accent2"/>
+          </a:solidFill>
+          <a:ln>
+            <a:noFill/>
+          </a:ln>
+        </p:spPr>
+        <p:style>
+          <a:lnRef idx="2">
+            <a:schemeClr val="accent1">
+              <a:shade val="50000"/>
+            </a:schemeClr>
+          </a:lnRef>
+          <a:fillRef idx="1">
+            <a:schemeClr val="accent1"/>
+          </a:fillRef>
+          <a:effectRef idx="0">
+            <a:schemeClr val="accent1"/>
+          </a:effectRef>
+          <a:fontRef idx="minor">
+            <a:schemeClr val="lt1"/>
+          </a:fontRef>
+        </p:style>
+        <p:txBody>
+          <a:bodyPr rtlCol="0" anchor="ctr"/>
+          <a:lstStyle/>
+          <a:p>
+            <a:pPr algn="ctr"/>
+            <a:r>
+              <a:rPr lang="en-US" altLang="ko-KR" sz="2400" dirty="0" smtClean="0">
+                <a:latin typeface="굴림" panose="020B0600000101010101" pitchFamily="50" charset="-127"/>
+                <a:ea typeface="굴림" panose="020B0600000101010101" pitchFamily="50" charset="-127"/>
+              </a:rPr>
+              <a:t>Ⅲ</a:t>
+            </a:r>
+            <a:endParaRPr lang="ko-KR" altLang="en-US" sz="2400" dirty="0">
+              <a:latin typeface="굴림" panose="020B0600000101010101" pitchFamily="50" charset="-127"/>
+              <a:ea typeface="굴림" panose="020B0600000101010101" pitchFamily="50" charset="-127"/>
+            </a:endParaRPr>
+          </a:p>
+        </p:txBody>
+      </p:sp>
+      <p:sp>
+        <p:nvSpPr>
+          <p:cNvPr id="13" name="TextBox 12">
+            <a:hlinkClick r:id="rId2" action="ppaction://hlinksldjump"/>
+          </p:cNvPr>
+          <p:cNvSpPr txBox="1"/>
+          <p:nvPr/>
+        </p:nvSpPr>
+        <p:spPr>
+          <a:xfrm>
+            <a:off x="3873732" y="3777576"/>
+            <a:ext cx="4971009" cy="461665"/>
+          </a:xfrm>
+          <a:prstGeom prst="rect">
+            <a:avLst/>
+          </a:prstGeom>
+          <a:noFill/>
+        </p:spPr>
+        <p:txBody>
+          <a:bodyPr wrap="square" rtlCol="0">
+            <a:spAutoFit/>
+          </a:bodyPr>
+          <a:lstStyle/>
+          <a:p>
+            <a:r>
+              <a:rPr lang="ko-KR" altLang="en-US" sz="2400" dirty="0" smtClean="0">
+                <a:latin typeface="굴림" panose="020B0600000101010101" pitchFamily="50" charset="-127"/>
+                <a:ea typeface="굴림" panose="020B0600000101010101" pitchFamily="50" charset="-127"/>
+                <a:hlinkClick r:id="rId2" action="ppaction://hlinksldjump"/>
+              </a:rPr>
+              <a:t>교통사고 </a:t>
+            </a:r>
+            <a:r>
+              <a:rPr lang="ko-KR" altLang="en-US" sz="2400" dirty="0" err="1" smtClean="0">
+                <a:latin typeface="굴림" panose="020B0600000101010101" pitchFamily="50" charset="-127"/>
+                <a:ea typeface="굴림" panose="020B0600000101010101" pitchFamily="50" charset="-127"/>
+                <a:hlinkClick r:id="rId2" action="ppaction://hlinksldjump"/>
+              </a:rPr>
+              <a:t>발생현황</a:t>
+            </a:r>
+            <a:endParaRPr lang="ko-KR" altLang="en-US" sz="2400" dirty="0">
+              <a:latin typeface="굴림" panose="020B0600000101010101" pitchFamily="50" charset="-127"/>
+              <a:ea typeface="굴림" panose="020B0600000101010101" pitchFamily="50" charset="-127"/>
+            </a:endParaRPr>
+          </a:p>
+        </p:txBody>
+      </p:sp>
+      <p:sp>
+        <p:nvSpPr>
+          <p:cNvPr id="14" name="직사각형 13"/>
+          <p:cNvSpPr/>
+          <p:nvPr/>
+        </p:nvSpPr>
+        <p:spPr>
+          <a:xfrm>
+            <a:off x="2709951" y="5388162"/>
+            <a:ext cx="6134791" cy="166255"/>
+          </a:xfrm>
+          <a:prstGeom prst="rect">
+            <a:avLst/>
+          </a:prstGeom>
+          <a:solidFill>
+            <a:schemeClr val="accent2">
+              <a:lumMod val="60000"/>
+              <a:lumOff val="40000"/>
+            </a:schemeClr>
+          </a:solidFill>
+          <a:ln>
+            <a:noFill/>
+          </a:ln>
+        </p:spPr>
+        <p:style>
+          <a:lnRef idx="2">
+            <a:schemeClr val="accent1">
+              <a:shade val="50000"/>
+            </a:schemeClr>
+          </a:lnRef>
+          <a:fillRef idx="1">
+            <a:schemeClr val="accent1"/>
+          </a:fillRef>
+          <a:effectRef idx="0">
+            <a:schemeClr val="accent1"/>
+          </a:effectRef>
+          <a:fontRef idx="minor">
+            <a:schemeClr val="lt1"/>
+          </a:fontRef>
+        </p:style>
+        <p:txBody>
+          <a:bodyPr rtlCol="0" anchor="ctr"/>
+          <a:lstStyle/>
+          <a:p>
+            <a:pPr algn="ctr"/>
+            <a:endParaRPr lang="ko-KR" altLang="en-US"/>
+          </a:p>
+        </p:txBody>
+      </p:sp>
+      <p:sp>
+        <p:nvSpPr>
+          <p:cNvPr id="15" name="빗면 14"/>
+          <p:cNvSpPr/>
+          <p:nvPr/>
+        </p:nvSpPr>
+        <p:spPr>
+          <a:xfrm>
+            <a:off x="2709951" y="4806272"/>
+            <a:ext cx="1163782" cy="748145"/>
+          </a:xfrm>
+          <a:prstGeom prst="bevel">
+            <a:avLst/>
+          </a:prstGeom>
+          <a:solidFill>
+            <a:schemeClr val="accent2"/>
+          </a:solidFill>
+          <a:ln>
+            <a:noFill/>
+          </a:ln>
+        </p:spPr>
+        <p:style>
+          <a:lnRef idx="2">
+            <a:schemeClr val="accent1">
+              <a:shade val="50000"/>
+            </a:schemeClr>
+          </a:lnRef>
+          <a:fillRef idx="1">
+            <a:schemeClr val="accent1"/>
+          </a:fillRef>
+          <a:effectRef idx="0">
+            <a:schemeClr val="accent1"/>
+          </a:effectRef>
+          <a:fontRef idx="minor">
+            <a:schemeClr val="lt1"/>
+          </a:fontRef>
+        </p:style>
+        <p:txBody>
+          <a:bodyPr rtlCol="0" anchor="ctr"/>
+          <a:lstStyle/>
+          <a:p>
+            <a:pPr algn="ctr"/>
+            <a:r>
+              <a:rPr lang="en-US" altLang="ko-KR" sz="2400" dirty="0" smtClean="0">
+                <a:latin typeface="굴림" panose="020B0600000101010101" pitchFamily="50" charset="-127"/>
+                <a:ea typeface="굴림" panose="020B0600000101010101" pitchFamily="50" charset="-127"/>
+              </a:rPr>
+              <a:t>Ⅳ</a:t>
+            </a:r>
+            <a:endParaRPr lang="ko-KR" altLang="en-US" sz="2400" dirty="0">
+              <a:latin typeface="굴림" panose="020B0600000101010101" pitchFamily="50" charset="-127"/>
+              <a:ea typeface="굴림" panose="020B0600000101010101" pitchFamily="50" charset="-127"/>
+            </a:endParaRPr>
+          </a:p>
+        </p:txBody>
+      </p:sp>
+      <p:sp>
+        <p:nvSpPr>
+          <p:cNvPr id="16" name="TextBox 15"/>
+          <p:cNvSpPr txBox="1"/>
+          <p:nvPr/>
+        </p:nvSpPr>
+        <p:spPr>
+          <a:xfrm>
+            <a:off x="3873733" y="4883011"/>
+            <a:ext cx="4971009" cy="461665"/>
+          </a:xfrm>
+          <a:prstGeom prst="rect">
+            <a:avLst/>
+          </a:prstGeom>
+          <a:noFill/>
+        </p:spPr>
+        <p:txBody>
+          <a:bodyPr wrap="square" rtlCol="0">
+            <a:spAutoFit/>
+          </a:bodyPr>
+          <a:lstStyle/>
+          <a:p>
+            <a:r>
+              <a:rPr lang="ko-KR" altLang="en-US" sz="2400" dirty="0" smtClean="0">
+                <a:latin typeface="굴림" panose="020B0600000101010101" pitchFamily="50" charset="-127"/>
+                <a:ea typeface="굴림" panose="020B0600000101010101" pitchFamily="50" charset="-127"/>
+              </a:rPr>
+              <a:t>교통사고 줄이기 캠페인</a:t>
+            </a:r>
+            <a:endParaRPr lang="ko-KR" altLang="en-US" sz="2400" dirty="0">
+              <a:latin typeface="굴림" panose="020B0600000101010101" pitchFamily="50" charset="-127"/>
+              <a:ea typeface="굴림" panose="020B0600000101010101" pitchFamily="50" charset="-127"/>
+            </a:endParaRPr>
+          </a:p>
+        </p:txBody>
+      </p:sp>
+      <p:pic>
+        <p:nvPicPr>
+          <p:cNvPr id="17" name="그림 16"/>
+          <p:cNvPicPr>
+            <a:picLocks noChangeAspect="1"/>
+          </p:cNvPicPr>
+          <p:nvPr/>
+        </p:nvPicPr>
+        <p:blipFill rotWithShape="1">
+          <a:blip r:embed="rId3">
+            <a:extLst>
+              <a:ext uri="{28A0092B-C50C-407E-A947-70E740481C1C}">
+                <a14:useLocalDpi xmlns:a14="http://schemas.microsoft.com/office/drawing/2010/main" val="0"/>
+              </a:ext>
+            </a:extLst>
+          </a:blip>
+          <a:srcRect r="54909" b="67168"/>
+          <a:stretch/>
+        </p:blipFill>
+        <p:spPr>
+          <a:xfrm>
+            <a:off x="457201" y="1702998"/>
+            <a:ext cx="1889761" cy="1791912"/>
+          </a:xfrm>
+          <a:prstGeom prst="rect">
+            <a:avLst/>
+          </a:prstGeom>
+        </p:spPr>
+      </p:pic>
     </p:spTree>
     <p:extLst>
       <p:ext uri="{BB962C8B-B14F-4D97-AF65-F5344CB8AC3E}">
@@ -3786,7 +4394,24 @@
           <a:bodyPr/>
           <a:lstStyle/>
           <a:p>
-            <a:endParaRPr lang="ko-KR" altLang="en-US"/>
+            <a:r>
+              <a:rPr lang="en-US" altLang="ko-KR" dirty="0" smtClean="0">
+                <a:latin typeface="돋움" panose="020B0600000101010101" pitchFamily="50" charset="-127"/>
+                <a:ea typeface="돋움" panose="020B0600000101010101" pitchFamily="50" charset="-127"/>
+              </a:rPr>
+              <a:t>Ⅰ.</a:t>
+            </a:r>
+            <a:r>
+              <a:rPr lang="ko-KR" altLang="en-US" dirty="0" smtClean="0">
+                <a:latin typeface="돋움" panose="020B0600000101010101" pitchFamily="50" charset="-127"/>
+                <a:ea typeface="돋움" panose="020B0600000101010101" pitchFamily="50" charset="-127"/>
+              </a:rPr>
+              <a:t>교통사고 발생시 조치 사항</a:t>
+            </a:r>
+            <a:endParaRPr lang="ko-KR" altLang="en-US" dirty="0">
+              <a:latin typeface="돋움" panose="020B0600000101010101" pitchFamily="50" charset="-127"/>
+              <a:ea typeface="돋움" panose="020B0600000101010101" pitchFamily="50" charset="-127"/>
+            </a:endParaRPr>
           </a:p>
         </p:txBody>
       </p:sp>
@@ -3800,12 +4425,52 @@
             <p:ph idx="1"/>
           </p:nvPr>
         </p:nvSpPr>
-        <p:spPr/>
-        <p:txBody>
-          <a:bodyPr/>
-          <a:lstStyle/>
-          <a:p>
-            <a:endParaRPr lang="ko-KR" altLang="en-US"/>
+        <p:spPr>
+          <a:xfrm>
+            <a:off x="240463" y="1376738"/>
+            <a:ext cx="7099675" cy="2222673"/>
+          </a:xfrm>
+        </p:spPr>
+        <p:txBody>
+          <a:bodyPr>
+            <a:noAutofit/>
+          </a:bodyPr>
+          <a:lstStyle/>
+          <a:p>
+            <a:pPr>
+              <a:lnSpc>
+                <a:spcPct val="150000"/>
+              </a:lnSpc>
+              <a:buFont typeface="Wingdings" panose="05000000000000000000" pitchFamily="2" charset="2"/>
+              <a:buChar char="Ø"/>
+            </a:pPr>
+            <a:r>
+              <a:rPr lang="en-US" altLang="ko-KR" b="1" dirty="0" smtClean="0">
+                <a:latin typeface="굴림" panose="020B0600000101010101" pitchFamily="50" charset="-127"/>
+                <a:ea typeface="굴림" panose="020B0600000101010101" pitchFamily="50" charset="-127"/>
+              </a:rPr>
+              <a:t>Traffic accident</a:t>
+            </a:r>
+          </a:p>
+          <a:p>
+            <a:pPr lvl="1">
+              <a:lnSpc>
+                <a:spcPct val="150000"/>
+              </a:lnSpc>
+              <a:buFont typeface="Wingdings" panose="05000000000000000000" pitchFamily="2" charset="2"/>
+              <a:buChar char="ü"/>
+            </a:pPr>
+            <a:r>
+              <a:rPr lang="en-US" altLang="ko-KR" sz="2000" dirty="0" smtClean="0">
+                <a:latin typeface="굴림" panose="020B0600000101010101" pitchFamily="50" charset="-127"/>
+                <a:ea typeface="굴림" panose="020B0600000101010101" pitchFamily="50" charset="-127"/>
+              </a:rPr>
+              <a:t>Accidents caused by traffic are sudject to the special cases of the traffic accident handing act regardless of the place</a:t>
+            </a:r>
+            <a:endParaRPr lang="ko-KR" altLang="en-US" sz="2000" dirty="0">
+              <a:latin typeface="굴림" panose="020B0600000101010101" pitchFamily="50" charset="-127"/>
+              <a:ea typeface="굴림" panose="020B0600000101010101" pitchFamily="50" charset="-127"/>
+            </a:endParaRPr>
           </a:p>
         </p:txBody>
       </p:sp>
@@ -3832,6 +4497,286 @@
           </a:p>
         </p:txBody>
       </p:sp>
+      <p:sp>
+        <p:nvSpPr>
+          <p:cNvPr id="6" name="내용 개체 틀 2"/>
+          <p:cNvSpPr txBox="1">
+            <a:spLocks/>
+          </p:cNvSpPr>
+          <p:nvPr/>
+        </p:nvSpPr>
+        <p:spPr>
+          <a:xfrm>
+            <a:off x="240463" y="3838432"/>
+            <a:ext cx="8984498" cy="2222673"/>
+          </a:xfrm>
+          <a:prstGeom prst="rect">
+            <a:avLst/>
+          </a:prstGeom>
+        </p:spPr>
+        <p:txBody>
+          <a:bodyPr vert="horz" lIns="91440" tIns="45720" rIns="91440" bIns="45720" rtlCol="0">
+            <a:noAutofit/>
+          </a:bodyPr>
+          <a:lstStyle>
+            <a:lvl1pPr marL="228600" indent="-228600" algn="l" defTabSz="914400" rtl="0" eaLnBrk="1" latinLnBrk="1" hangingPunct="1">
+              <a:lnSpc>
+                <a:spcPct val="90000"/>
+              </a:lnSpc>
+              <a:spcBef>
+                <a:spcPts val="1000"/>
+              </a:spcBef>
+              <a:buFont typeface="Arial" panose="020B0604020202020204" pitchFamily="34" charset="0"/>
+              <a:buChar char="•"/>
+              <a:defRPr sz="2800" kern="1200">
+                <a:solidFill>
+                  <a:schemeClr val="tx1"/>
+                </a:solidFill>
+                <a:latin typeface="+mn-lt"/>
+                <a:ea typeface="+mn-ea"/>
+                <a:cs typeface="+mn-cs"/>
+              </a:defRPr>
+            </a:lvl1pPr>
+            <a:lvl2pPr marL="685800" indent="-228600" algn="l" defTabSz="914400" rtl="0" eaLnBrk="1" latinLnBrk="1" hangingPunct="1">
+              <a:lnSpc>
+                <a:spcPct val="90000"/>
+              </a:lnSpc>
+              <a:spcBef>
+                <a:spcPts val="500"/>
+              </a:spcBef>
+              <a:buFont typeface="Arial" panose="020B0604020202020204" pitchFamily="34" charset="0"/>
+              <a:buChar char="•"/>
+              <a:defRPr sz="2400" kern="1200">
+                <a:solidFill>
+                  <a:schemeClr val="tx1"/>
+                </a:solidFill>
+                <a:latin typeface="+mn-lt"/>
+                <a:ea typeface="+mn-ea"/>
+                <a:cs typeface="+mn-cs"/>
+              </a:defRPr>
+            </a:lvl2pPr>
+            <a:lvl3pPr marL="1143000" indent="-228600" algn="l" defTabSz="914400" rtl="0" eaLnBrk="1" latinLnBrk="1" hangingPunct="1">
+              <a:lnSpc>
+                <a:spcPct val="90000"/>
+              </a:lnSpc>
+              <a:spcBef>
+                <a:spcPts val="500"/>
+              </a:spcBef>
+              <a:buFont typeface="Arial" panose="020B0604020202020204" pitchFamily="34" charset="0"/>
+              <a:buChar char="•"/>
+              <a:defRPr sz="2000" kern="1200">
+                <a:solidFill>
+                  <a:schemeClr val="tx1"/>
+                </a:solidFill>
+                <a:latin typeface="+mn-lt"/>
+                <a:ea typeface="+mn-ea"/>
+                <a:cs typeface="+mn-cs"/>
+              </a:defRPr>
+            </a:lvl3pPr>
+            <a:lvl4pPr marL="1600200" indent="-228600" algn="l" defTabSz="914400" rtl="0" eaLnBrk="1" latinLnBrk="1" hangingPunct="1">
+              <a:lnSpc>
+                <a:spcPct val="90000"/>
+              </a:lnSpc>
+              <a:spcBef>
+                <a:spcPts val="500"/>
+              </a:spcBef>
+              <a:buFont typeface="Arial" panose="020B0604020202020204" pitchFamily="34" charset="0"/>
+              <a:buChar char="•"/>
+              <a:defRPr sz="1800" kern="1200">
+                <a:solidFill>
+                  <a:schemeClr val="tx1"/>
+                </a:solidFill>
+                <a:latin typeface="+mn-lt"/>
+                <a:ea typeface="+mn-ea"/>
+                <a:cs typeface="+mn-cs"/>
+              </a:defRPr>
+            </a:lvl4pPr>
+            <a:lvl5pPr marL="2057400" indent="-228600" algn="l" defTabSz="914400" rtl="0" eaLnBrk="1" latinLnBrk="1" hangingPunct="1">
+              <a:lnSpc>
+                <a:spcPct val="90000"/>
+              </a:lnSpc>
+              <a:spcBef>
+                <a:spcPts val="500"/>
+              </a:spcBef>
+              <a:buFont typeface="Arial" panose="020B0604020202020204" pitchFamily="34" charset="0"/>
+              <a:buChar char="•"/>
+              <a:defRPr sz="1800" kern="1200">
+                <a:solidFill>
+                  <a:schemeClr val="tx1"/>
+                </a:solidFill>
+                <a:latin typeface="+mn-lt"/>
+                <a:ea typeface="+mn-ea"/>
+                <a:cs typeface="+mn-cs"/>
+              </a:defRPr>
+            </a:lvl5pPr>
+            <a:lvl6pPr marL="2514600" indent="-228600" algn="l" defTabSz="914400" rtl="0" eaLnBrk="1" latinLnBrk="1" hangingPunct="1">
+              <a:lnSpc>
+                <a:spcPct val="90000"/>
+              </a:lnSpc>
+              <a:spcBef>
+                <a:spcPts val="500"/>
+              </a:spcBef>
+              <a:buFont typeface="Arial" panose="020B0604020202020204" pitchFamily="34" charset="0"/>
+              <a:buChar char="•"/>
+              <a:defRPr sz="1800" kern="1200">
+                <a:solidFill>
+                  <a:schemeClr val="tx1"/>
+                </a:solidFill>
+                <a:latin typeface="+mn-lt"/>
+                <a:ea typeface="+mn-ea"/>
+                <a:cs typeface="+mn-cs"/>
+              </a:defRPr>
+            </a:lvl6pPr>
+            <a:lvl7pPr marL="2971800" indent="-228600" algn="l" defTabSz="914400" rtl="0" eaLnBrk="1" latinLnBrk="1" hangingPunct="1">
+              <a:lnSpc>
+                <a:spcPct val="90000"/>
+              </a:lnSpc>
+              <a:spcBef>
+                <a:spcPts val="500"/>
+              </a:spcBef>
+              <a:buFont typeface="Arial" panose="020B0604020202020204" pitchFamily="34" charset="0"/>
+              <a:buChar char="•"/>
+              <a:defRPr sz="1800" kern="1200">
+                <a:solidFill>
+                  <a:schemeClr val="tx1"/>
+                </a:solidFill>
+                <a:latin typeface="+mn-lt"/>
+                <a:ea typeface="+mn-ea"/>
+                <a:cs typeface="+mn-cs"/>
+              </a:defRPr>
+            </a:lvl7pPr>
+            <a:lvl8pPr marL="3429000" indent="-228600" algn="l" defTabSz="914400" rtl="0" eaLnBrk="1" latinLnBrk="1" hangingPunct="1">
+              <a:lnSpc>
+                <a:spcPct val="90000"/>
+              </a:lnSpc>
+              <a:spcBef>
+                <a:spcPts val="500"/>
+              </a:spcBef>
+              <a:buFont typeface="Arial" panose="020B0604020202020204" pitchFamily="34" charset="0"/>
+              <a:buChar char="•"/>
+              <a:defRPr sz="1800" kern="1200">
+                <a:solidFill>
+                  <a:schemeClr val="tx1"/>
+                </a:solidFill>
+                <a:latin typeface="+mn-lt"/>
+                <a:ea typeface="+mn-ea"/>
+                <a:cs typeface="+mn-cs"/>
+              </a:defRPr>
+            </a:lvl8pPr>
+            <a:lvl9pPr marL="3886200" indent="-228600" algn="l" defTabSz="914400" rtl="0" eaLnBrk="1" latinLnBrk="1" hangingPunct="1">
+              <a:lnSpc>
+                <a:spcPct val="90000"/>
+              </a:lnSpc>
+              <a:spcBef>
+                <a:spcPts val="500"/>
+              </a:spcBef>
+              <a:buFont typeface="Arial" panose="020B0604020202020204" pitchFamily="34" charset="0"/>
+              <a:buChar char="•"/>
+              <a:defRPr sz="1800" kern="1200">
+                <a:solidFill>
+                  <a:schemeClr val="tx1"/>
+                </a:solidFill>
+                <a:latin typeface="+mn-lt"/>
+                <a:ea typeface="+mn-ea"/>
+                <a:cs typeface="+mn-cs"/>
+              </a:defRPr>
+            </a:lvl9pPr>
+          </a:lstStyle>
+          <a:p>
+            <a:pPr>
+              <a:lnSpc>
+                <a:spcPct val="150000"/>
+              </a:lnSpc>
+              <a:buFont typeface="Wingdings" panose="05000000000000000000" pitchFamily="2" charset="2"/>
+              <a:buChar char="Ø"/>
+            </a:pPr>
+            <a:r>
+              <a:rPr lang="ko-KR" altLang="en-US" b="1" dirty="0" smtClean="0">
+                <a:latin typeface="굴림" panose="020B0600000101010101" pitchFamily="50" charset="-127"/>
+                <a:ea typeface="굴림" panose="020B0600000101010101" pitchFamily="50" charset="-127"/>
+              </a:rPr>
+              <a:t>피해자 구호조치</a:t>
+            </a:r>
+            <a:endParaRPr lang="en-US" altLang="ko-KR" b="1" dirty="0" smtClean="0">
+              <a:latin typeface="굴림" panose="020B0600000101010101" pitchFamily="50" charset="-127"/>
+              <a:ea typeface="굴림" panose="020B0600000101010101" pitchFamily="50" charset="-127"/>
+            </a:endParaRPr>
+          </a:p>
+          <a:p>
+            <a:pPr lvl="1">
+              <a:lnSpc>
+                <a:spcPct val="150000"/>
+              </a:lnSpc>
+              <a:buFont typeface="Wingdings" panose="05000000000000000000" pitchFamily="2" charset="2"/>
+              <a:buChar char="ü"/>
+            </a:pPr>
+            <a:r>
+              <a:rPr lang="ko-KR" altLang="en-US" sz="2000" dirty="0" smtClean="0">
+                <a:latin typeface="굴림" panose="020B0600000101010101" pitchFamily="50" charset="-127"/>
+                <a:ea typeface="굴림" panose="020B0600000101010101" pitchFamily="50" charset="-127"/>
+              </a:rPr>
+              <a:t>교통사고가 발생한 경우에는 그 차의 운전자나 그 밖의 승무원은 즉시 정차하여 조치</a:t>
+            </a:r>
+            <a:endParaRPr lang="en-US" altLang="ko-KR" sz="2000" dirty="0" smtClean="0">
+              <a:latin typeface="굴림" panose="020B0600000101010101" pitchFamily="50" charset="-127"/>
+              <a:ea typeface="굴림" panose="020B0600000101010101" pitchFamily="50" charset="-127"/>
+            </a:endParaRPr>
+          </a:p>
+          <a:p>
+            <a:pPr lvl="1">
+              <a:lnSpc>
+                <a:spcPct val="150000"/>
+              </a:lnSpc>
+              <a:buFont typeface="Wingdings" panose="05000000000000000000" pitchFamily="2" charset="2"/>
+              <a:buChar char="ü"/>
+            </a:pPr>
+            <a:r>
+              <a:rPr lang="ko-KR" altLang="en-US" sz="2000" dirty="0" smtClean="0">
+                <a:latin typeface="굴림" panose="020B0600000101010101" pitchFamily="50" charset="-127"/>
+                <a:ea typeface="굴림" panose="020B0600000101010101" pitchFamily="50" charset="-127"/>
+              </a:rPr>
+              <a:t>사상자를 구호하는 등 필요한 조치 및 피해자에게 인적 사항 제공</a:t>
+            </a:r>
+            <a:endParaRPr lang="ko-KR" altLang="en-US" sz="2000" dirty="0">
+              <a:latin typeface="굴림" panose="020B0600000101010101" pitchFamily="50" charset="-127"/>
+              <a:ea typeface="굴림" panose="020B0600000101010101" pitchFamily="50" charset="-127"/>
+            </a:endParaRPr>
+          </a:p>
+        </p:txBody>
+      </p:sp>
+      <p:pic>
+        <p:nvPicPr>
+          <p:cNvPr id="7" name="동영상">
+            <a:hlinkClick r:id="" action="ppaction://media"/>
+          </p:cNvPr>
+          <p:cNvPicPr>
+            <a:picLocks noChangeAspect="1"/>
+          </p:cNvPicPr>
+          <p:nvPr>
+            <a:videoFile r:link="rId2"/>
+            <p:extLst>
+              <p:ext uri="{DAA4B4D4-6D71-4841-9C94-3DE7FCFB9230}">
+                <p14:media xmlns:p14="http://schemas.microsoft.com/office/powerpoint/2010/main" r:embed="rId1"/>
+              </p:ext>
+            </p:extLst>
+          </p:nvPr>
+        </p:nvPicPr>
+        <p:blipFill>
+          <a:blip r:embed="rId4"/>
+          <a:stretch>
+            <a:fillRect/>
+          </a:stretch>
+        </p:blipFill>
+        <p:spPr>
+          <a:xfrm>
+            <a:off x="7243761" y="2194922"/>
+            <a:ext cx="1981200" cy="1524000"/>
+          </a:xfrm>
+          <a:prstGeom prst="rect">
+            <a:avLst/>
+          </a:prstGeom>
+        </p:spPr>
+      </p:pic>
     </p:spTree>
     <p:extLst>
       <p:ext uri="{BB962C8B-B14F-4D97-AF65-F5344CB8AC3E}">
@@ -3845,7 +4790,80 @@
   <p:timing>
     <p:tnLst>
       <p:par>
-        <p:cTn id="1" dur="indefinite" restart="never" nodeType="tmRoot"/>
+        <p:cTn id="1" dur="indefinite" restart="never" nodeType="tmRoot">
+          <p:childTnLst>
+            <p:seq concurrent="1" nextAc="seek">
+              <p:cTn id="2" restart="whenNotActive" fill="hold" evtFilter="cancelBubble" nodeType="interactiveSeq">
+                <p:stCondLst>
+                  <p:cond evt="onClick" delay="0">
+                    <p:tgtEl>
+                      <p:spTgt spid="7"/>
+                    </p:tgtEl>
+                  </p:cond>
+                </p:stCondLst>
+                <p:endSync evt="end" delay="0">
+                  <p:rtn val="all"/>
+                </p:endSync>
+                <p:childTnLst>
+                  <p:par>
+                    <p:cTn id="3" fill="hold">
+                      <p:stCondLst>
+                        <p:cond delay="0"/>
+                      </p:stCondLst>
+                      <p:childTnLst>
+                        <p:par>
+                          <p:cTn id="4" fill="hold">
+                            <p:stCondLst>
+                              <p:cond delay="0"/>
+                            </p:stCondLst>
+                            <p:childTnLst>
+                              <p:par>
+                                <p:cTn id="5" presetID="2" presetClass="mediacall" presetSubtype="0" fill="hold" nodeType="clickEffect">
+                                  <p:stCondLst>
+                                    <p:cond delay="0"/>
+                                  </p:stCondLst>
+                                  <p:childTnLst>
+                                    <p:cmd type="call" cmd="togglePause">
+                                      <p:cBhvr>
+                                        <p:cTn id="6" dur="1" fill="hold"/>
+                                        <p:tgtEl>
+                                          <p:spTgt spid="7"/>
+                                        </p:tgtEl>
+                                      </p:cBhvr>
+                                    </p:cmd>
+                                  </p:childTnLst>
+                                </p:cTn>
+                              </p:par>
+                            </p:childTnLst>
+                          </p:cTn>
+                        </p:par>
+                      </p:childTnLst>
+                    </p:cTn>
+                  </p:par>
+                </p:childTnLst>
+              </p:cTn>
+              <p:nextCondLst>
+                <p:cond evt="onClick" delay="0">
+                  <p:tgtEl>
+                    <p:spTgt spid="7"/>
+                  </p:tgtEl>
+                </p:cond>
+              </p:nextCondLst>
+            </p:seq>
+            <p:video>
+              <p:cMediaNode vol="80000">
+                <p:cTn id="7" fill="hold" display="0">
+                  <p:stCondLst>
+                    <p:cond delay="indefinite"/>
+                  </p:stCondLst>
+                </p:cTn>
+                <p:tgtEl>
+                  <p:spTgt spid="7"/>
+                </p:tgtEl>
+              </p:cMediaNode>
+            </p:video>
+          </p:childTnLst>
+        </p:cTn>
       </p:par>
     </p:tnLst>
   </p:timing>
@@ -3988,25 +5006,6 @@
       </p:sp>
       <p:sp>
         <p:nvSpPr>
-          <p:cNvPr id="3" name="내용 개체 틀 2"/>
-          <p:cNvSpPr>
-            <a:spLocks noGrp="1"/>
-          </p:cNvSpPr>
-          <p:nvPr>
-            <p:ph idx="1"/>
-          </p:nvPr>
-        </p:nvSpPr>
-        <p:spPr/>
-        <p:txBody>
-          <a:bodyPr/>
-          <a:lstStyle/>
-          <a:p>
-            <a:endParaRPr lang="ko-KR" altLang="en-US"/>
-          </a:p>
-        </p:txBody>
-      </p:sp>
-      <p:sp>
-        <p:nvSpPr>
           <p:cNvPr id="4" name="슬라이드 번호 개체 틀 3"/>
           <p:cNvSpPr>
             <a:spLocks noGrp="1"/>
@@ -4024,6 +5023,25 @@
               <a:rPr lang="ko-KR" altLang="en-US" smtClean="0"/>
               <a:t>5</a:t>
             </a:fld>
+            <a:endParaRPr lang="ko-KR" altLang="en-US"/>
+          </a:p>
+        </p:txBody>
+      </p:sp>
+      <p:sp>
+        <p:nvSpPr>
+          <p:cNvPr id="9" name="내용 개체 틀 8"/>
+          <p:cNvSpPr>
+            <a:spLocks noGrp="1"/>
+          </p:cNvSpPr>
+          <p:nvPr>
+            <p:ph idx="1"/>
+          </p:nvPr>
+        </p:nvSpPr>
+        <p:spPr/>
+        <p:txBody>
+          <a:bodyPr/>
+          <a:lstStyle/>
+          <a:p>
             <a:endParaRPr lang="ko-KR" altLang="en-US"/>
           </a:p>
         </p:txBody>

--- a/11214-박준혁.pptx
+++ b/11214-박준혁.pptx
@@ -202,7 +202,7 @@
           <a:p>
             <a:fld id="{8318AE5E-F4CF-4DFD-902C-AF4A30EB7FEB}" type="datetimeFigureOut">
               <a:rPr lang="ko-KR" altLang="en-US" smtClean="0"/>
-              <a:t>2023-05-23</a:t>
+              <a:t>2023-05-24</a:t>
             </a:fld>
             <a:endParaRPr lang="ko-KR" altLang="en-US"/>
           </a:p>
@@ -601,7 +601,7 @@
           <a:p>
             <a:fld id="{13A6E76C-CC2D-447C-8DDE-5708DC4765DC}" type="datetime1">
               <a:rPr lang="ko-KR" altLang="en-US" smtClean="0"/>
-              <a:t>2023-05-23</a:t>
+              <a:t>2023-05-24</a:t>
             </a:fld>
             <a:endParaRPr lang="ko-KR" altLang="en-US"/>
           </a:p>
@@ -778,7 +778,7 @@
           <a:p>
             <a:fld id="{014226AD-54CD-4078-8BBE-B926C9A050F5}" type="datetime1">
               <a:rPr lang="ko-KR" altLang="en-US" smtClean="0"/>
-              <a:t>2023-05-23</a:t>
+              <a:t>2023-05-24</a:t>
             </a:fld>
             <a:endParaRPr lang="ko-KR" altLang="en-US"/>
           </a:p>
@@ -958,7 +958,7 @@
           <a:p>
             <a:fld id="{8BA0821A-FB84-4A34-B06D-FE72BDF5E1F6}" type="datetime1">
               <a:rPr lang="ko-KR" altLang="en-US" smtClean="0"/>
-              <a:t>2023-05-23</a:t>
+              <a:t>2023-05-24</a:t>
             </a:fld>
             <a:endParaRPr lang="ko-KR" altLang="en-US"/>
           </a:p>
@@ -1105,7 +1105,7 @@
           <a:p>
             <a:fld id="{85255E53-79A4-43EF-9176-66E12C82420A}" type="datetime1">
               <a:rPr lang="ko-KR" altLang="en-US" smtClean="0"/>
-              <a:t>2023-05-23</a:t>
+              <a:t>2023-05-24</a:t>
             </a:fld>
             <a:endParaRPr lang="ko-KR" altLang="en-US"/>
           </a:p>
@@ -1530,7 +1530,7 @@
           <a:p>
             <a:fld id="{B614E3E2-A802-4F77-A4BD-3C198C32C6A7}" type="datetime1">
               <a:rPr lang="ko-KR" altLang="en-US" smtClean="0"/>
-              <a:t>2023-05-23</a:t>
+              <a:t>2023-05-24</a:t>
             </a:fld>
             <a:endParaRPr lang="ko-KR" altLang="en-US"/>
           </a:p>
@@ -1762,7 +1762,7 @@
           <a:p>
             <a:fld id="{E77F4454-C0C2-417A-81F1-9068FDFCA329}" type="datetime1">
               <a:rPr lang="ko-KR" altLang="en-US" smtClean="0"/>
-              <a:t>2023-05-23</a:t>
+              <a:t>2023-05-24</a:t>
             </a:fld>
             <a:endParaRPr lang="ko-KR" altLang="en-US"/>
           </a:p>
@@ -2129,7 +2129,7 @@
           <a:p>
             <a:fld id="{53F01550-3F75-4428-813E-E13D8E0218F8}" type="datetime1">
               <a:rPr lang="ko-KR" altLang="en-US" smtClean="0"/>
-              <a:t>2023-05-23</a:t>
+              <a:t>2023-05-24</a:t>
             </a:fld>
             <a:endParaRPr lang="ko-KR" altLang="en-US"/>
           </a:p>
@@ -2247,7 +2247,7 @@
           <a:p>
             <a:fld id="{28D82C1A-0CCA-4401-AC74-136D4B59C538}" type="datetime1">
               <a:rPr lang="ko-KR" altLang="en-US" smtClean="0"/>
-              <a:t>2023-05-23</a:t>
+              <a:t>2023-05-24</a:t>
             </a:fld>
             <a:endParaRPr lang="ko-KR" altLang="en-US"/>
           </a:p>
@@ -2342,7 +2342,7 @@
           <a:p>
             <a:fld id="{CC52ACD0-F3EA-45B8-A247-1713C1A26232}" type="datetime1">
               <a:rPr lang="ko-KR" altLang="en-US" smtClean="0"/>
-              <a:t>2023-05-23</a:t>
+              <a:t>2023-05-24</a:t>
             </a:fld>
             <a:endParaRPr lang="ko-KR" altLang="en-US"/>
           </a:p>
@@ -2619,7 +2619,7 @@
           <a:p>
             <a:fld id="{36BBBF9F-F5C9-4B31-B211-70AFDEBAF2C7}" type="datetime1">
               <a:rPr lang="ko-KR" altLang="en-US" smtClean="0"/>
-              <a:t>2023-05-23</a:t>
+              <a:t>2023-05-24</a:t>
             </a:fld>
             <a:endParaRPr lang="ko-KR" altLang="en-US"/>
           </a:p>
@@ -2876,7 +2876,7 @@
           <a:p>
             <a:fld id="{702B11F3-4421-42AF-B45F-DAD658858DB1}" type="datetime1">
               <a:rPr lang="ko-KR" altLang="en-US" smtClean="0"/>
-              <a:t>2023-05-23</a:t>
+              <a:t>2023-05-24</a:t>
             </a:fld>
             <a:endParaRPr lang="ko-KR" altLang="en-US"/>
           </a:p>
@@ -3089,7 +3089,7 @@
           <a:p>
             <a:fld id="{D02D35F3-03F3-4248-B22B-8EB166BA39E2}" type="datetime1">
               <a:rPr lang="ko-KR" altLang="en-US" smtClean="0"/>
-              <a:t>2023-05-23</a:t>
+              <a:t>2023-05-24</a:t>
             </a:fld>
             <a:endParaRPr lang="ko-KR" altLang="en-US"/>
           </a:p>
@@ -4902,29 +4902,531 @@
           <a:bodyPr/>
           <a:lstStyle/>
           <a:p>
-            <a:endParaRPr lang="ko-KR" altLang="en-US"/>
-          </a:p>
-        </p:txBody>
-      </p:sp>
-      <p:sp>
-        <p:nvSpPr>
-          <p:cNvPr id="3" name="내용 개체 틀 2"/>
-          <p:cNvSpPr>
-            <a:spLocks noGrp="1"/>
-          </p:cNvSpPr>
+            <a:r>
+              <a:rPr lang="en-US" altLang="ko-KR" dirty="0" smtClean="0">
+                <a:latin typeface="돋움" panose="020B0600000101010101" pitchFamily="50" charset="-127"/>
+                <a:ea typeface="돋움" panose="020B0600000101010101" pitchFamily="50" charset="-127"/>
+              </a:rPr>
+              <a:t>Ⅱ. </a:t>
+            </a:r>
+            <a:r>
+              <a:rPr lang="ko-KR" altLang="en-US" dirty="0" smtClean="0">
+                <a:latin typeface="돋움" panose="020B0600000101010101" pitchFamily="50" charset="-127"/>
+                <a:ea typeface="돋움" panose="020B0600000101010101" pitchFamily="50" charset="-127"/>
+              </a:rPr>
+              <a:t>교통사고 줄이기 종합대책</a:t>
+            </a:r>
+            <a:endParaRPr lang="ko-KR" altLang="en-US" dirty="0">
+              <a:latin typeface="돋움" panose="020B0600000101010101" pitchFamily="50" charset="-127"/>
+              <a:ea typeface="돋움" panose="020B0600000101010101" pitchFamily="50" charset="-127"/>
+            </a:endParaRPr>
+          </a:p>
+        </p:txBody>
+      </p:sp>
+      <p:graphicFrame>
+        <p:nvGraphicFramePr>
+          <p:cNvPr id="5" name="내용 개체 틀 4"/>
+          <p:cNvGraphicFramePr>
+            <a:graphicFrameLocks noGrp="1"/>
+          </p:cNvGraphicFramePr>
           <p:nvPr>
             <p:ph idx="1"/>
-          </p:nvPr>
-        </p:nvSpPr>
-        <p:spPr/>
-        <p:txBody>
-          <a:bodyPr/>
-          <a:lstStyle/>
-          <a:p>
-            <a:endParaRPr lang="ko-KR" altLang="en-US"/>
-          </a:p>
-        </p:txBody>
-      </p:sp>
+            <p:extLst>
+              <p:ext uri="{D42A27DB-BD31-4B8C-83A1-F6EECF244321}">
+                <p14:modId xmlns:p14="http://schemas.microsoft.com/office/powerpoint/2010/main" val="943330904"/>
+              </p:ext>
+            </p:extLst>
+          </p:nvPr>
+        </p:nvGraphicFramePr>
+        <p:xfrm>
+          <a:off x="1770614" y="2867890"/>
+          <a:ext cx="7454350" cy="3340392"/>
+        </p:xfrm>
+        <a:graphic>
+          <a:graphicData uri="http://schemas.openxmlformats.org/drawingml/2006/table">
+            <a:tbl>
+              <a:tblPr>
+                <a:tableStyleId>{69C7853C-536D-4A76-A0AE-DD22124D55A5}</a:tableStyleId>
+              </a:tblPr>
+              <a:tblGrid>
+                <a:gridCol w="1490870">
+                  <a:extLst>
+                    <a:ext uri="{9D8B030D-6E8A-4147-A177-3AD203B41FA5}">
+                      <a16:colId xmlns:a16="http://schemas.microsoft.com/office/drawing/2014/main" val="918381807"/>
+                    </a:ext>
+                  </a:extLst>
+                </a:gridCol>
+                <a:gridCol w="1490870">
+                  <a:extLst>
+                    <a:ext uri="{9D8B030D-6E8A-4147-A177-3AD203B41FA5}">
+                      <a16:colId xmlns:a16="http://schemas.microsoft.com/office/drawing/2014/main" val="3905307919"/>
+                    </a:ext>
+                  </a:extLst>
+                </a:gridCol>
+                <a:gridCol w="1490870">
+                  <a:extLst>
+                    <a:ext uri="{9D8B030D-6E8A-4147-A177-3AD203B41FA5}">
+                      <a16:colId xmlns:a16="http://schemas.microsoft.com/office/drawing/2014/main" val="4254817139"/>
+                    </a:ext>
+                  </a:extLst>
+                </a:gridCol>
+                <a:gridCol w="1490870">
+                  <a:extLst>
+                    <a:ext uri="{9D8B030D-6E8A-4147-A177-3AD203B41FA5}">
+                      <a16:colId xmlns:a16="http://schemas.microsoft.com/office/drawing/2014/main" val="2191744551"/>
+                    </a:ext>
+                  </a:extLst>
+                </a:gridCol>
+                <a:gridCol w="1490870">
+                  <a:extLst>
+                    <a:ext uri="{9D8B030D-6E8A-4147-A177-3AD203B41FA5}">
+                      <a16:colId xmlns:a16="http://schemas.microsoft.com/office/drawing/2014/main" val="3486814463"/>
+                    </a:ext>
+                  </a:extLst>
+                </a:gridCol>
+              </a:tblGrid>
+              <a:tr h="835098">
+                <a:tc>
+                  <a:txBody>
+                    <a:bodyPr/>
+                    <a:lstStyle/>
+                    <a:p>
+                      <a:pPr algn="ctr" latinLnBrk="1"/>
+                      <a:r>
+                        <a:rPr lang="ko-KR" altLang="en-US" dirty="0" smtClean="0">
+                          <a:latin typeface="돋움" panose="020B0600000101010101" pitchFamily="50" charset="-127"/>
+                          <a:ea typeface="돋움" panose="020B0600000101010101" pitchFamily="50" charset="-127"/>
+                        </a:rPr>
+                        <a:t>교통약자</a:t>
+                      </a:r>
+                      <a:endParaRPr lang="ko-KR" altLang="en-US" dirty="0">
+                        <a:latin typeface="돋움" panose="020B0600000101010101" pitchFamily="50" charset="-127"/>
+                        <a:ea typeface="돋움" panose="020B0600000101010101" pitchFamily="50" charset="-127"/>
+                      </a:endParaRPr>
+                    </a:p>
+                  </a:txBody>
+                  <a:tcPr anchor="ctr"/>
+                </a:tc>
+                <a:tc rowSpan="2">
+                  <a:txBody>
+                    <a:bodyPr/>
+                    <a:lstStyle/>
+                    <a:p>
+                      <a:pPr algn="ctr" latinLnBrk="1"/>
+                      <a:r>
+                        <a:rPr lang="ko-KR" altLang="en-US" dirty="0" smtClean="0">
+                          <a:latin typeface="돋움" panose="020B0600000101010101" pitchFamily="50" charset="-127"/>
+                          <a:ea typeface="돋움" panose="020B0600000101010101" pitchFamily="50" charset="-127"/>
+                        </a:rPr>
+                        <a:t>어르신</a:t>
+                      </a:r>
+                      <a:r>
+                        <a:rPr lang="en-US" altLang="ko-KR" dirty="0" smtClean="0">
+                          <a:latin typeface="돋움" panose="020B0600000101010101" pitchFamily="50" charset="-127"/>
+                          <a:ea typeface="돋움" panose="020B0600000101010101" pitchFamily="50" charset="-127"/>
+                        </a:rPr>
+                        <a:t>,</a:t>
+                      </a:r>
+                    </a:p>
+                    <a:p>
+                      <a:pPr algn="ctr" latinLnBrk="1"/>
+                      <a:r>
+                        <a:rPr lang="ko-KR" altLang="en-US" dirty="0" smtClean="0">
+                          <a:latin typeface="돋움" panose="020B0600000101010101" pitchFamily="50" charset="-127"/>
+                          <a:ea typeface="돋움" panose="020B0600000101010101" pitchFamily="50" charset="-127"/>
+                        </a:rPr>
+                        <a:t>어린이 교통사고 방지</a:t>
+                      </a:r>
+                      <a:endParaRPr lang="ko-KR" altLang="en-US" dirty="0">
+                        <a:latin typeface="돋움" panose="020B0600000101010101" pitchFamily="50" charset="-127"/>
+                        <a:ea typeface="돋움" panose="020B0600000101010101" pitchFamily="50" charset="-127"/>
+                      </a:endParaRPr>
+                    </a:p>
+                  </a:txBody>
+                  <a:tcPr anchor="ctr"/>
+                </a:tc>
+                <a:tc rowSpan="2">
+                  <a:txBody>
+                    <a:bodyPr/>
+                    <a:lstStyle/>
+                    <a:p>
+                      <a:pPr algn="ctr" latinLnBrk="1"/>
+                      <a:r>
+                        <a:rPr lang="ko-KR" altLang="en-US" dirty="0" smtClean="0">
+                          <a:latin typeface="돋움" panose="020B0600000101010101" pitchFamily="50" charset="-127"/>
+                          <a:ea typeface="돋움" panose="020B0600000101010101" pitchFamily="50" charset="-127"/>
+                        </a:rPr>
+                        <a:t>안전한 보행 환경 구축</a:t>
+                      </a:r>
+                      <a:endParaRPr lang="ko-KR" altLang="en-US" dirty="0">
+                        <a:latin typeface="돋움" panose="020B0600000101010101" pitchFamily="50" charset="-127"/>
+                        <a:ea typeface="돋움" panose="020B0600000101010101" pitchFamily="50" charset="-127"/>
+                      </a:endParaRPr>
+                    </a:p>
+                  </a:txBody>
+                  <a:tcPr anchor="ctr"/>
+                </a:tc>
+                <a:tc rowSpan="2">
+                  <a:txBody>
+                    <a:bodyPr/>
+                    <a:lstStyle/>
+                    <a:p>
+                      <a:pPr algn="ctr" latinLnBrk="1"/>
+                      <a:r>
+                        <a:rPr lang="ko-KR" altLang="en-US" dirty="0" smtClean="0">
+                          <a:latin typeface="돋움" panose="020B0600000101010101" pitchFamily="50" charset="-127"/>
+                          <a:ea typeface="돋움" panose="020B0600000101010101" pitchFamily="50" charset="-127"/>
+                        </a:rPr>
+                        <a:t>택시</a:t>
+                      </a:r>
+                      <a:r>
+                        <a:rPr lang="en-US" altLang="ko-KR" dirty="0" smtClean="0">
+                          <a:latin typeface="돋움" panose="020B0600000101010101" pitchFamily="50" charset="-127"/>
+                          <a:ea typeface="돋움" panose="020B0600000101010101" pitchFamily="50" charset="-127"/>
+                        </a:rPr>
+                        <a:t>,</a:t>
+                      </a:r>
+                      <a:r>
+                        <a:rPr lang="ko-KR" altLang="en-US" baseline="0" dirty="0" smtClean="0">
+                          <a:latin typeface="돋움" panose="020B0600000101010101" pitchFamily="50" charset="-127"/>
+                          <a:ea typeface="돋움" panose="020B0600000101010101" pitchFamily="50" charset="-127"/>
+                        </a:rPr>
+                        <a:t> 화물</a:t>
+                      </a:r>
+                      <a:r>
+                        <a:rPr lang="en-US" altLang="ko-KR" baseline="0" dirty="0" smtClean="0">
+                          <a:latin typeface="돋움" panose="020B0600000101010101" pitchFamily="50" charset="-127"/>
+                          <a:ea typeface="돋움" panose="020B0600000101010101" pitchFamily="50" charset="-127"/>
+                        </a:rPr>
+                        <a:t>, </a:t>
+                      </a:r>
+                      <a:r>
+                        <a:rPr lang="ko-KR" altLang="en-US" baseline="0" dirty="0" smtClean="0">
+                          <a:latin typeface="돋움" panose="020B0600000101010101" pitchFamily="50" charset="-127"/>
+                          <a:ea typeface="돋움" panose="020B0600000101010101" pitchFamily="50" charset="-127"/>
+                        </a:rPr>
+                        <a:t>버스 교통사고 줄이기</a:t>
+                      </a:r>
+                      <a:endParaRPr lang="ko-KR" altLang="en-US" dirty="0">
+                        <a:latin typeface="돋움" panose="020B0600000101010101" pitchFamily="50" charset="-127"/>
+                        <a:ea typeface="돋움" panose="020B0600000101010101" pitchFamily="50" charset="-127"/>
+                      </a:endParaRPr>
+                    </a:p>
+                  </a:txBody>
+                  <a:tcPr anchor="ctr"/>
+                </a:tc>
+                <a:tc rowSpan="4">
+                  <a:txBody>
+                    <a:bodyPr/>
+                    <a:lstStyle/>
+                    <a:p>
+                      <a:pPr algn="ctr" latinLnBrk="1"/>
+                      <a:r>
+                        <a:rPr lang="ko-KR" altLang="en-US" dirty="0" smtClean="0">
+                          <a:latin typeface="돋움" panose="020B0600000101010101" pitchFamily="50" charset="-127"/>
+                          <a:ea typeface="돋움" panose="020B0600000101010101" pitchFamily="50" charset="-127"/>
+                        </a:rPr>
+                        <a:t>교통안전</a:t>
+                      </a:r>
+                      <a:endParaRPr lang="en-US" altLang="ko-KR" dirty="0" smtClean="0">
+                        <a:latin typeface="돋움" panose="020B0600000101010101" pitchFamily="50" charset="-127"/>
+                        <a:ea typeface="돋움" panose="020B0600000101010101" pitchFamily="50" charset="-127"/>
+                      </a:endParaRPr>
+                    </a:p>
+                    <a:p>
+                      <a:pPr algn="ctr" latinLnBrk="1"/>
+                      <a:r>
+                        <a:rPr lang="ko-KR" altLang="en-US" dirty="0" err="1" smtClean="0">
+                          <a:latin typeface="돋움" panose="020B0600000101010101" pitchFamily="50" charset="-127"/>
+                          <a:ea typeface="돋움" panose="020B0600000101010101" pitchFamily="50" charset="-127"/>
+                        </a:rPr>
+                        <a:t>문화확산</a:t>
+                      </a:r>
+                      <a:endParaRPr lang="ko-KR" altLang="en-US" dirty="0">
+                        <a:latin typeface="돋움" panose="020B0600000101010101" pitchFamily="50" charset="-127"/>
+                        <a:ea typeface="돋움" panose="020B0600000101010101" pitchFamily="50" charset="-127"/>
+                      </a:endParaRPr>
+                    </a:p>
+                  </a:txBody>
+                  <a:tcPr anchor="ctr"/>
+                </a:tc>
+                <a:extLst>
+                  <a:ext uri="{0D108BD9-81ED-4DB2-BD59-A6C34878D82A}">
+                    <a16:rowId xmlns:a16="http://schemas.microsoft.com/office/drawing/2014/main" val="2965860141"/>
+                  </a:ext>
+                </a:extLst>
+              </a:tr>
+              <a:tr h="835098">
+                <a:tc>
+                  <a:txBody>
+                    <a:bodyPr/>
+                    <a:lstStyle/>
+                    <a:p>
+                      <a:pPr algn="ctr" latinLnBrk="1"/>
+                      <a:r>
+                        <a:rPr lang="ko-KR" altLang="en-US" dirty="0" err="1" smtClean="0">
+                          <a:latin typeface="돋움" panose="020B0600000101010101" pitchFamily="50" charset="-127"/>
+                          <a:ea typeface="돋움" panose="020B0600000101010101" pitchFamily="50" charset="-127"/>
+                        </a:rPr>
+                        <a:t>사업용차량</a:t>
+                      </a:r>
+                      <a:endParaRPr lang="ko-KR" altLang="en-US" dirty="0">
+                        <a:latin typeface="돋움" panose="020B0600000101010101" pitchFamily="50" charset="-127"/>
+                        <a:ea typeface="돋움" panose="020B0600000101010101" pitchFamily="50" charset="-127"/>
+                      </a:endParaRPr>
+                    </a:p>
+                  </a:txBody>
+                  <a:tcPr anchor="ctr"/>
+                </a:tc>
+                <a:tc vMerge="1">
+                  <a:txBody>
+                    <a:bodyPr/>
+                    <a:lstStyle/>
+                    <a:p>
+                      <a:pPr latinLnBrk="1"/>
+                      <a:endParaRPr lang="ko-KR" altLang="en-US"/>
+                    </a:p>
+                  </a:txBody>
+                  <a:tcPr/>
+                </a:tc>
+                <a:tc vMerge="1">
+                  <a:txBody>
+                    <a:bodyPr/>
+                    <a:lstStyle/>
+                    <a:p>
+                      <a:pPr latinLnBrk="1"/>
+                      <a:endParaRPr lang="ko-KR" altLang="en-US"/>
+                    </a:p>
+                  </a:txBody>
+                  <a:tcPr/>
+                </a:tc>
+                <a:tc vMerge="1">
+                  <a:txBody>
+                    <a:bodyPr/>
+                    <a:lstStyle/>
+                    <a:p>
+                      <a:pPr latinLnBrk="1"/>
+                      <a:endParaRPr lang="ko-KR" altLang="en-US"/>
+                    </a:p>
+                  </a:txBody>
+                  <a:tcPr/>
+                </a:tc>
+                <a:tc vMerge="1">
+                  <a:txBody>
+                    <a:bodyPr/>
+                    <a:lstStyle/>
+                    <a:p>
+                      <a:pPr latinLnBrk="1"/>
+                      <a:endParaRPr lang="ko-KR" altLang="en-US"/>
+                    </a:p>
+                  </a:txBody>
+                  <a:tcPr/>
+                </a:tc>
+                <a:extLst>
+                  <a:ext uri="{0D108BD9-81ED-4DB2-BD59-A6C34878D82A}">
+                    <a16:rowId xmlns:a16="http://schemas.microsoft.com/office/drawing/2014/main" val="2026764621"/>
+                  </a:ext>
+                </a:extLst>
+              </a:tr>
+              <a:tr h="835098">
+                <a:tc>
+                  <a:txBody>
+                    <a:bodyPr/>
+                    <a:lstStyle/>
+                    <a:p>
+                      <a:pPr algn="ctr" latinLnBrk="1"/>
+                      <a:r>
+                        <a:rPr lang="ko-KR" altLang="en-US" dirty="0" smtClean="0">
+                          <a:latin typeface="돋움" panose="020B0600000101010101" pitchFamily="50" charset="-127"/>
+                          <a:ea typeface="돋움" panose="020B0600000101010101" pitchFamily="50" charset="-127"/>
+                        </a:rPr>
+                        <a:t>도로교통</a:t>
+                      </a:r>
+                      <a:endParaRPr lang="ko-KR" altLang="en-US" dirty="0">
+                        <a:latin typeface="돋움" panose="020B0600000101010101" pitchFamily="50" charset="-127"/>
+                        <a:ea typeface="돋움" panose="020B0600000101010101" pitchFamily="50" charset="-127"/>
+                      </a:endParaRPr>
+                    </a:p>
+                  </a:txBody>
+                  <a:tcPr anchor="ctr"/>
+                </a:tc>
+                <a:tc rowSpan="2">
+                  <a:txBody>
+                    <a:bodyPr/>
+                    <a:lstStyle/>
+                    <a:p>
+                      <a:pPr algn="ctr" latinLnBrk="1"/>
+                      <a:r>
+                        <a:rPr lang="ko-KR" altLang="en-US" dirty="0" smtClean="0">
+                          <a:latin typeface="돋움" panose="020B0600000101010101" pitchFamily="50" charset="-127"/>
+                          <a:ea typeface="돋움" panose="020B0600000101010101" pitchFamily="50" charset="-127"/>
+                        </a:rPr>
+                        <a:t>현장 응급대응 체계 강화</a:t>
+                      </a:r>
+                      <a:endParaRPr lang="en-US" altLang="ko-KR" dirty="0" smtClean="0">
+                        <a:latin typeface="돋움" panose="020B0600000101010101" pitchFamily="50" charset="-127"/>
+                        <a:ea typeface="돋움" panose="020B0600000101010101" pitchFamily="50" charset="-127"/>
+                      </a:endParaRPr>
+                    </a:p>
+                  </a:txBody>
+                  <a:tcPr anchor="ctr"/>
+                </a:tc>
+                <a:tc rowSpan="2">
+                  <a:txBody>
+                    <a:bodyPr/>
+                    <a:lstStyle/>
+                    <a:p>
+                      <a:pPr algn="ctr" latinLnBrk="1"/>
+                      <a:r>
+                        <a:rPr lang="ko-KR" altLang="en-US" dirty="0" err="1" smtClean="0">
+                          <a:latin typeface="돋움" panose="020B0600000101010101" pitchFamily="50" charset="-127"/>
+                          <a:ea typeface="돋움" panose="020B0600000101010101" pitchFamily="50" charset="-127"/>
+                        </a:rPr>
+                        <a:t>도로별</a:t>
+                      </a:r>
+                      <a:r>
+                        <a:rPr lang="ko-KR" altLang="en-US" dirty="0" smtClean="0">
+                          <a:latin typeface="돋움" panose="020B0600000101010101" pitchFamily="50" charset="-127"/>
+                          <a:ea typeface="돋움" panose="020B0600000101010101" pitchFamily="50" charset="-127"/>
+                        </a:rPr>
+                        <a:t> 응급대응 지원시설 도입</a:t>
+                      </a:r>
+                      <a:endParaRPr lang="ko-KR" altLang="en-US" dirty="0">
+                        <a:latin typeface="돋움" panose="020B0600000101010101" pitchFamily="50" charset="-127"/>
+                        <a:ea typeface="돋움" panose="020B0600000101010101" pitchFamily="50" charset="-127"/>
+                      </a:endParaRPr>
+                    </a:p>
+                  </a:txBody>
+                  <a:tcPr anchor="ctr"/>
+                </a:tc>
+                <a:tc rowSpan="2">
+                  <a:txBody>
+                    <a:bodyPr/>
+                    <a:lstStyle/>
+                    <a:p>
+                      <a:pPr algn="ctr" latinLnBrk="1"/>
+                      <a:r>
+                        <a:rPr lang="ko-KR" altLang="en-US" dirty="0" smtClean="0">
+                          <a:latin typeface="돋움" panose="020B0600000101010101" pitchFamily="50" charset="-127"/>
+                          <a:ea typeface="돋움" panose="020B0600000101010101" pitchFamily="50" charset="-127"/>
+                        </a:rPr>
+                        <a:t>교통안전 맞춤형 교육 </a:t>
+                      </a:r>
+                      <a:endParaRPr lang="en-US" altLang="ko-KR" dirty="0" smtClean="0">
+                        <a:latin typeface="돋움" panose="020B0600000101010101" pitchFamily="50" charset="-127"/>
+                        <a:ea typeface="돋움" panose="020B0600000101010101" pitchFamily="50" charset="-127"/>
+                      </a:endParaRPr>
+                    </a:p>
+                    <a:p>
+                      <a:pPr algn="ctr" latinLnBrk="1"/>
+                      <a:r>
+                        <a:rPr lang="ko-KR" altLang="en-US" dirty="0" smtClean="0">
+                          <a:latin typeface="돋움" panose="020B0600000101010101" pitchFamily="50" charset="-127"/>
+                          <a:ea typeface="돋움" panose="020B0600000101010101" pitchFamily="50" charset="-127"/>
+                        </a:rPr>
+                        <a:t>강화</a:t>
+                      </a:r>
+                      <a:endParaRPr lang="ko-KR" altLang="en-US" dirty="0">
+                        <a:latin typeface="돋움" panose="020B0600000101010101" pitchFamily="50" charset="-127"/>
+                        <a:ea typeface="돋움" panose="020B0600000101010101" pitchFamily="50" charset="-127"/>
+                      </a:endParaRPr>
+                    </a:p>
+                  </a:txBody>
+                  <a:tcPr anchor="ctr"/>
+                </a:tc>
+                <a:tc vMerge="1">
+                  <a:txBody>
+                    <a:bodyPr/>
+                    <a:lstStyle/>
+                    <a:p>
+                      <a:pPr latinLnBrk="1"/>
+                      <a:endParaRPr lang="ko-KR" altLang="en-US" dirty="0"/>
+                    </a:p>
+                  </a:txBody>
+                  <a:tcPr/>
+                </a:tc>
+                <a:extLst>
+                  <a:ext uri="{0D108BD9-81ED-4DB2-BD59-A6C34878D82A}">
+                    <a16:rowId xmlns:a16="http://schemas.microsoft.com/office/drawing/2014/main" val="3206267806"/>
+                  </a:ext>
+                </a:extLst>
+              </a:tr>
+              <a:tr h="835098">
+                <a:tc>
+                  <a:txBody>
+                    <a:bodyPr/>
+                    <a:lstStyle/>
+                    <a:p>
+                      <a:pPr algn="ctr" latinLnBrk="1"/>
+                      <a:r>
+                        <a:rPr lang="ko-KR" altLang="en-US" dirty="0" smtClean="0">
+                          <a:latin typeface="돋움" panose="020B0600000101010101" pitchFamily="50" charset="-127"/>
+                          <a:ea typeface="돋움" panose="020B0600000101010101" pitchFamily="50" charset="-127"/>
+                        </a:rPr>
+                        <a:t>교통문화</a:t>
+                      </a:r>
+                      <a:endParaRPr lang="ko-KR" altLang="en-US" dirty="0">
+                        <a:latin typeface="돋움" panose="020B0600000101010101" pitchFamily="50" charset="-127"/>
+                        <a:ea typeface="돋움" panose="020B0600000101010101" pitchFamily="50" charset="-127"/>
+                      </a:endParaRPr>
+                    </a:p>
+                  </a:txBody>
+                  <a:tcPr anchor="ctr"/>
+                </a:tc>
+                <a:tc vMerge="1">
+                  <a:txBody>
+                    <a:bodyPr/>
+                    <a:lstStyle/>
+                    <a:p>
+                      <a:pPr latinLnBrk="1"/>
+                      <a:endParaRPr lang="ko-KR" altLang="en-US"/>
+                    </a:p>
+                  </a:txBody>
+                  <a:tcPr/>
+                </a:tc>
+                <a:tc vMerge="1">
+                  <a:txBody>
+                    <a:bodyPr/>
+                    <a:lstStyle/>
+                    <a:p>
+                      <a:pPr latinLnBrk="1"/>
+                      <a:endParaRPr lang="ko-KR" altLang="en-US"/>
+                    </a:p>
+                  </a:txBody>
+                  <a:tcPr/>
+                </a:tc>
+                <a:tc vMerge="1">
+                  <a:txBody>
+                    <a:bodyPr/>
+                    <a:lstStyle/>
+                    <a:p>
+                      <a:pPr latinLnBrk="1"/>
+                      <a:endParaRPr lang="ko-KR" altLang="en-US"/>
+                    </a:p>
+                  </a:txBody>
+                  <a:tcPr/>
+                </a:tc>
+                <a:tc vMerge="1">
+                  <a:txBody>
+                    <a:bodyPr/>
+                    <a:lstStyle/>
+                    <a:p>
+                      <a:pPr latinLnBrk="1"/>
+                      <a:endParaRPr lang="ko-KR" altLang="en-US"/>
+                    </a:p>
+                  </a:txBody>
+                  <a:tcPr/>
+                </a:tc>
+                <a:extLst>
+                  <a:ext uri="{0D108BD9-81ED-4DB2-BD59-A6C34878D82A}">
+                    <a16:rowId xmlns:a16="http://schemas.microsoft.com/office/drawing/2014/main" val="2620553714"/>
+                  </a:ext>
+                </a:extLst>
+              </a:tr>
+            </a:tbl>
+          </a:graphicData>
+        </a:graphic>
+      </p:graphicFrame>
       <p:sp>
         <p:nvSpPr>
           <p:cNvPr id="4" name="슬라이드 번호 개체 틀 3"/>
@@ -4945,6 +5447,545 @@
               <a:t>4</a:t>
             </a:fld>
             <a:endParaRPr lang="ko-KR" altLang="en-US"/>
+          </a:p>
+        </p:txBody>
+      </p:sp>
+      <p:sp>
+        <p:nvSpPr>
+          <p:cNvPr id="6" name="배지 5"/>
+          <p:cNvSpPr/>
+          <p:nvPr/>
+        </p:nvSpPr>
+        <p:spPr>
+          <a:xfrm>
+            <a:off x="1770614" y="1920241"/>
+            <a:ext cx="1487974" cy="947649"/>
+          </a:xfrm>
+          <a:prstGeom prst="plaque">
+            <a:avLst/>
+          </a:prstGeom>
+          <a:solidFill>
+            <a:schemeClr val="accent6"/>
+          </a:solidFill>
+          <a:ln>
+            <a:solidFill>
+              <a:schemeClr val="tx1"/>
+            </a:solidFill>
+          </a:ln>
+        </p:spPr>
+        <p:style>
+          <a:lnRef idx="2">
+            <a:schemeClr val="accent1">
+              <a:shade val="50000"/>
+            </a:schemeClr>
+          </a:lnRef>
+          <a:fillRef idx="1">
+            <a:schemeClr val="accent1"/>
+          </a:fillRef>
+          <a:effectRef idx="0">
+            <a:schemeClr val="accent1"/>
+          </a:effectRef>
+          <a:fontRef idx="minor">
+            <a:schemeClr val="lt1"/>
+          </a:fontRef>
+        </p:style>
+        <p:txBody>
+          <a:bodyPr rtlCol="0" anchor="ctr"/>
+          <a:lstStyle/>
+          <a:p>
+            <a:pPr algn="ctr"/>
+            <a:endParaRPr lang="ko-KR" altLang="en-US">
+              <a:solidFill>
+                <a:schemeClr val="tx1"/>
+              </a:solidFill>
+              <a:latin typeface="돋움" panose="020B0600000101010101" pitchFamily="50" charset="-127"/>
+              <a:ea typeface="돋움" panose="020B0600000101010101" pitchFamily="50" charset="-127"/>
+            </a:endParaRPr>
+          </a:p>
+        </p:txBody>
+      </p:sp>
+      <p:sp>
+        <p:nvSpPr>
+          <p:cNvPr id="7" name="눈물 방울 6"/>
+          <p:cNvSpPr/>
+          <p:nvPr/>
+        </p:nvSpPr>
+        <p:spPr>
+          <a:xfrm flipH="1">
+            <a:off x="1770614" y="1920240"/>
+            <a:ext cx="1487974" cy="947650"/>
+          </a:xfrm>
+          <a:prstGeom prst="teardrop">
+            <a:avLst>
+              <a:gd name="adj" fmla="val 30726"/>
+            </a:avLst>
+          </a:prstGeom>
+          <a:solidFill>
+            <a:schemeClr val="accent4">
+              <a:lumMod val="40000"/>
+              <a:lumOff val="60000"/>
+            </a:schemeClr>
+          </a:solidFill>
+          <a:ln>
+            <a:solidFill>
+              <a:schemeClr val="tx1"/>
+            </a:solidFill>
+          </a:ln>
+        </p:spPr>
+        <p:style>
+          <a:lnRef idx="2">
+            <a:schemeClr val="accent1">
+              <a:shade val="50000"/>
+            </a:schemeClr>
+          </a:lnRef>
+          <a:fillRef idx="1">
+            <a:schemeClr val="accent1"/>
+          </a:fillRef>
+          <a:effectRef idx="0">
+            <a:schemeClr val="accent1"/>
+          </a:effectRef>
+          <a:fontRef idx="minor">
+            <a:schemeClr val="lt1"/>
+          </a:fontRef>
+        </p:style>
+        <p:txBody>
+          <a:bodyPr rtlCol="0" anchor="ctr"/>
+          <a:lstStyle/>
+          <a:p>
+            <a:pPr algn="ctr"/>
+            <a:r>
+              <a:rPr lang="ko-KR" altLang="en-US" dirty="0" smtClean="0">
+                <a:solidFill>
+                  <a:schemeClr val="tx1"/>
+                </a:solidFill>
+                <a:latin typeface="돋움" panose="020B0600000101010101" pitchFamily="50" charset="-127"/>
+                <a:ea typeface="돋움" panose="020B0600000101010101" pitchFamily="50" charset="-127"/>
+              </a:rPr>
+              <a:t>분야</a:t>
+            </a:r>
+            <a:endParaRPr lang="ko-KR" altLang="en-US" dirty="0">
+              <a:solidFill>
+                <a:schemeClr val="tx1"/>
+              </a:solidFill>
+              <a:latin typeface="돋움" panose="020B0600000101010101" pitchFamily="50" charset="-127"/>
+              <a:ea typeface="돋움" panose="020B0600000101010101" pitchFamily="50" charset="-127"/>
+            </a:endParaRPr>
+          </a:p>
+        </p:txBody>
+      </p:sp>
+      <p:sp>
+        <p:nvSpPr>
+          <p:cNvPr id="8" name="배지 7"/>
+          <p:cNvSpPr/>
+          <p:nvPr/>
+        </p:nvSpPr>
+        <p:spPr>
+          <a:xfrm>
+            <a:off x="3258588" y="1920241"/>
+            <a:ext cx="4471158" cy="947649"/>
+          </a:xfrm>
+          <a:prstGeom prst="plaque">
+            <a:avLst/>
+          </a:prstGeom>
+          <a:solidFill>
+            <a:schemeClr val="accent6"/>
+          </a:solidFill>
+          <a:ln>
+            <a:solidFill>
+              <a:schemeClr val="tx1"/>
+            </a:solidFill>
+          </a:ln>
+        </p:spPr>
+        <p:style>
+          <a:lnRef idx="2">
+            <a:schemeClr val="accent1">
+              <a:shade val="50000"/>
+            </a:schemeClr>
+          </a:lnRef>
+          <a:fillRef idx="1">
+            <a:schemeClr val="accent1"/>
+          </a:fillRef>
+          <a:effectRef idx="0">
+            <a:schemeClr val="accent1"/>
+          </a:effectRef>
+          <a:fontRef idx="minor">
+            <a:schemeClr val="lt1"/>
+          </a:fontRef>
+        </p:style>
+        <p:txBody>
+          <a:bodyPr rtlCol="0" anchor="ctr"/>
+          <a:lstStyle/>
+          <a:p>
+            <a:pPr algn="ctr"/>
+            <a:endParaRPr lang="ko-KR" altLang="en-US">
+              <a:solidFill>
+                <a:schemeClr val="tx1"/>
+              </a:solidFill>
+              <a:latin typeface="돋움" panose="020B0600000101010101" pitchFamily="50" charset="-127"/>
+              <a:ea typeface="돋움" panose="020B0600000101010101" pitchFamily="50" charset="-127"/>
+            </a:endParaRPr>
+          </a:p>
+        </p:txBody>
+      </p:sp>
+      <p:sp>
+        <p:nvSpPr>
+          <p:cNvPr id="9" name="눈물 방울 8"/>
+          <p:cNvSpPr/>
+          <p:nvPr/>
+        </p:nvSpPr>
+        <p:spPr>
+          <a:xfrm flipH="1">
+            <a:off x="3258588" y="1920240"/>
+            <a:ext cx="4471158" cy="947650"/>
+          </a:xfrm>
+          <a:prstGeom prst="teardrop">
+            <a:avLst>
+              <a:gd name="adj" fmla="val 30726"/>
+            </a:avLst>
+          </a:prstGeom>
+          <a:solidFill>
+            <a:schemeClr val="accent4">
+              <a:lumMod val="40000"/>
+              <a:lumOff val="60000"/>
+            </a:schemeClr>
+          </a:solidFill>
+          <a:ln>
+            <a:solidFill>
+              <a:schemeClr val="tx1"/>
+            </a:solidFill>
+          </a:ln>
+        </p:spPr>
+        <p:style>
+          <a:lnRef idx="2">
+            <a:schemeClr val="accent1">
+              <a:shade val="50000"/>
+            </a:schemeClr>
+          </a:lnRef>
+          <a:fillRef idx="1">
+            <a:schemeClr val="accent1"/>
+          </a:fillRef>
+          <a:effectRef idx="0">
+            <a:schemeClr val="accent1"/>
+          </a:effectRef>
+          <a:fontRef idx="minor">
+            <a:schemeClr val="lt1"/>
+          </a:fontRef>
+        </p:style>
+        <p:txBody>
+          <a:bodyPr rtlCol="0" anchor="ctr"/>
+          <a:lstStyle/>
+          <a:p>
+            <a:pPr algn="ctr"/>
+            <a:r>
+              <a:rPr lang="ko-KR" altLang="en-US" dirty="0" smtClean="0">
+                <a:solidFill>
+                  <a:schemeClr val="tx1"/>
+                </a:solidFill>
+                <a:latin typeface="돋움" panose="020B0600000101010101" pitchFamily="50" charset="-127"/>
+                <a:ea typeface="돋움" panose="020B0600000101010101" pitchFamily="50" charset="-127"/>
+              </a:rPr>
+              <a:t>정책 과제</a:t>
+            </a:r>
+            <a:endParaRPr lang="ko-KR" altLang="en-US" dirty="0">
+              <a:solidFill>
+                <a:schemeClr val="tx1"/>
+              </a:solidFill>
+              <a:latin typeface="돋움" panose="020B0600000101010101" pitchFamily="50" charset="-127"/>
+              <a:ea typeface="돋움" panose="020B0600000101010101" pitchFamily="50" charset="-127"/>
+            </a:endParaRPr>
+          </a:p>
+        </p:txBody>
+      </p:sp>
+      <p:sp>
+        <p:nvSpPr>
+          <p:cNvPr id="10" name="배지 9"/>
+          <p:cNvSpPr/>
+          <p:nvPr/>
+        </p:nvSpPr>
+        <p:spPr>
+          <a:xfrm>
+            <a:off x="7736987" y="1920241"/>
+            <a:ext cx="1487974" cy="947649"/>
+          </a:xfrm>
+          <a:prstGeom prst="plaque">
+            <a:avLst/>
+          </a:prstGeom>
+          <a:solidFill>
+            <a:schemeClr val="accent6"/>
+          </a:solidFill>
+          <a:ln>
+            <a:solidFill>
+              <a:schemeClr val="tx1"/>
+            </a:solidFill>
+          </a:ln>
+        </p:spPr>
+        <p:style>
+          <a:lnRef idx="2">
+            <a:schemeClr val="accent1">
+              <a:shade val="50000"/>
+            </a:schemeClr>
+          </a:lnRef>
+          <a:fillRef idx="1">
+            <a:schemeClr val="accent1"/>
+          </a:fillRef>
+          <a:effectRef idx="0">
+            <a:schemeClr val="accent1"/>
+          </a:effectRef>
+          <a:fontRef idx="minor">
+            <a:schemeClr val="lt1"/>
+          </a:fontRef>
+        </p:style>
+        <p:txBody>
+          <a:bodyPr rtlCol="0" anchor="ctr"/>
+          <a:lstStyle/>
+          <a:p>
+            <a:pPr algn="ctr"/>
+            <a:endParaRPr lang="ko-KR" altLang="en-US">
+              <a:solidFill>
+                <a:schemeClr val="tx1"/>
+              </a:solidFill>
+              <a:latin typeface="돋움" panose="020B0600000101010101" pitchFamily="50" charset="-127"/>
+              <a:ea typeface="돋움" panose="020B0600000101010101" pitchFamily="50" charset="-127"/>
+            </a:endParaRPr>
+          </a:p>
+        </p:txBody>
+      </p:sp>
+      <p:sp>
+        <p:nvSpPr>
+          <p:cNvPr id="11" name="눈물 방울 10"/>
+          <p:cNvSpPr/>
+          <p:nvPr/>
+        </p:nvSpPr>
+        <p:spPr>
+          <a:xfrm flipH="1">
+            <a:off x="7736984" y="1920240"/>
+            <a:ext cx="1487977" cy="947650"/>
+          </a:xfrm>
+          <a:prstGeom prst="teardrop">
+            <a:avLst>
+              <a:gd name="adj" fmla="val 30726"/>
+            </a:avLst>
+          </a:prstGeom>
+          <a:solidFill>
+            <a:schemeClr val="accent4">
+              <a:lumMod val="40000"/>
+              <a:lumOff val="60000"/>
+            </a:schemeClr>
+          </a:solidFill>
+          <a:ln>
+            <a:solidFill>
+              <a:schemeClr val="tx1"/>
+            </a:solidFill>
+          </a:ln>
+        </p:spPr>
+        <p:style>
+          <a:lnRef idx="2">
+            <a:schemeClr val="accent1">
+              <a:shade val="50000"/>
+            </a:schemeClr>
+          </a:lnRef>
+          <a:fillRef idx="1">
+            <a:schemeClr val="accent1"/>
+          </a:fillRef>
+          <a:effectRef idx="0">
+            <a:schemeClr val="accent1"/>
+          </a:effectRef>
+          <a:fontRef idx="minor">
+            <a:schemeClr val="lt1"/>
+          </a:fontRef>
+        </p:style>
+        <p:txBody>
+          <a:bodyPr rtlCol="0" anchor="ctr"/>
+          <a:lstStyle/>
+          <a:p>
+            <a:pPr algn="ctr"/>
+            <a:r>
+              <a:rPr lang="ko-KR" altLang="en-US" dirty="0" smtClean="0">
+                <a:solidFill>
+                  <a:schemeClr val="tx1"/>
+                </a:solidFill>
+                <a:latin typeface="돋움" panose="020B0600000101010101" pitchFamily="50" charset="-127"/>
+                <a:ea typeface="돋움" panose="020B0600000101010101" pitchFamily="50" charset="-127"/>
+              </a:rPr>
+              <a:t>기타</a:t>
+            </a:r>
+            <a:endParaRPr lang="ko-KR" altLang="en-US" dirty="0">
+              <a:solidFill>
+                <a:schemeClr val="tx1"/>
+              </a:solidFill>
+              <a:latin typeface="돋움" panose="020B0600000101010101" pitchFamily="50" charset="-127"/>
+              <a:ea typeface="돋움" panose="020B0600000101010101" pitchFamily="50" charset="-127"/>
+            </a:endParaRPr>
+          </a:p>
+        </p:txBody>
+      </p:sp>
+      <p:sp>
+        <p:nvSpPr>
+          <p:cNvPr id="12" name="순서도: 지연 11"/>
+          <p:cNvSpPr/>
+          <p:nvPr/>
+        </p:nvSpPr>
+        <p:spPr>
+          <a:xfrm flipH="1">
+            <a:off x="440573" y="4530437"/>
+            <a:ext cx="1330039" cy="1662548"/>
+          </a:xfrm>
+          <a:prstGeom prst="flowChartDelay">
+            <a:avLst/>
+          </a:prstGeom>
+          <a:gradFill flip="none" rotWithShape="1">
+            <a:gsLst>
+              <a:gs pos="0">
+                <a:schemeClr val="accent1">
+                  <a:tint val="66000"/>
+                  <a:satMod val="160000"/>
+                </a:schemeClr>
+              </a:gs>
+              <a:gs pos="50000">
+                <a:schemeClr val="accent1">
+                  <a:tint val="44500"/>
+                  <a:satMod val="160000"/>
+                </a:schemeClr>
+              </a:gs>
+              <a:gs pos="100000">
+                <a:schemeClr val="accent1">
+                  <a:tint val="23500"/>
+                  <a:satMod val="160000"/>
+                </a:schemeClr>
+              </a:gs>
+            </a:gsLst>
+            <a:lin ang="5400000" scaled="1"/>
+            <a:tileRect/>
+          </a:gradFill>
+          <a:ln>
+            <a:solidFill>
+              <a:schemeClr val="tx1"/>
+            </a:solidFill>
+          </a:ln>
+        </p:spPr>
+        <p:style>
+          <a:lnRef idx="2">
+            <a:schemeClr val="accent1">
+              <a:shade val="50000"/>
+            </a:schemeClr>
+          </a:lnRef>
+          <a:fillRef idx="1">
+            <a:schemeClr val="accent1"/>
+          </a:fillRef>
+          <a:effectRef idx="0">
+            <a:schemeClr val="accent1"/>
+          </a:effectRef>
+          <a:fontRef idx="minor">
+            <a:schemeClr val="lt1"/>
+          </a:fontRef>
+        </p:style>
+        <p:txBody>
+          <a:bodyPr rtlCol="0" anchor="ctr"/>
+          <a:lstStyle/>
+          <a:p>
+            <a:pPr algn="ctr"/>
+            <a:r>
+              <a:rPr lang="ko-KR" altLang="en-US" dirty="0" smtClean="0">
+                <a:solidFill>
+                  <a:schemeClr val="tx1"/>
+                </a:solidFill>
+                <a:latin typeface="돋움" panose="020B0600000101010101" pitchFamily="50" charset="-127"/>
+                <a:ea typeface="돋움" panose="020B0600000101010101" pitchFamily="50" charset="-127"/>
+              </a:rPr>
+              <a:t>기관</a:t>
+            </a:r>
+            <a:endParaRPr lang="ko-KR" altLang="en-US" dirty="0">
+              <a:solidFill>
+                <a:schemeClr val="tx1"/>
+              </a:solidFill>
+              <a:latin typeface="돋움" panose="020B0600000101010101" pitchFamily="50" charset="-127"/>
+              <a:ea typeface="돋움" panose="020B0600000101010101" pitchFamily="50" charset="-127"/>
+            </a:endParaRPr>
+          </a:p>
+        </p:txBody>
+      </p:sp>
+      <p:sp>
+        <p:nvSpPr>
+          <p:cNvPr id="14" name="순서도: 지연 13"/>
+          <p:cNvSpPr/>
+          <p:nvPr/>
+        </p:nvSpPr>
+        <p:spPr>
+          <a:xfrm flipH="1">
+            <a:off x="440573" y="2875538"/>
+            <a:ext cx="1330039" cy="1662548"/>
+          </a:xfrm>
+          <a:prstGeom prst="flowChartDelay">
+            <a:avLst/>
+          </a:prstGeom>
+          <a:gradFill flip="none" rotWithShape="1">
+            <a:gsLst>
+              <a:gs pos="0">
+                <a:schemeClr val="accent1">
+                  <a:tint val="66000"/>
+                  <a:satMod val="160000"/>
+                </a:schemeClr>
+              </a:gs>
+              <a:gs pos="50000">
+                <a:schemeClr val="accent1">
+                  <a:tint val="44500"/>
+                  <a:satMod val="160000"/>
+                </a:schemeClr>
+              </a:gs>
+              <a:gs pos="100000">
+                <a:schemeClr val="accent1">
+                  <a:tint val="23500"/>
+                  <a:satMod val="160000"/>
+                </a:schemeClr>
+              </a:gs>
+            </a:gsLst>
+            <a:lin ang="5400000" scaled="1"/>
+            <a:tileRect/>
+          </a:gradFill>
+          <a:ln>
+            <a:solidFill>
+              <a:schemeClr val="tx1"/>
+            </a:solidFill>
+          </a:ln>
+        </p:spPr>
+        <p:style>
+          <a:lnRef idx="2">
+            <a:schemeClr val="accent1">
+              <a:shade val="50000"/>
+            </a:schemeClr>
+          </a:lnRef>
+          <a:fillRef idx="1">
+            <a:schemeClr val="accent1"/>
+          </a:fillRef>
+          <a:effectRef idx="0">
+            <a:schemeClr val="accent1"/>
+          </a:effectRef>
+          <a:fontRef idx="minor">
+            <a:schemeClr val="lt1"/>
+          </a:fontRef>
+        </p:style>
+        <p:txBody>
+          <a:bodyPr rtlCol="0" anchor="ctr"/>
+          <a:lstStyle/>
+          <a:p>
+            <a:pPr algn="ctr"/>
+            <a:r>
+              <a:rPr lang="ko-KR" altLang="en-US" dirty="0" smtClean="0">
+                <a:solidFill>
+                  <a:schemeClr val="tx1"/>
+                </a:solidFill>
+                <a:latin typeface="돋움" panose="020B0600000101010101" pitchFamily="50" charset="-127"/>
+                <a:ea typeface="돋움" panose="020B0600000101010101" pitchFamily="50" charset="-127"/>
+              </a:rPr>
+              <a:t>개인</a:t>
+            </a:r>
+            <a:endParaRPr lang="ko-KR" altLang="en-US" dirty="0">
+              <a:solidFill>
+                <a:schemeClr val="tx1"/>
+              </a:solidFill>
+              <a:latin typeface="돋움" panose="020B0600000101010101" pitchFamily="50" charset="-127"/>
+              <a:ea typeface="돋움" panose="020B0600000101010101" pitchFamily="50" charset="-127"/>
+            </a:endParaRPr>
           </a:p>
         </p:txBody>
       </p:sp>

--- a/11214-박준혁.pptx
+++ b/11214-박준혁.pptx
@@ -112,11 +112,6 @@
       </a:defRPr>
     </a:lvl9pPr>
   </p:defaultTextStyle>
-  <p:extLst>
-    <p:ext uri="{EFAFB233-063F-42B5-8137-9DF3F51BA10A}">
-      <p15:sldGuideLst xmlns:p15="http://schemas.microsoft.com/office/powerpoint/2012/main"/>
-    </p:ext>
-  </p:extLst>
 </p:presentation>
 </file>
 
@@ -200,9 +195,9 @@
             </a:lvl1pPr>
           </a:lstStyle>
           <a:p>
-            <a:fld id="{8318AE5E-F4CF-4DFD-902C-AF4A30EB7FEB}" type="datetimeFigureOut">
-              <a:rPr lang="ko-KR" altLang="en-US" smtClean="0"/>
-              <a:t>2023-05-24</a:t>
+            <a:fld id="{6D09E46C-66EE-4191-BC6A-C25805889EE1}" type="datetimeFigureOut">
+              <a:rPr lang="ko-KR" altLang="en-US" smtClean="0"/>
+              <a:t>2023-05-31</a:t>
             </a:fld>
             <a:endParaRPr lang="ko-KR" altLang="en-US"/>
           </a:p>
@@ -359,7 +354,7 @@
             </a:lvl1pPr>
           </a:lstStyle>
           <a:p>
-            <a:fld id="{51176DFA-7BD5-4061-B386-2560F646C838}" type="slidenum">
+            <a:fld id="{E89A1F4C-2547-43A5-A70D-1D7FA852DE1F}" type="slidenum">
               <a:rPr lang="ko-KR" altLang="en-US" smtClean="0"/>
               <a:t>‹#›</a:t>
             </a:fld>
@@ -370,7 +365,7 @@
     </p:spTree>
     <p:extLst>
       <p:ext uri="{BB962C8B-B14F-4D97-AF65-F5344CB8AC3E}">
-        <p14:creationId xmlns:p14="http://schemas.microsoft.com/office/powerpoint/2010/main" val="2478107021"/>
+        <p14:creationId xmlns:p14="http://schemas.microsoft.com/office/powerpoint/2010/main" val="166213457"/>
       </p:ext>
     </p:extLst>
   </p:cSld>
@@ -599,11 +594,11 @@
           <a:bodyPr/>
           <a:lstStyle/>
           <a:p>
-            <a:fld id="{13A6E76C-CC2D-447C-8DDE-5708DC4765DC}" type="datetime1">
-              <a:rPr lang="ko-KR" altLang="en-US" smtClean="0"/>
-              <a:t>2023-05-24</a:t>
+            <a:fld id="{39A7ACB3-6B1D-4443-9E0C-2A803CC6FAE1}" type="datetime1">
+              <a:rPr lang="ko-KR" altLang="en-US" smtClean="0"/>
+              <a:t>2023-05-31</a:t>
             </a:fld>
-            <a:endParaRPr lang="ko-KR" altLang="en-US"/>
+            <a:endParaRPr lang="ko-KR" altLang="en-US" dirty="0"/>
           </a:p>
         </p:txBody>
       </p:sp>
@@ -622,7 +617,7 @@
           <a:bodyPr/>
           <a:lstStyle/>
           <a:p>
-            <a:endParaRPr lang="ko-KR" altLang="en-US"/>
+            <a:endParaRPr lang="ko-KR" altLang="en-US" dirty="0"/>
           </a:p>
         </p:txBody>
       </p:sp>
@@ -641,18 +636,18 @@
           <a:bodyPr/>
           <a:lstStyle/>
           <a:p>
-            <a:fld id="{ADE4B6AC-C1FE-4E24-8BB5-8F122553B6B1}" type="slidenum">
+            <a:fld id="{87932528-7ED5-470E-80D5-6A765EBCDFE6}" type="slidenum">
               <a:rPr lang="ko-KR" altLang="en-US" smtClean="0"/>
               <a:t>‹#›</a:t>
             </a:fld>
-            <a:endParaRPr lang="ko-KR" altLang="en-US"/>
+            <a:endParaRPr lang="ko-KR" altLang="en-US" dirty="0"/>
           </a:p>
         </p:txBody>
       </p:sp>
     </p:spTree>
     <p:extLst>
       <p:ext uri="{BB962C8B-B14F-4D97-AF65-F5344CB8AC3E}">
-        <p14:creationId xmlns:p14="http://schemas.microsoft.com/office/powerpoint/2010/main" val="3054040519"/>
+        <p14:creationId xmlns:p14="http://schemas.microsoft.com/office/powerpoint/2010/main" val="2012955908"/>
       </p:ext>
     </p:extLst>
   </p:cSld>
@@ -776,11 +771,11 @@
           <a:bodyPr/>
           <a:lstStyle/>
           <a:p>
-            <a:fld id="{014226AD-54CD-4078-8BBE-B926C9A050F5}" type="datetime1">
-              <a:rPr lang="ko-KR" altLang="en-US" smtClean="0"/>
-              <a:t>2023-05-24</a:t>
+            <a:fld id="{EBA191BC-86AE-4FD5-8EDF-F89962C3C342}" type="datetime1">
+              <a:rPr lang="ko-KR" altLang="en-US" smtClean="0"/>
+              <a:t>2023-05-31</a:t>
             </a:fld>
-            <a:endParaRPr lang="ko-KR" altLang="en-US"/>
+            <a:endParaRPr lang="ko-KR" altLang="en-US" dirty="0"/>
           </a:p>
         </p:txBody>
       </p:sp>
@@ -799,7 +794,7 @@
           <a:bodyPr/>
           <a:lstStyle/>
           <a:p>
-            <a:endParaRPr lang="ko-KR" altLang="en-US"/>
+            <a:endParaRPr lang="ko-KR" altLang="en-US" dirty="0"/>
           </a:p>
         </p:txBody>
       </p:sp>
@@ -818,18 +813,18 @@
           <a:bodyPr/>
           <a:lstStyle/>
           <a:p>
-            <a:fld id="{ADE4B6AC-C1FE-4E24-8BB5-8F122553B6B1}" type="slidenum">
+            <a:fld id="{87932528-7ED5-470E-80D5-6A765EBCDFE6}" type="slidenum">
               <a:rPr lang="ko-KR" altLang="en-US" smtClean="0"/>
               <a:t>‹#›</a:t>
             </a:fld>
-            <a:endParaRPr lang="ko-KR" altLang="en-US"/>
+            <a:endParaRPr lang="ko-KR" altLang="en-US" dirty="0"/>
           </a:p>
         </p:txBody>
       </p:sp>
     </p:spTree>
     <p:extLst>
       <p:ext uri="{BB962C8B-B14F-4D97-AF65-F5344CB8AC3E}">
-        <p14:creationId xmlns:p14="http://schemas.microsoft.com/office/powerpoint/2010/main" val="907893515"/>
+        <p14:creationId xmlns:p14="http://schemas.microsoft.com/office/powerpoint/2010/main" val="3935633799"/>
       </p:ext>
     </p:extLst>
   </p:cSld>
@@ -956,11 +951,11 @@
           <a:bodyPr/>
           <a:lstStyle/>
           <a:p>
-            <a:fld id="{8BA0821A-FB84-4A34-B06D-FE72BDF5E1F6}" type="datetime1">
-              <a:rPr lang="ko-KR" altLang="en-US" smtClean="0"/>
-              <a:t>2023-05-24</a:t>
+            <a:fld id="{ECDED8C7-CAB8-4B18-B463-23F0E3D7D53D}" type="datetime1">
+              <a:rPr lang="ko-KR" altLang="en-US" smtClean="0"/>
+              <a:t>2023-05-31</a:t>
             </a:fld>
-            <a:endParaRPr lang="ko-KR" altLang="en-US"/>
+            <a:endParaRPr lang="ko-KR" altLang="en-US" dirty="0"/>
           </a:p>
         </p:txBody>
       </p:sp>
@@ -979,7 +974,7 @@
           <a:bodyPr/>
           <a:lstStyle/>
           <a:p>
-            <a:endParaRPr lang="ko-KR" altLang="en-US"/>
+            <a:endParaRPr lang="ko-KR" altLang="en-US" dirty="0"/>
           </a:p>
         </p:txBody>
       </p:sp>
@@ -998,18 +993,18 @@
           <a:bodyPr/>
           <a:lstStyle/>
           <a:p>
-            <a:fld id="{ADE4B6AC-C1FE-4E24-8BB5-8F122553B6B1}" type="slidenum">
+            <a:fld id="{87932528-7ED5-470E-80D5-6A765EBCDFE6}" type="slidenum">
               <a:rPr lang="ko-KR" altLang="en-US" smtClean="0"/>
               <a:t>‹#›</a:t>
             </a:fld>
-            <a:endParaRPr lang="ko-KR" altLang="en-US"/>
+            <a:endParaRPr lang="ko-KR" altLang="en-US" dirty="0"/>
           </a:p>
         </p:txBody>
       </p:sp>
     </p:spTree>
     <p:extLst>
       <p:ext uri="{BB962C8B-B14F-4D97-AF65-F5344CB8AC3E}">
-        <p14:creationId xmlns:p14="http://schemas.microsoft.com/office/powerpoint/2010/main" val="1179666841"/>
+        <p14:creationId xmlns:p14="http://schemas.microsoft.com/office/powerpoint/2010/main" val="2299200238"/>
       </p:ext>
     </p:extLst>
   </p:cSld>
@@ -1038,139 +1033,22 @@
       </p:grpSpPr>
       <p:sp>
         <p:nvSpPr>
-          <p:cNvPr id="3" name="Content Placeholder 2"/>
-          <p:cNvSpPr>
-            <a:spLocks noGrp="1"/>
-          </p:cNvSpPr>
-          <p:nvPr>
-            <p:ph idx="1"/>
-          </p:nvPr>
-        </p:nvSpPr>
-        <p:spPr/>
-        <p:txBody>
-          <a:bodyPr/>
-          <a:lstStyle/>
-          <a:p>
-            <a:pPr lvl="0"/>
-            <a:r>
-              <a:rPr lang="ko-KR" altLang="en-US" dirty="0" smtClean="0"/>
-              <a:t>마스터 텍스트 스타일 편집</a:t>
-            </a:r>
-          </a:p>
-          <a:p>
-            <a:pPr lvl="1"/>
-            <a:r>
-              <a:rPr lang="ko-KR" altLang="en-US" dirty="0" smtClean="0"/>
-              <a:t>둘째 수준</a:t>
-            </a:r>
-          </a:p>
-          <a:p>
-            <a:pPr lvl="2"/>
-            <a:r>
-              <a:rPr lang="ko-KR" altLang="en-US" dirty="0" smtClean="0"/>
-              <a:t>셋째 수준</a:t>
-            </a:r>
-          </a:p>
-          <a:p>
-            <a:pPr lvl="3"/>
-            <a:r>
-              <a:rPr lang="ko-KR" altLang="en-US" dirty="0" smtClean="0"/>
-              <a:t>넷째 수준</a:t>
-            </a:r>
-          </a:p>
-          <a:p>
-            <a:pPr lvl="4"/>
-            <a:r>
-              <a:rPr lang="ko-KR" altLang="en-US" dirty="0" smtClean="0"/>
-              <a:t>다섯째 수준</a:t>
-            </a:r>
-            <a:endParaRPr lang="en-US" dirty="0"/>
-          </a:p>
-        </p:txBody>
-      </p:sp>
-      <p:sp>
-        <p:nvSpPr>
-          <p:cNvPr id="4" name="Date Placeholder 3"/>
-          <p:cNvSpPr>
-            <a:spLocks noGrp="1"/>
-          </p:cNvSpPr>
-          <p:nvPr>
-            <p:ph type="dt" sz="half" idx="10"/>
-          </p:nvPr>
-        </p:nvSpPr>
-        <p:spPr/>
-        <p:txBody>
-          <a:bodyPr/>
-          <a:lstStyle/>
-          <a:p>
-            <a:fld id="{85255E53-79A4-43EF-9176-66E12C82420A}" type="datetime1">
-              <a:rPr lang="ko-KR" altLang="en-US" smtClean="0"/>
-              <a:t>2023-05-24</a:t>
-            </a:fld>
-            <a:endParaRPr lang="ko-KR" altLang="en-US"/>
-          </a:p>
-        </p:txBody>
-      </p:sp>
-      <p:sp>
-        <p:nvSpPr>
-          <p:cNvPr id="5" name="Footer Placeholder 4"/>
-          <p:cNvSpPr>
-            <a:spLocks noGrp="1"/>
-          </p:cNvSpPr>
-          <p:nvPr>
-            <p:ph type="ftr" sz="quarter" idx="11"/>
-          </p:nvPr>
-        </p:nvSpPr>
-        <p:spPr/>
-        <p:txBody>
-          <a:bodyPr/>
-          <a:lstStyle/>
-          <a:p>
-            <a:endParaRPr lang="ko-KR" altLang="en-US"/>
-          </a:p>
-        </p:txBody>
-      </p:sp>
-      <p:sp>
-        <p:nvSpPr>
-          <p:cNvPr id="6" name="Slide Number Placeholder 5"/>
-          <p:cNvSpPr>
-            <a:spLocks noGrp="1"/>
-          </p:cNvSpPr>
-          <p:nvPr>
-            <p:ph type="sldNum" sz="quarter" idx="12"/>
-          </p:nvPr>
-        </p:nvSpPr>
-        <p:spPr/>
-        <p:txBody>
-          <a:bodyPr/>
-          <a:lstStyle/>
-          <a:p>
-            <a:fld id="{ADE4B6AC-C1FE-4E24-8BB5-8F122553B6B1}" type="slidenum">
-              <a:rPr lang="ko-KR" altLang="en-US" smtClean="0"/>
-              <a:t>‹#›</a:t>
-            </a:fld>
-            <a:endParaRPr lang="ko-KR" altLang="en-US"/>
-          </a:p>
-        </p:txBody>
-      </p:sp>
-      <p:sp>
-        <p:nvSpPr>
           <p:cNvPr id="8" name="직사각형 7"/>
           <p:cNvSpPr/>
           <p:nvPr userDrawn="1"/>
         </p:nvSpPr>
         <p:spPr>
           <a:xfrm>
-            <a:off x="0" y="787624"/>
-            <a:ext cx="9906000" cy="372307"/>
+            <a:off x="0" y="832022"/>
+            <a:ext cx="9906000" cy="255373"/>
           </a:xfrm>
           <a:prstGeom prst="rect">
             <a:avLst/>
           </a:prstGeom>
           <a:solidFill>
-            <a:schemeClr val="accent6">
-              <a:lumMod val="60000"/>
-              <a:lumOff val="40000"/>
+            <a:schemeClr val="accent5">
+              <a:lumMod val="40000"/>
+              <a:lumOff val="60000"/>
             </a:schemeClr>
           </a:solidFill>
           <a:ln>
@@ -1204,23 +1082,147 @@
       </p:sp>
       <p:sp>
         <p:nvSpPr>
-          <p:cNvPr id="7" name="양쪽 모서리가 둥근 사각형 6"/>
+          <p:cNvPr id="3" name="Content Placeholder 2"/>
+          <p:cNvSpPr>
+            <a:spLocks noGrp="1"/>
+          </p:cNvSpPr>
+          <p:nvPr>
+            <p:ph idx="1"/>
+          </p:nvPr>
+        </p:nvSpPr>
+        <p:spPr/>
+        <p:txBody>
+          <a:bodyPr/>
+          <a:lstStyle/>
+          <a:p>
+            <a:pPr lvl="0"/>
+            <a:r>
+              <a:rPr lang="ko-KR" altLang="en-US" smtClean="0"/>
+              <a:t>마스터 텍스트 스타일 편집</a:t>
+            </a:r>
+          </a:p>
+          <a:p>
+            <a:pPr lvl="1"/>
+            <a:r>
+              <a:rPr lang="ko-KR" altLang="en-US" smtClean="0"/>
+              <a:t>둘째 수준</a:t>
+            </a:r>
+          </a:p>
+          <a:p>
+            <a:pPr lvl="2"/>
+            <a:r>
+              <a:rPr lang="ko-KR" altLang="en-US" smtClean="0"/>
+              <a:t>셋째 수준</a:t>
+            </a:r>
+          </a:p>
+          <a:p>
+            <a:pPr lvl="3"/>
+            <a:r>
+              <a:rPr lang="ko-KR" altLang="en-US" smtClean="0"/>
+              <a:t>넷째 수준</a:t>
+            </a:r>
+          </a:p>
+          <a:p>
+            <a:pPr lvl="4"/>
+            <a:r>
+              <a:rPr lang="ko-KR" altLang="en-US" smtClean="0"/>
+              <a:t>다섯째 수준</a:t>
+            </a:r>
+            <a:endParaRPr lang="en-US" dirty="0"/>
+          </a:p>
+        </p:txBody>
+      </p:sp>
+      <p:sp>
+        <p:nvSpPr>
+          <p:cNvPr id="4" name="Date Placeholder 3"/>
+          <p:cNvSpPr>
+            <a:spLocks noGrp="1"/>
+          </p:cNvSpPr>
+          <p:nvPr>
+            <p:ph type="dt" sz="half" idx="10"/>
+          </p:nvPr>
+        </p:nvSpPr>
+        <p:spPr/>
+        <p:txBody>
+          <a:bodyPr/>
+          <a:lstStyle/>
+          <a:p>
+            <a:fld id="{4292D848-DB5C-43D7-9DDE-036C34E5B666}" type="datetime1">
+              <a:rPr lang="ko-KR" altLang="en-US" smtClean="0"/>
+              <a:t>2023-05-31</a:t>
+            </a:fld>
+            <a:endParaRPr lang="ko-KR" altLang="en-US" dirty="0"/>
+          </a:p>
+        </p:txBody>
+      </p:sp>
+      <p:sp>
+        <p:nvSpPr>
+          <p:cNvPr id="5" name="Footer Placeholder 4"/>
+          <p:cNvSpPr>
+            <a:spLocks noGrp="1"/>
+          </p:cNvSpPr>
+          <p:nvPr>
+            <p:ph type="ftr" sz="quarter" idx="11"/>
+          </p:nvPr>
+        </p:nvSpPr>
+        <p:spPr/>
+        <p:txBody>
+          <a:bodyPr/>
+          <a:lstStyle/>
+          <a:p>
+            <a:endParaRPr lang="ko-KR" altLang="en-US" dirty="0"/>
+          </a:p>
+        </p:txBody>
+      </p:sp>
+      <p:sp>
+        <p:nvSpPr>
+          <p:cNvPr id="6" name="Slide Number Placeholder 5"/>
+          <p:cNvSpPr>
+            <a:spLocks noGrp="1"/>
+          </p:cNvSpPr>
+          <p:nvPr>
+            <p:ph type="sldNum" sz="quarter" idx="12"/>
+          </p:nvPr>
+        </p:nvSpPr>
+        <p:spPr>
+          <a:xfrm>
+            <a:off x="681038" y="6353282"/>
+            <a:ext cx="2228850" cy="365125"/>
+          </a:xfrm>
+        </p:spPr>
+        <p:txBody>
+          <a:bodyPr/>
+          <a:lstStyle>
+            <a:lvl1pPr algn="l">
+              <a:defRPr/>
+            </a:lvl1pPr>
+          </a:lstStyle>
+          <a:p>
+            <a:fld id="{87932528-7ED5-470E-80D5-6A765EBCDFE6}" type="slidenum">
+              <a:rPr lang="ko-KR" altLang="en-US" smtClean="0"/>
+              <a:pPr/>
+              <a:t>‹#›</a:t>
+            </a:fld>
+            <a:endParaRPr lang="ko-KR" altLang="en-US" dirty="0"/>
+          </a:p>
+        </p:txBody>
+      </p:sp>
+      <p:sp>
+        <p:nvSpPr>
+          <p:cNvPr id="7" name="직사각형 6"/>
           <p:cNvSpPr/>
           <p:nvPr userDrawn="1"/>
         </p:nvSpPr>
         <p:spPr>
           <a:xfrm>
-            <a:off x="681037" y="0"/>
-            <a:ext cx="8543925" cy="1165758"/>
+            <a:off x="681037" y="7395"/>
+            <a:ext cx="8543926" cy="1080000"/>
           </a:xfrm>
-          <a:prstGeom prst="round2SameRect">
-            <a:avLst>
-              <a:gd name="adj1" fmla="val 50000"/>
-              <a:gd name="adj2" fmla="val 0"/>
-            </a:avLst>
+          <a:prstGeom prst="rect">
+            <a:avLst/>
           </a:prstGeom>
           <a:solidFill>
-            <a:schemeClr val="accent6"/>
+            <a:schemeClr val="accent5"/>
           </a:solidFill>
           <a:ln>
             <a:noFill/>
@@ -1247,34 +1249,93 @@
           <a:lstStyle/>
           <a:p>
             <a:pPr algn="ctr"/>
-            <a:endParaRPr lang="ko-KR" altLang="en-US" dirty="0"/>
-          </a:p>
-        </p:txBody>
-      </p:sp>
-      <p:sp>
-        <p:nvSpPr>
-          <p:cNvPr id="2" name="Title 1"/>
-          <p:cNvSpPr>
-            <a:spLocks noGrp="1"/>
-          </p:cNvSpPr>
-          <p:nvPr>
-            <p:ph type="title"/>
-          </p:nvPr>
+            <a:endParaRPr lang="ko-KR" altLang="en-US" sz="4000" dirty="0">
+              <a:solidFill>
+                <a:schemeClr val="bg1"/>
+              </a:solidFill>
+              <a:latin typeface="돋움" panose="020B0600000101010101" pitchFamily="50" charset="-127"/>
+              <a:ea typeface="돋움" panose="020B0600000101010101" pitchFamily="50" charset="-127"/>
+            </a:endParaRPr>
+          </a:p>
+        </p:txBody>
+      </p:sp>
+      <p:sp>
+        <p:nvSpPr>
+          <p:cNvPr id="9" name="이등변 삼각형 8"/>
+          <p:cNvSpPr/>
+          <p:nvPr userDrawn="1"/>
         </p:nvSpPr>
         <p:spPr>
           <a:xfrm>
-            <a:off x="681037" y="0"/>
-            <a:ext cx="8543924" cy="1146174"/>
+            <a:off x="232075" y="832022"/>
+            <a:ext cx="897924" cy="255373"/>
+          </a:xfrm>
+          <a:prstGeom prst="triangle">
+            <a:avLst/>
+          </a:prstGeom>
+          <a:solidFill>
+            <a:schemeClr val="accent5">
+              <a:lumMod val="40000"/>
+              <a:lumOff val="60000"/>
+            </a:schemeClr>
+          </a:solidFill>
+          <a:ln>
+            <a:noFill/>
+          </a:ln>
+        </p:spPr>
+        <p:style>
+          <a:lnRef idx="2">
+            <a:schemeClr val="accent1">
+              <a:shade val="50000"/>
+            </a:schemeClr>
+          </a:lnRef>
+          <a:fillRef idx="1">
+            <a:schemeClr val="accent1"/>
+          </a:fillRef>
+          <a:effectRef idx="0">
+            <a:schemeClr val="accent1"/>
+          </a:effectRef>
+          <a:fontRef idx="minor">
+            <a:schemeClr val="lt1"/>
+          </a:fontRef>
+        </p:style>
+        <p:txBody>
+          <a:bodyPr rtlCol="0" anchor="ctr"/>
+          <a:lstStyle/>
+          <a:p>
+            <a:pPr algn="ctr"/>
+            <a:endParaRPr lang="ko-KR" altLang="en-US"/>
+          </a:p>
+        </p:txBody>
+      </p:sp>
+      <p:sp>
+        <p:nvSpPr>
+          <p:cNvPr id="2" name="Title 1"/>
+          <p:cNvSpPr>
+            <a:spLocks noGrp="1"/>
+          </p:cNvSpPr>
+          <p:nvPr>
+            <p:ph type="title"/>
+          </p:nvPr>
+        </p:nvSpPr>
+        <p:spPr>
+          <a:xfrm>
+            <a:off x="681038" y="0"/>
+            <a:ext cx="8543925" cy="1087395"/>
           </a:xfrm>
         </p:spPr>
         <p:txBody>
-          <a:bodyPr/>
+          <a:bodyPr>
+            <a:normAutofit/>
+          </a:bodyPr>
           <a:lstStyle>
             <a:lvl1pPr algn="ctr">
-              <a:defRPr>
+              <a:defRPr sz="4000">
                 <a:solidFill>
                   <a:schemeClr val="bg1"/>
                 </a:solidFill>
+                <a:latin typeface="돋움" panose="020B0600000101010101" pitchFamily="50" charset="-127"/>
+                <a:ea typeface="돋움" panose="020B0600000101010101" pitchFamily="50" charset="-127"/>
               </a:defRPr>
             </a:lvl1pPr>
           </a:lstStyle>
@@ -1289,20 +1350,20 @@
       </p:sp>
       <p:pic>
         <p:nvPicPr>
-          <p:cNvPr id="9" name="그림 8"/>
+          <p:cNvPr id="10" name="그림 9"/>
           <p:cNvPicPr>
             <a:picLocks noChangeAspect="1"/>
           </p:cNvPicPr>
           <p:nvPr userDrawn="1"/>
         </p:nvPicPr>
         <p:blipFill>
-          <a:blip r:embed="rId2">
+          <a:blip r:embed="rId2" cstate="print">
             <a:clrChange>
               <a:clrFrom>
-                <a:srgbClr val="9E9D9B"/>
+                <a:srgbClr val="CEAAF4"/>
               </a:clrFrom>
               <a:clrTo>
-                <a:srgbClr val="9E9D9B">
+                <a:srgbClr val="CEAAF4">
                   <a:alpha val="0"/>
                 </a:srgbClr>
               </a:clrTo>
@@ -1319,8 +1380,8 @@
         </p:blipFill>
         <p:spPr>
           <a:xfrm>
-            <a:off x="461707" y="6356352"/>
-            <a:ext cx="1556563" cy="480478"/>
+            <a:off x="8815509" y="6176963"/>
+            <a:ext cx="780929" cy="541444"/>
           </a:xfrm>
           <a:prstGeom prst="rect">
             <a:avLst/>
@@ -1330,7 +1391,7 @@
     </p:spTree>
     <p:extLst>
       <p:ext uri="{BB962C8B-B14F-4D97-AF65-F5344CB8AC3E}">
-        <p14:creationId xmlns:p14="http://schemas.microsoft.com/office/powerpoint/2010/main" val="2801673905"/>
+        <p14:creationId xmlns:p14="http://schemas.microsoft.com/office/powerpoint/2010/main" val="2741118727"/>
       </p:ext>
     </p:extLst>
   </p:cSld>
@@ -1528,11 +1589,11 @@
           <a:bodyPr/>
           <a:lstStyle/>
           <a:p>
-            <a:fld id="{B614E3E2-A802-4F77-A4BD-3C198C32C6A7}" type="datetime1">
-              <a:rPr lang="ko-KR" altLang="en-US" smtClean="0"/>
-              <a:t>2023-05-24</a:t>
+            <a:fld id="{E9255114-C52B-464B-948D-F843C58A7CC1}" type="datetime1">
+              <a:rPr lang="ko-KR" altLang="en-US" smtClean="0"/>
+              <a:t>2023-05-31</a:t>
             </a:fld>
-            <a:endParaRPr lang="ko-KR" altLang="en-US"/>
+            <a:endParaRPr lang="ko-KR" altLang="en-US" dirty="0"/>
           </a:p>
         </p:txBody>
       </p:sp>
@@ -1551,7 +1612,7 @@
           <a:bodyPr/>
           <a:lstStyle/>
           <a:p>
-            <a:endParaRPr lang="ko-KR" altLang="en-US"/>
+            <a:endParaRPr lang="ko-KR" altLang="en-US" dirty="0"/>
           </a:p>
         </p:txBody>
       </p:sp>
@@ -1570,24 +1631,31 @@
           <a:bodyPr/>
           <a:lstStyle/>
           <a:p>
-            <a:fld id="{ADE4B6AC-C1FE-4E24-8BB5-8F122553B6B1}" type="slidenum">
+            <a:fld id="{87932528-7ED5-470E-80D5-6A765EBCDFE6}" type="slidenum">
               <a:rPr lang="ko-KR" altLang="en-US" smtClean="0"/>
               <a:t>‹#›</a:t>
             </a:fld>
-            <a:endParaRPr lang="ko-KR" altLang="en-US"/>
+            <a:endParaRPr lang="ko-KR" altLang="en-US" dirty="0"/>
           </a:p>
         </p:txBody>
       </p:sp>
     </p:spTree>
     <p:extLst>
       <p:ext uri="{BB962C8B-B14F-4D97-AF65-F5344CB8AC3E}">
-        <p14:creationId xmlns:p14="http://schemas.microsoft.com/office/powerpoint/2010/main" val="3023430318"/>
+        <p14:creationId xmlns:p14="http://schemas.microsoft.com/office/powerpoint/2010/main" val="3068763911"/>
       </p:ext>
     </p:extLst>
   </p:cSld>
   <p:clrMapOvr>
     <a:masterClrMapping/>
   </p:clrMapOvr>
+  <p:timing>
+    <p:tnLst>
+      <p:par>
+        <p:cTn id="1" dur="indefinite" restart="never" nodeType="tmRoot"/>
+      </p:par>
+    </p:tnLst>
+  </p:timing>
 </p:sldLayout>
 </file>
 
@@ -1760,11 +1828,11 @@
           <a:bodyPr/>
           <a:lstStyle/>
           <a:p>
-            <a:fld id="{E77F4454-C0C2-417A-81F1-9068FDFCA329}" type="datetime1">
-              <a:rPr lang="ko-KR" altLang="en-US" smtClean="0"/>
-              <a:t>2023-05-24</a:t>
+            <a:fld id="{948BF0C7-C236-4097-BB77-3E83EFFACF20}" type="datetime1">
+              <a:rPr lang="ko-KR" altLang="en-US" smtClean="0"/>
+              <a:t>2023-05-31</a:t>
             </a:fld>
-            <a:endParaRPr lang="ko-KR" altLang="en-US"/>
+            <a:endParaRPr lang="ko-KR" altLang="en-US" dirty="0"/>
           </a:p>
         </p:txBody>
       </p:sp>
@@ -1783,7 +1851,7 @@
           <a:bodyPr/>
           <a:lstStyle/>
           <a:p>
-            <a:endParaRPr lang="ko-KR" altLang="en-US"/>
+            <a:endParaRPr lang="ko-KR" altLang="en-US" dirty="0"/>
           </a:p>
         </p:txBody>
       </p:sp>
@@ -1802,24 +1870,31 @@
           <a:bodyPr/>
           <a:lstStyle/>
           <a:p>
-            <a:fld id="{ADE4B6AC-C1FE-4E24-8BB5-8F122553B6B1}" type="slidenum">
+            <a:fld id="{87932528-7ED5-470E-80D5-6A765EBCDFE6}" type="slidenum">
               <a:rPr lang="ko-KR" altLang="en-US" smtClean="0"/>
               <a:t>‹#›</a:t>
             </a:fld>
-            <a:endParaRPr lang="ko-KR" altLang="en-US"/>
+            <a:endParaRPr lang="ko-KR" altLang="en-US" dirty="0"/>
           </a:p>
         </p:txBody>
       </p:sp>
     </p:spTree>
     <p:extLst>
       <p:ext uri="{BB962C8B-B14F-4D97-AF65-F5344CB8AC3E}">
-        <p14:creationId xmlns:p14="http://schemas.microsoft.com/office/powerpoint/2010/main" val="3063465136"/>
+        <p14:creationId xmlns:p14="http://schemas.microsoft.com/office/powerpoint/2010/main" val="3555054630"/>
       </p:ext>
     </p:extLst>
   </p:cSld>
   <p:clrMapOvr>
     <a:masterClrMapping/>
   </p:clrMapOvr>
+  <p:timing>
+    <p:tnLst>
+      <p:par>
+        <p:cTn id="1" dur="indefinite" restart="never" nodeType="tmRoot"/>
+      </p:par>
+    </p:tnLst>
+  </p:timing>
 </p:sldLayout>
 </file>
 
@@ -2127,11 +2202,11 @@
           <a:bodyPr/>
           <a:lstStyle/>
           <a:p>
-            <a:fld id="{53F01550-3F75-4428-813E-E13D8E0218F8}" type="datetime1">
-              <a:rPr lang="ko-KR" altLang="en-US" smtClean="0"/>
-              <a:t>2023-05-24</a:t>
+            <a:fld id="{2C5F2007-A51D-4E09-9638-3B6C546EE2BC}" type="datetime1">
+              <a:rPr lang="ko-KR" altLang="en-US" smtClean="0"/>
+              <a:t>2023-05-31</a:t>
             </a:fld>
-            <a:endParaRPr lang="ko-KR" altLang="en-US"/>
+            <a:endParaRPr lang="ko-KR" altLang="en-US" dirty="0"/>
           </a:p>
         </p:txBody>
       </p:sp>
@@ -2150,7 +2225,7 @@
           <a:bodyPr/>
           <a:lstStyle/>
           <a:p>
-            <a:endParaRPr lang="ko-KR" altLang="en-US"/>
+            <a:endParaRPr lang="ko-KR" altLang="en-US" dirty="0"/>
           </a:p>
         </p:txBody>
       </p:sp>
@@ -2169,18 +2244,18 @@
           <a:bodyPr/>
           <a:lstStyle/>
           <a:p>
-            <a:fld id="{ADE4B6AC-C1FE-4E24-8BB5-8F122553B6B1}" type="slidenum">
+            <a:fld id="{87932528-7ED5-470E-80D5-6A765EBCDFE6}" type="slidenum">
               <a:rPr lang="ko-KR" altLang="en-US" smtClean="0"/>
               <a:t>‹#›</a:t>
             </a:fld>
-            <a:endParaRPr lang="ko-KR" altLang="en-US"/>
+            <a:endParaRPr lang="ko-KR" altLang="en-US" dirty="0"/>
           </a:p>
         </p:txBody>
       </p:sp>
     </p:spTree>
     <p:extLst>
       <p:ext uri="{BB962C8B-B14F-4D97-AF65-F5344CB8AC3E}">
-        <p14:creationId xmlns:p14="http://schemas.microsoft.com/office/powerpoint/2010/main" val="4057188356"/>
+        <p14:creationId xmlns:p14="http://schemas.microsoft.com/office/powerpoint/2010/main" val="4002485941"/>
       </p:ext>
     </p:extLst>
   </p:cSld>
@@ -2245,11 +2320,11 @@
           <a:bodyPr/>
           <a:lstStyle/>
           <a:p>
-            <a:fld id="{28D82C1A-0CCA-4401-AC74-136D4B59C538}" type="datetime1">
-              <a:rPr lang="ko-KR" altLang="en-US" smtClean="0"/>
-              <a:t>2023-05-24</a:t>
+            <a:fld id="{6BF86948-C70C-477F-97B3-FCD395A794DC}" type="datetime1">
+              <a:rPr lang="ko-KR" altLang="en-US" smtClean="0"/>
+              <a:t>2023-05-31</a:t>
             </a:fld>
-            <a:endParaRPr lang="ko-KR" altLang="en-US"/>
+            <a:endParaRPr lang="ko-KR" altLang="en-US" dirty="0"/>
           </a:p>
         </p:txBody>
       </p:sp>
@@ -2268,7 +2343,7 @@
           <a:bodyPr/>
           <a:lstStyle/>
           <a:p>
-            <a:endParaRPr lang="ko-KR" altLang="en-US"/>
+            <a:endParaRPr lang="ko-KR" altLang="en-US" dirty="0"/>
           </a:p>
         </p:txBody>
       </p:sp>
@@ -2287,18 +2362,18 @@
           <a:bodyPr/>
           <a:lstStyle/>
           <a:p>
-            <a:fld id="{ADE4B6AC-C1FE-4E24-8BB5-8F122553B6B1}" type="slidenum">
+            <a:fld id="{87932528-7ED5-470E-80D5-6A765EBCDFE6}" type="slidenum">
               <a:rPr lang="ko-KR" altLang="en-US" smtClean="0"/>
               <a:t>‹#›</a:t>
             </a:fld>
-            <a:endParaRPr lang="ko-KR" altLang="en-US"/>
+            <a:endParaRPr lang="ko-KR" altLang="en-US" dirty="0"/>
           </a:p>
         </p:txBody>
       </p:sp>
     </p:spTree>
     <p:extLst>
       <p:ext uri="{BB962C8B-B14F-4D97-AF65-F5344CB8AC3E}">
-        <p14:creationId xmlns:p14="http://schemas.microsoft.com/office/powerpoint/2010/main" val="1472726735"/>
+        <p14:creationId xmlns:p14="http://schemas.microsoft.com/office/powerpoint/2010/main" val="49475117"/>
       </p:ext>
     </p:extLst>
   </p:cSld>
@@ -2340,11 +2415,11 @@
           <a:bodyPr/>
           <a:lstStyle/>
           <a:p>
-            <a:fld id="{CC52ACD0-F3EA-45B8-A247-1713C1A26232}" type="datetime1">
-              <a:rPr lang="ko-KR" altLang="en-US" smtClean="0"/>
-              <a:t>2023-05-24</a:t>
+            <a:fld id="{1AE84B8E-8C6C-45DC-8E15-26F5084109BB}" type="datetime1">
+              <a:rPr lang="ko-KR" altLang="en-US" smtClean="0"/>
+              <a:t>2023-05-31</a:t>
             </a:fld>
-            <a:endParaRPr lang="ko-KR" altLang="en-US"/>
+            <a:endParaRPr lang="ko-KR" altLang="en-US" dirty="0"/>
           </a:p>
         </p:txBody>
       </p:sp>
@@ -2363,7 +2438,7 @@
           <a:bodyPr/>
           <a:lstStyle/>
           <a:p>
-            <a:endParaRPr lang="ko-KR" altLang="en-US"/>
+            <a:endParaRPr lang="ko-KR" altLang="en-US" dirty="0"/>
           </a:p>
         </p:txBody>
       </p:sp>
@@ -2382,18 +2457,18 @@
           <a:bodyPr/>
           <a:lstStyle/>
           <a:p>
-            <a:fld id="{ADE4B6AC-C1FE-4E24-8BB5-8F122553B6B1}" type="slidenum">
+            <a:fld id="{87932528-7ED5-470E-80D5-6A765EBCDFE6}" type="slidenum">
               <a:rPr lang="ko-KR" altLang="en-US" smtClean="0"/>
               <a:t>‹#›</a:t>
             </a:fld>
-            <a:endParaRPr lang="ko-KR" altLang="en-US"/>
+            <a:endParaRPr lang="ko-KR" altLang="en-US" dirty="0"/>
           </a:p>
         </p:txBody>
       </p:sp>
     </p:spTree>
     <p:extLst>
       <p:ext uri="{BB962C8B-B14F-4D97-AF65-F5344CB8AC3E}">
-        <p14:creationId xmlns:p14="http://schemas.microsoft.com/office/powerpoint/2010/main" val="841145641"/>
+        <p14:creationId xmlns:p14="http://schemas.microsoft.com/office/powerpoint/2010/main" val="2012774471"/>
       </p:ext>
     </p:extLst>
   </p:cSld>
@@ -2617,11 +2692,11 @@
           <a:bodyPr/>
           <a:lstStyle/>
           <a:p>
-            <a:fld id="{36BBBF9F-F5C9-4B31-B211-70AFDEBAF2C7}" type="datetime1">
-              <a:rPr lang="ko-KR" altLang="en-US" smtClean="0"/>
-              <a:t>2023-05-24</a:t>
+            <a:fld id="{ED3FF2D2-22E0-4A3C-B7E3-97E668829804}" type="datetime1">
+              <a:rPr lang="ko-KR" altLang="en-US" smtClean="0"/>
+              <a:t>2023-05-31</a:t>
             </a:fld>
-            <a:endParaRPr lang="ko-KR" altLang="en-US"/>
+            <a:endParaRPr lang="ko-KR" altLang="en-US" dirty="0"/>
           </a:p>
         </p:txBody>
       </p:sp>
@@ -2640,7 +2715,7 @@
           <a:bodyPr/>
           <a:lstStyle/>
           <a:p>
-            <a:endParaRPr lang="ko-KR" altLang="en-US"/>
+            <a:endParaRPr lang="ko-KR" altLang="en-US" dirty="0"/>
           </a:p>
         </p:txBody>
       </p:sp>
@@ -2659,18 +2734,18 @@
           <a:bodyPr/>
           <a:lstStyle/>
           <a:p>
-            <a:fld id="{ADE4B6AC-C1FE-4E24-8BB5-8F122553B6B1}" type="slidenum">
+            <a:fld id="{87932528-7ED5-470E-80D5-6A765EBCDFE6}" type="slidenum">
               <a:rPr lang="ko-KR" altLang="en-US" smtClean="0"/>
               <a:t>‹#›</a:t>
             </a:fld>
-            <a:endParaRPr lang="ko-KR" altLang="en-US"/>
+            <a:endParaRPr lang="ko-KR" altLang="en-US" dirty="0"/>
           </a:p>
         </p:txBody>
       </p:sp>
     </p:spTree>
     <p:extLst>
       <p:ext uri="{BB962C8B-B14F-4D97-AF65-F5344CB8AC3E}">
-        <p14:creationId xmlns:p14="http://schemas.microsoft.com/office/powerpoint/2010/main" val="901939112"/>
+        <p14:creationId xmlns:p14="http://schemas.microsoft.com/office/powerpoint/2010/main" val="1373330674"/>
       </p:ext>
     </p:extLst>
   </p:cSld>
@@ -2874,11 +2949,11 @@
           <a:bodyPr/>
           <a:lstStyle/>
           <a:p>
-            <a:fld id="{702B11F3-4421-42AF-B45F-DAD658858DB1}" type="datetime1">
-              <a:rPr lang="ko-KR" altLang="en-US" smtClean="0"/>
-              <a:t>2023-05-24</a:t>
+            <a:fld id="{85CB1177-7A10-4335-A34A-96283F3C5336}" type="datetime1">
+              <a:rPr lang="ko-KR" altLang="en-US" smtClean="0"/>
+              <a:t>2023-05-31</a:t>
             </a:fld>
-            <a:endParaRPr lang="ko-KR" altLang="en-US"/>
+            <a:endParaRPr lang="ko-KR" altLang="en-US" dirty="0"/>
           </a:p>
         </p:txBody>
       </p:sp>
@@ -2897,7 +2972,7 @@
           <a:bodyPr/>
           <a:lstStyle/>
           <a:p>
-            <a:endParaRPr lang="ko-KR" altLang="en-US"/>
+            <a:endParaRPr lang="ko-KR" altLang="en-US" dirty="0"/>
           </a:p>
         </p:txBody>
       </p:sp>
@@ -2916,18 +2991,18 @@
           <a:bodyPr/>
           <a:lstStyle/>
           <a:p>
-            <a:fld id="{ADE4B6AC-C1FE-4E24-8BB5-8F122553B6B1}" type="slidenum">
+            <a:fld id="{87932528-7ED5-470E-80D5-6A765EBCDFE6}" type="slidenum">
               <a:rPr lang="ko-KR" altLang="en-US" smtClean="0"/>
               <a:t>‹#›</a:t>
             </a:fld>
-            <a:endParaRPr lang="ko-KR" altLang="en-US"/>
+            <a:endParaRPr lang="ko-KR" altLang="en-US" dirty="0"/>
           </a:p>
         </p:txBody>
       </p:sp>
     </p:spTree>
     <p:extLst>
       <p:ext uri="{BB962C8B-B14F-4D97-AF65-F5344CB8AC3E}">
-        <p14:creationId xmlns:p14="http://schemas.microsoft.com/office/powerpoint/2010/main" val="2218992918"/>
+        <p14:creationId xmlns:p14="http://schemas.microsoft.com/office/powerpoint/2010/main" val="3602885880"/>
       </p:ext>
     </p:extLst>
   </p:cSld>
@@ -3087,11 +3162,11 @@
             </a:lvl1pPr>
           </a:lstStyle>
           <a:p>
-            <a:fld id="{D02D35F3-03F3-4248-B22B-8EB166BA39E2}" type="datetime1">
-              <a:rPr lang="ko-KR" altLang="en-US" smtClean="0"/>
-              <a:t>2023-05-24</a:t>
+            <a:fld id="{992444CC-E33B-4623-B719-4C776133FEF8}" type="datetime1">
+              <a:rPr lang="ko-KR" altLang="en-US" smtClean="0"/>
+              <a:t>2023-05-31</a:t>
             </a:fld>
-            <a:endParaRPr lang="ko-KR" altLang="en-US"/>
+            <a:endParaRPr lang="ko-KR" altLang="en-US" dirty="0"/>
           </a:p>
         </p:txBody>
       </p:sp>
@@ -3128,7 +3203,7 @@
             </a:lvl1pPr>
           </a:lstStyle>
           <a:p>
-            <a:endParaRPr lang="ko-KR" altLang="en-US"/>
+            <a:endParaRPr lang="ko-KR" altLang="en-US" dirty="0"/>
           </a:p>
         </p:txBody>
       </p:sp>
@@ -3165,18 +3240,18 @@
             </a:lvl1pPr>
           </a:lstStyle>
           <a:p>
-            <a:fld id="{ADE4B6AC-C1FE-4E24-8BB5-8F122553B6B1}" type="slidenum">
+            <a:fld id="{87932528-7ED5-470E-80D5-6A765EBCDFE6}" type="slidenum">
               <a:rPr lang="ko-KR" altLang="en-US" smtClean="0"/>
               <a:t>‹#›</a:t>
             </a:fld>
-            <a:endParaRPr lang="ko-KR" altLang="en-US"/>
+            <a:endParaRPr lang="ko-KR" altLang="en-US" dirty="0"/>
           </a:p>
         </p:txBody>
       </p:sp>
     </p:spTree>
     <p:extLst>
       <p:ext uri="{BB962C8B-B14F-4D97-AF65-F5344CB8AC3E}">
-        <p14:creationId xmlns:p14="http://schemas.microsoft.com/office/powerpoint/2010/main" val="2771919486"/>
+        <p14:creationId xmlns:p14="http://schemas.microsoft.com/office/powerpoint/2010/main" val="2846331339"/>
       </p:ext>
     </p:extLst>
   </p:cSld>
@@ -3194,6 +3269,13 @@
     <p:sldLayoutId id="2147483670" r:id="rId10"/>
     <p:sldLayoutId id="2147483671" r:id="rId11"/>
   </p:sldLayoutIdLst>
+  <p:timing>
+    <p:tnLst>
+      <p:par>
+        <p:cTn id="1" dur="indefinite" restart="never" nodeType="tmRoot"/>
+      </p:par>
+    </p:tnLst>
+  </p:timing>
   <p:hf hdr="0" ftr="0" dt="0"/>
   <p:txStyles>
     <p:titleStyle>
@@ -3481,6 +3563,14 @@
 <file path=ppt/slides/slide1.xml><?xml version="1.0" encoding="utf-8"?>
 <p:sld xmlns:a="http://schemas.openxmlformats.org/drawingml/2006/main" xmlns:r="http://schemas.openxmlformats.org/officeDocument/2006/relationships" xmlns:p="http://schemas.openxmlformats.org/presentationml/2006/main">
   <p:cSld>
+    <p:bg>
+      <p:bgPr>
+        <a:solidFill>
+          <a:schemeClr val="bg1"/>
+        </a:solidFill>
+        <a:effectLst/>
+      </p:bgPr>
+    </p:bg>
     <p:spTree>
       <p:nvGrpSpPr>
         <p:cNvPr id="1" name=""/>
@@ -3502,9 +3592,9 @@
           <p:nvPr/>
         </p:nvSpPr>
         <p:spPr>
-          <a:xfrm>
-            <a:off x="0" y="3050771"/>
-            <a:ext cx="9906000" cy="3807229"/>
+          <a:xfrm flipH="1">
+            <a:off x="0" y="3618000"/>
+            <a:ext cx="9906000" cy="3240000"/>
           </a:xfrm>
           <a:prstGeom prst="rect">
             <a:avLst/>
@@ -3518,6 +3608,9 @@
               <a:fillRect/>
             </a:stretch>
           </a:blipFill>
+          <a:ln>
+            <a:noFill/>
+          </a:ln>
           <a:effectLst>
             <a:softEdge rad="63500"/>
           </a:effectLst>
@@ -3543,7 +3636,19 @@
           <a:lstStyle/>
           <a:p>
             <a:pPr algn="ctr"/>
-            <a:endParaRPr lang="ko-KR" altLang="en-US"/>
+            <a:endParaRPr lang="ko-KR" altLang="en-US">
+              <a:ln w="0"/>
+              <a:solidFill>
+                <a:schemeClr val="tx1"/>
+              </a:solidFill>
+              <a:effectLst>
+                <a:outerShdw blurRad="38100" dist="19050" dir="2700000" algn="tl" rotWithShape="0">
+                  <a:schemeClr val="dk1">
+                    <a:alpha val="40000"/>
+                  </a:schemeClr>
+                </a:outerShdw>
+              </a:effectLst>
+            </a:endParaRPr>
           </a:p>
         </p:txBody>
       </p:sp>
@@ -3555,8 +3660,8 @@
         </p:nvSpPr>
         <p:spPr>
           <a:xfrm>
-            <a:off x="930905" y="1197340"/>
-            <a:ext cx="8044190" cy="1164090"/>
+            <a:off x="1353248" y="1313102"/>
+            <a:ext cx="6876352" cy="1418147"/>
           </a:xfrm>
           <a:prstGeom prst="rect">
             <a:avLst/>
@@ -3565,7 +3670,7 @@
         </p:spPr>
         <p:txBody>
           <a:bodyPr wrap="none" lIns="91440" tIns="45720" rIns="91440" bIns="45720">
-            <a:prstTxWarp prst="textTriangle">
+            <a:prstTxWarp prst="textSlantUp">
               <a:avLst/>
             </a:prstTxWarp>
             <a:spAutoFit/>
@@ -3574,18 +3679,15 @@
           <a:p>
             <a:pPr algn="ctr"/>
             <a:r>
-              <a:rPr lang="en-US" altLang="ko-KR" sz="5400" b="1" cap="none" spc="0" dirty="0" smtClean="0">
+              <a:rPr lang="en-US" altLang="ko-KR" sz="5400" b="1" dirty="0" smtClean="0">
                 <a:ln w="0"/>
-                <a:solidFill>
-                  <a:schemeClr val="tx1"/>
-                </a:solidFill>
                 <a:effectLst>
                   <a:reflection blurRad="6350" stA="50000" endA="300" endPos="50000" dist="29997" dir="5400000" sy="-100000" algn="bl" rotWithShape="0"/>
                 </a:effectLst>
                 <a:latin typeface="돋움" panose="020B0600000101010101" pitchFamily="50" charset="-127"/>
                 <a:ea typeface="돋움" panose="020B0600000101010101" pitchFamily="50" charset="-127"/>
               </a:rPr>
-              <a:t>Reduce traffic accidents</a:t>
+              <a:t>Roads of Country</a:t>
             </a:r>
             <a:endParaRPr lang="en-US" altLang="ko-KR" sz="5400" b="1" cap="none" spc="0" dirty="0">
               <a:ln w="0"/>
@@ -3613,10 +3715,10 @@
           <a:blip r:embed="rId3">
             <a:clrChange>
               <a:clrFrom>
-                <a:srgbClr val="9E9D9B"/>
+                <a:srgbClr val="CEAAF4"/>
               </a:clrFrom>
               <a:clrTo>
-                <a:srgbClr val="9E9D9B">
+                <a:srgbClr val="CEAAF4">
                   <a:alpha val="0"/>
                 </a:srgbClr>
               </a:clrTo>
@@ -3633,8 +3735,8 @@
         </p:blipFill>
         <p:spPr>
           <a:xfrm>
-            <a:off x="7148945" y="107889"/>
-            <a:ext cx="2543695" cy="998681"/>
+            <a:off x="198819" y="96529"/>
+            <a:ext cx="1754672" cy="1216573"/>
           </a:xfrm>
           <a:prstGeom prst="rect">
             <a:avLst/>
@@ -3644,7 +3746,7 @@
     </p:spTree>
     <p:extLst>
       <p:ext uri="{BB962C8B-B14F-4D97-AF65-F5344CB8AC3E}">
-        <p14:creationId xmlns:p14="http://schemas.microsoft.com/office/powerpoint/2010/main" val="3479440997"/>
+        <p14:creationId xmlns:p14="http://schemas.microsoft.com/office/powerpoint/2010/main" val="743326275"/>
       </p:ext>
     </p:extLst>
   </p:cSld>
@@ -3716,32 +3818,31 @@
           <a:bodyPr/>
           <a:lstStyle/>
           <a:p>
-            <a:fld id="{ADE4B6AC-C1FE-4E24-8BB5-8F122553B6B1}" type="slidenum">
+            <a:fld id="{87932528-7ED5-470E-80D5-6A765EBCDFE6}" type="slidenum">
               <a:rPr lang="ko-KR" altLang="en-US" smtClean="0"/>
               <a:t>2</a:t>
             </a:fld>
-            <a:endParaRPr lang="ko-KR" altLang="en-US"/>
-          </a:p>
-        </p:txBody>
-      </p:sp>
-      <p:sp>
-        <p:nvSpPr>
-          <p:cNvPr id="6" name="직사각형 5"/>
+            <a:endParaRPr lang="ko-KR" altLang="en-US" dirty="0"/>
+          </a:p>
+        </p:txBody>
+      </p:sp>
+      <p:sp>
+        <p:nvSpPr>
+          <p:cNvPr id="5" name="순서도: 지연 4"/>
           <p:cNvSpPr/>
           <p:nvPr/>
         </p:nvSpPr>
         <p:spPr>
           <a:xfrm>
-            <a:off x="2709951" y="3332241"/>
-            <a:ext cx="6134791" cy="166255"/>
+            <a:off x="2668602" y="1454728"/>
+            <a:ext cx="848332" cy="864522"/>
           </a:xfrm>
-          <a:prstGeom prst="rect">
+          <a:prstGeom prst="flowChartDelay">
             <a:avLst/>
           </a:prstGeom>
           <a:solidFill>
-            <a:schemeClr val="accent2">
-              <a:lumMod val="60000"/>
-              <a:lumOff val="40000"/>
+            <a:schemeClr val="accent6">
+              <a:lumMod val="75000"/>
             </a:schemeClr>
           </a:solidFill>
           <a:ln>
@@ -3769,60 +3870,20 @@
           <a:lstStyle/>
           <a:p>
             <a:pPr algn="ctr"/>
-            <a:endParaRPr lang="ko-KR" altLang="en-US"/>
-          </a:p>
-        </p:txBody>
-      </p:sp>
-      <p:sp>
-        <p:nvSpPr>
-          <p:cNvPr id="5" name="빗면 4"/>
-          <p:cNvSpPr/>
-          <p:nvPr/>
-        </p:nvSpPr>
-        <p:spPr>
-          <a:xfrm>
-            <a:off x="2709951" y="2746765"/>
-            <a:ext cx="1163782" cy="748145"/>
-          </a:xfrm>
-          <a:prstGeom prst="bevel">
-            <a:avLst/>
-          </a:prstGeom>
-          <a:solidFill>
-            <a:schemeClr val="accent2"/>
-          </a:solidFill>
-          <a:ln>
-            <a:noFill/>
-          </a:ln>
-        </p:spPr>
-        <p:style>
-          <a:lnRef idx="2">
-            <a:schemeClr val="accent1">
-              <a:shade val="50000"/>
-            </a:schemeClr>
-          </a:lnRef>
-          <a:fillRef idx="1">
-            <a:schemeClr val="accent1"/>
-          </a:fillRef>
-          <a:effectRef idx="0">
-            <a:schemeClr val="accent1"/>
-          </a:effectRef>
-          <a:fontRef idx="minor">
-            <a:schemeClr val="lt1"/>
-          </a:fontRef>
-        </p:style>
-        <p:txBody>
-          <a:bodyPr rtlCol="0" anchor="ctr"/>
-          <a:lstStyle/>
-          <a:p>
-            <a:pPr algn="ctr"/>
             <a:r>
               <a:rPr lang="en-US" altLang="ko-KR" sz="2400" dirty="0" smtClean="0">
+                <a:solidFill>
+                  <a:schemeClr val="bg1"/>
+                </a:solidFill>
                 <a:latin typeface="굴림" panose="020B0600000101010101" pitchFamily="50" charset="-127"/>
                 <a:ea typeface="굴림" panose="020B0600000101010101" pitchFamily="50" charset="-127"/>
               </a:rPr>
-              <a:t>Ⅱ</a:t>
+              <a:t>1</a:t>
             </a:r>
             <a:endParaRPr lang="ko-KR" altLang="en-US" sz="2400" dirty="0">
+              <a:solidFill>
+                <a:schemeClr val="bg1"/>
+              </a:solidFill>
               <a:latin typeface="굴림" panose="020B0600000101010101" pitchFamily="50" charset="-127"/>
               <a:ea typeface="굴림" panose="020B0600000101010101" pitchFamily="50" charset="-127"/>
             </a:endParaRPr>
@@ -3831,72 +3892,21 @@
       </p:sp>
       <p:sp>
         <p:nvSpPr>
-          <p:cNvPr id="7" name="TextBox 6"/>
-          <p:cNvSpPr txBox="1"/>
+          <p:cNvPr id="6" name="직사각형 5"/>
+          <p:cNvSpPr/>
           <p:nvPr/>
         </p:nvSpPr>
         <p:spPr>
           <a:xfrm>
-            <a:off x="3873733" y="2827090"/>
-            <a:ext cx="4971009" cy="461665"/>
-          </a:xfrm>
-          <a:prstGeom prst="rect">
-            <a:avLst/>
-          </a:prstGeom>
-          <a:noFill/>
-        </p:spPr>
-        <p:txBody>
-          <a:bodyPr wrap="square" rtlCol="0">
-            <a:spAutoFit/>
-          </a:bodyPr>
-          <a:lstStyle/>
-          <a:p>
-            <a:r>
-              <a:rPr lang="ko-KR" altLang="en-US" sz="2400" dirty="0" smtClean="0">
-                <a:latin typeface="굴림" panose="020B0600000101010101" pitchFamily="50" charset="-127"/>
-                <a:ea typeface="굴림" panose="020B0600000101010101" pitchFamily="50" charset="-127"/>
-              </a:rPr>
-              <a:t>교통사고 줄이기</a:t>
-            </a:r>
-            <a:r>
-              <a:rPr lang="en-US" altLang="ko-KR" sz="2400" dirty="0" smtClean="0">
-                <a:latin typeface="굴림" panose="020B0600000101010101" pitchFamily="50" charset="-127"/>
-                <a:ea typeface="굴림" panose="020B0600000101010101" pitchFamily="50" charset="-127"/>
-              </a:rPr>
-              <a:t> </a:t>
-            </a:r>
-            <a:r>
-              <a:rPr lang="ko-KR" altLang="en-US" sz="2400" dirty="0" smtClean="0">
-                <a:latin typeface="굴림" panose="020B0600000101010101" pitchFamily="50" charset="-127"/>
-                <a:ea typeface="굴림" panose="020B0600000101010101" pitchFamily="50" charset="-127"/>
-              </a:rPr>
-              <a:t>종합대책</a:t>
-            </a:r>
-            <a:endParaRPr lang="ko-KR" altLang="en-US" sz="2400" dirty="0">
-              <a:latin typeface="굴림" panose="020B0600000101010101" pitchFamily="50" charset="-127"/>
-              <a:ea typeface="굴림" panose="020B0600000101010101" pitchFamily="50" charset="-127"/>
-            </a:endParaRPr>
-          </a:p>
-        </p:txBody>
-      </p:sp>
-      <p:sp>
-        <p:nvSpPr>
-          <p:cNvPr id="8" name="직사각형 7"/>
-          <p:cNvSpPr/>
-          <p:nvPr/>
-        </p:nvSpPr>
-        <p:spPr>
-          <a:xfrm>
-            <a:off x="2709951" y="2320565"/>
-            <a:ext cx="6134791" cy="166255"/>
+            <a:off x="2668602" y="2074025"/>
+            <a:ext cx="6284423" cy="257694"/>
           </a:xfrm>
           <a:prstGeom prst="rect">
             <a:avLst/>
           </a:prstGeom>
           <a:solidFill>
-            <a:schemeClr val="accent2">
-              <a:lumMod val="60000"/>
-              <a:lumOff val="40000"/>
+            <a:schemeClr val="accent6">
+              <a:lumMod val="75000"/>
             </a:schemeClr>
           </a:solidFill>
           <a:ln>
@@ -3930,70 +3940,14 @@
       </p:sp>
       <p:sp>
         <p:nvSpPr>
-          <p:cNvPr id="9" name="빗면 8"/>
-          <p:cNvSpPr/>
+          <p:cNvPr id="7" name="TextBox 6"/>
+          <p:cNvSpPr txBox="1"/>
           <p:nvPr/>
         </p:nvSpPr>
         <p:spPr>
           <a:xfrm>
-            <a:off x="2709951" y="1738675"/>
-            <a:ext cx="1163782" cy="748145"/>
-          </a:xfrm>
-          <a:prstGeom prst="bevel">
-            <a:avLst/>
-          </a:prstGeom>
-          <a:solidFill>
-            <a:schemeClr val="accent2"/>
-          </a:solidFill>
-          <a:ln>
-            <a:noFill/>
-          </a:ln>
-        </p:spPr>
-        <p:style>
-          <a:lnRef idx="2">
-            <a:schemeClr val="accent1">
-              <a:shade val="50000"/>
-            </a:schemeClr>
-          </a:lnRef>
-          <a:fillRef idx="1">
-            <a:schemeClr val="accent1"/>
-          </a:fillRef>
-          <a:effectRef idx="0">
-            <a:schemeClr val="accent1"/>
-          </a:effectRef>
-          <a:fontRef idx="minor">
-            <a:schemeClr val="lt1"/>
-          </a:fontRef>
-        </p:style>
-        <p:txBody>
-          <a:bodyPr rtlCol="0" anchor="ctr"/>
-          <a:lstStyle/>
-          <a:p>
-            <a:pPr algn="ctr"/>
-            <a:r>
-              <a:rPr lang="en-US" altLang="ko-KR" sz="2400" dirty="0" smtClean="0">
-                <a:latin typeface="굴림" panose="020B0600000101010101" pitchFamily="50" charset="-127"/>
-                <a:ea typeface="굴림" panose="020B0600000101010101" pitchFamily="50" charset="-127"/>
-              </a:rPr>
-              <a:t>Ⅰ</a:t>
-            </a:r>
-            <a:endParaRPr lang="ko-KR" altLang="en-US" sz="2400" dirty="0">
-              <a:latin typeface="굴림" panose="020B0600000101010101" pitchFamily="50" charset="-127"/>
-              <a:ea typeface="굴림" panose="020B0600000101010101" pitchFamily="50" charset="-127"/>
-            </a:endParaRPr>
-          </a:p>
-        </p:txBody>
-      </p:sp>
-      <p:sp>
-        <p:nvSpPr>
-          <p:cNvPr id="10" name="TextBox 9"/>
-          <p:cNvSpPr txBox="1"/>
-          <p:nvPr/>
-        </p:nvSpPr>
-        <p:spPr>
-          <a:xfrm>
-            <a:off x="3873733" y="1815414"/>
-            <a:ext cx="4971009" cy="461665"/>
+            <a:off x="3516934" y="1575059"/>
+            <a:ext cx="5436091" cy="461665"/>
           </a:xfrm>
           <a:prstGeom prst="rect">
             <a:avLst/>
@@ -4011,7 +3965,7 @@
                 <a:latin typeface="굴림" panose="020B0600000101010101" pitchFamily="50" charset="-127"/>
                 <a:ea typeface="굴림" panose="020B0600000101010101" pitchFamily="50" charset="-127"/>
               </a:rPr>
-              <a:t>교통사고 발생시 조치 사항</a:t>
+              <a:t>도로의 이해</a:t>
             </a:r>
             <a:endParaRPr lang="ko-KR" altLang="en-US" sz="2400" dirty="0">
               <a:latin typeface="굴림" panose="020B0600000101010101" pitchFamily="50" charset="-127"/>
@@ -4022,22 +3976,21 @@
       </p:sp>
       <p:sp>
         <p:nvSpPr>
-          <p:cNvPr id="11" name="직사각형 10"/>
+          <p:cNvPr id="8" name="순서도: 지연 7"/>
           <p:cNvSpPr/>
           <p:nvPr/>
         </p:nvSpPr>
         <p:spPr>
           <a:xfrm>
-            <a:off x="2709951" y="4326246"/>
-            <a:ext cx="6134791" cy="166255"/>
+            <a:off x="2668602" y="2587383"/>
+            <a:ext cx="848332" cy="864522"/>
           </a:xfrm>
-          <a:prstGeom prst="rect">
+          <a:prstGeom prst="flowChartDelay">
             <a:avLst/>
           </a:prstGeom>
           <a:solidFill>
-            <a:schemeClr val="accent2">
-              <a:lumMod val="60000"/>
-              <a:lumOff val="40000"/>
+            <a:schemeClr val="accent6">
+              <a:lumMod val="75000"/>
             </a:schemeClr>
           </a:solidFill>
           <a:ln>
@@ -4065,60 +4018,20 @@
           <a:lstStyle/>
           <a:p>
             <a:pPr algn="ctr"/>
-            <a:endParaRPr lang="ko-KR" altLang="en-US"/>
-          </a:p>
-        </p:txBody>
-      </p:sp>
-      <p:sp>
-        <p:nvSpPr>
-          <p:cNvPr id="12" name="빗면 11"/>
-          <p:cNvSpPr/>
-          <p:nvPr/>
-        </p:nvSpPr>
-        <p:spPr>
-          <a:xfrm>
-            <a:off x="2709951" y="3733745"/>
-            <a:ext cx="1163782" cy="748145"/>
-          </a:xfrm>
-          <a:prstGeom prst="bevel">
-            <a:avLst/>
-          </a:prstGeom>
-          <a:solidFill>
-            <a:schemeClr val="accent2"/>
-          </a:solidFill>
-          <a:ln>
-            <a:noFill/>
-          </a:ln>
-        </p:spPr>
-        <p:style>
-          <a:lnRef idx="2">
-            <a:schemeClr val="accent1">
-              <a:shade val="50000"/>
-            </a:schemeClr>
-          </a:lnRef>
-          <a:fillRef idx="1">
-            <a:schemeClr val="accent1"/>
-          </a:fillRef>
-          <a:effectRef idx="0">
-            <a:schemeClr val="accent1"/>
-          </a:effectRef>
-          <a:fontRef idx="minor">
-            <a:schemeClr val="lt1"/>
-          </a:fontRef>
-        </p:style>
-        <p:txBody>
-          <a:bodyPr rtlCol="0" anchor="ctr"/>
-          <a:lstStyle/>
-          <a:p>
-            <a:pPr algn="ctr"/>
-            <a:r>
-              <a:rPr lang="en-US" altLang="ko-KR" sz="2400" dirty="0" smtClean="0">
+            <a:r>
+              <a:rPr lang="en-US" altLang="ko-KR" sz="2400" dirty="0">
+                <a:solidFill>
+                  <a:schemeClr val="bg1"/>
+                </a:solidFill>
                 <a:latin typeface="굴림" panose="020B0600000101010101" pitchFamily="50" charset="-127"/>
                 <a:ea typeface="굴림" panose="020B0600000101010101" pitchFamily="50" charset="-127"/>
               </a:rPr>
-              <a:t>Ⅲ</a:t>
+              <a:t>2</a:t>
             </a:r>
             <a:endParaRPr lang="ko-KR" altLang="en-US" sz="2400" dirty="0">
+              <a:solidFill>
+                <a:schemeClr val="bg1"/>
+              </a:solidFill>
               <a:latin typeface="굴림" panose="020B0600000101010101" pitchFamily="50" charset="-127"/>
               <a:ea typeface="굴림" panose="020B0600000101010101" pitchFamily="50" charset="-127"/>
             </a:endParaRPr>
@@ -4127,69 +4040,21 @@
       </p:sp>
       <p:sp>
         <p:nvSpPr>
-          <p:cNvPr id="13" name="TextBox 12">
-            <a:hlinkClick r:id="rId2" action="ppaction://hlinksldjump"/>
-          </p:cNvPr>
-          <p:cNvSpPr txBox="1"/>
+          <p:cNvPr id="9" name="직사각형 8"/>
+          <p:cNvSpPr/>
           <p:nvPr/>
         </p:nvSpPr>
         <p:spPr>
           <a:xfrm>
-            <a:off x="3873732" y="3777576"/>
-            <a:ext cx="4971009" cy="461665"/>
-          </a:xfrm>
-          <a:prstGeom prst="rect">
-            <a:avLst/>
-          </a:prstGeom>
-          <a:noFill/>
-        </p:spPr>
-        <p:txBody>
-          <a:bodyPr wrap="square" rtlCol="0">
-            <a:spAutoFit/>
-          </a:bodyPr>
-          <a:lstStyle/>
-          <a:p>
-            <a:r>
-              <a:rPr lang="ko-KR" altLang="en-US" sz="2400" dirty="0" smtClean="0">
-                <a:latin typeface="굴림" panose="020B0600000101010101" pitchFamily="50" charset="-127"/>
-                <a:ea typeface="굴림" panose="020B0600000101010101" pitchFamily="50" charset="-127"/>
-                <a:hlinkClick r:id="rId2" action="ppaction://hlinksldjump"/>
-              </a:rPr>
-              <a:t>교통사고 </a:t>
-            </a:r>
-            <a:r>
-              <a:rPr lang="ko-KR" altLang="en-US" sz="2400" dirty="0" err="1" smtClean="0">
-                <a:latin typeface="굴림" panose="020B0600000101010101" pitchFamily="50" charset="-127"/>
-                <a:ea typeface="굴림" panose="020B0600000101010101" pitchFamily="50" charset="-127"/>
-                <a:hlinkClick r:id="rId2" action="ppaction://hlinksldjump"/>
-              </a:rPr>
-              <a:t>발생현황</a:t>
-            </a:r>
-            <a:endParaRPr lang="ko-KR" altLang="en-US" sz="2400" dirty="0">
-              <a:latin typeface="굴림" panose="020B0600000101010101" pitchFamily="50" charset="-127"/>
-              <a:ea typeface="굴림" panose="020B0600000101010101" pitchFamily="50" charset="-127"/>
-            </a:endParaRPr>
-          </a:p>
-        </p:txBody>
-      </p:sp>
-      <p:sp>
-        <p:nvSpPr>
-          <p:cNvPr id="14" name="직사각형 13"/>
-          <p:cNvSpPr/>
-          <p:nvPr/>
-        </p:nvSpPr>
-        <p:spPr>
-          <a:xfrm>
-            <a:off x="2709951" y="5388162"/>
-            <a:ext cx="6134791" cy="166255"/>
+            <a:off x="2668602" y="3206680"/>
+            <a:ext cx="6284423" cy="257694"/>
           </a:xfrm>
           <a:prstGeom prst="rect">
             <a:avLst/>
           </a:prstGeom>
           <a:solidFill>
-            <a:schemeClr val="accent2">
-              <a:lumMod val="60000"/>
-              <a:lumOff val="40000"/>
+            <a:schemeClr val="accent6">
+              <a:lumMod val="75000"/>
             </a:schemeClr>
           </a:solidFill>
           <a:ln>
@@ -4223,20 +4088,58 @@
       </p:sp>
       <p:sp>
         <p:nvSpPr>
-          <p:cNvPr id="15" name="빗면 14"/>
+          <p:cNvPr id="10" name="TextBox 9"/>
+          <p:cNvSpPr txBox="1"/>
+          <p:nvPr/>
+        </p:nvSpPr>
+        <p:spPr>
+          <a:xfrm>
+            <a:off x="3516934" y="2707714"/>
+            <a:ext cx="5436091" cy="461665"/>
+          </a:xfrm>
+          <a:prstGeom prst="rect">
+            <a:avLst/>
+          </a:prstGeom>
+          <a:noFill/>
+        </p:spPr>
+        <p:txBody>
+          <a:bodyPr wrap="square" rtlCol="0">
+            <a:spAutoFit/>
+          </a:bodyPr>
+          <a:lstStyle/>
+          <a:p>
+            <a:r>
+              <a:rPr lang="ko-KR" altLang="en-US" sz="2400" dirty="0" smtClean="0">
+                <a:latin typeface="굴림" panose="020B0600000101010101" pitchFamily="50" charset="-127"/>
+                <a:ea typeface="굴림" panose="020B0600000101010101" pitchFamily="50" charset="-127"/>
+              </a:rPr>
+              <a:t>차종 분류의 기준</a:t>
+            </a:r>
+            <a:endParaRPr lang="ko-KR" altLang="en-US" sz="2400" dirty="0">
+              <a:latin typeface="굴림" panose="020B0600000101010101" pitchFamily="50" charset="-127"/>
+              <a:ea typeface="굴림" panose="020B0600000101010101" pitchFamily="50" charset="-127"/>
+            </a:endParaRPr>
+          </a:p>
+        </p:txBody>
+      </p:sp>
+      <p:sp>
+        <p:nvSpPr>
+          <p:cNvPr id="11" name="순서도: 지연 10"/>
           <p:cNvSpPr/>
           <p:nvPr/>
         </p:nvSpPr>
         <p:spPr>
           <a:xfrm>
-            <a:off x="2709951" y="4806272"/>
-            <a:ext cx="1163782" cy="748145"/>
+            <a:off x="2668602" y="3720038"/>
+            <a:ext cx="848332" cy="864522"/>
           </a:xfrm>
-          <a:prstGeom prst="bevel">
+          <a:prstGeom prst="flowChartDelay">
             <a:avLst/>
           </a:prstGeom>
           <a:solidFill>
-            <a:schemeClr val="accent2"/>
+            <a:schemeClr val="accent6">
+              <a:lumMod val="75000"/>
+            </a:schemeClr>
           </a:solidFill>
           <a:ln>
             <a:noFill/>
@@ -4265,12 +4168,18 @@
             <a:pPr algn="ctr"/>
             <a:r>
               <a:rPr lang="en-US" altLang="ko-KR" sz="2400" dirty="0" smtClean="0">
+                <a:solidFill>
+                  <a:schemeClr val="bg1"/>
+                </a:solidFill>
                 <a:latin typeface="굴림" panose="020B0600000101010101" pitchFamily="50" charset="-127"/>
                 <a:ea typeface="굴림" panose="020B0600000101010101" pitchFamily="50" charset="-127"/>
               </a:rPr>
-              <a:t>Ⅳ</a:t>
+              <a:t>1</a:t>
             </a:r>
             <a:endParaRPr lang="ko-KR" altLang="en-US" sz="2400" dirty="0">
+              <a:solidFill>
+                <a:schemeClr val="bg1"/>
+              </a:solidFill>
               <a:latin typeface="굴림" panose="020B0600000101010101" pitchFamily="50" charset="-127"/>
               <a:ea typeface="굴림" panose="020B0600000101010101" pitchFamily="50" charset="-127"/>
             </a:endParaRPr>
@@ -4279,14 +4188,62 @@
       </p:sp>
       <p:sp>
         <p:nvSpPr>
-          <p:cNvPr id="16" name="TextBox 15"/>
+          <p:cNvPr id="12" name="직사각형 11"/>
+          <p:cNvSpPr/>
+          <p:nvPr/>
+        </p:nvSpPr>
+        <p:spPr>
+          <a:xfrm>
+            <a:off x="2668602" y="4339335"/>
+            <a:ext cx="6284423" cy="257694"/>
+          </a:xfrm>
+          <a:prstGeom prst="rect">
+            <a:avLst/>
+          </a:prstGeom>
+          <a:solidFill>
+            <a:schemeClr val="accent6">
+              <a:lumMod val="75000"/>
+            </a:schemeClr>
+          </a:solidFill>
+          <a:ln>
+            <a:noFill/>
+          </a:ln>
+        </p:spPr>
+        <p:style>
+          <a:lnRef idx="2">
+            <a:schemeClr val="accent1">
+              <a:shade val="50000"/>
+            </a:schemeClr>
+          </a:lnRef>
+          <a:fillRef idx="1">
+            <a:schemeClr val="accent1"/>
+          </a:fillRef>
+          <a:effectRef idx="0">
+            <a:schemeClr val="accent1"/>
+          </a:effectRef>
+          <a:fontRef idx="minor">
+            <a:schemeClr val="lt1"/>
+          </a:fontRef>
+        </p:style>
+        <p:txBody>
+          <a:bodyPr rtlCol="0" anchor="ctr"/>
+          <a:lstStyle/>
+          <a:p>
+            <a:pPr algn="ctr"/>
+            <a:endParaRPr lang="ko-KR" altLang="en-US"/>
+          </a:p>
+        </p:txBody>
+      </p:sp>
+      <p:sp>
+        <p:nvSpPr>
+          <p:cNvPr id="13" name="TextBox 12"/>
           <p:cNvSpPr txBox="1"/>
           <p:nvPr/>
         </p:nvSpPr>
         <p:spPr>
           <a:xfrm>
-            <a:off x="3873733" y="4883011"/>
-            <a:ext cx="4971009" cy="461665"/>
+            <a:off x="3516934" y="3840369"/>
+            <a:ext cx="5436091" cy="461665"/>
           </a:xfrm>
           <a:prstGeom prst="rect">
             <a:avLst/>
@@ -4300,11 +4257,18 @@
           <a:lstStyle/>
           <a:p>
             <a:r>
+              <a:rPr lang="ko-KR" altLang="en-US" sz="2400" dirty="0" err="1" smtClean="0">
+                <a:latin typeface="굴림" panose="020B0600000101010101" pitchFamily="50" charset="-127"/>
+                <a:ea typeface="굴림" panose="020B0600000101010101" pitchFamily="50" charset="-127"/>
+              </a:rPr>
+              <a:t>차종별</a:t>
+            </a:r>
+            <a:r>
               <a:rPr lang="ko-KR" altLang="en-US" sz="2400" dirty="0" smtClean="0">
                 <a:latin typeface="굴림" panose="020B0600000101010101" pitchFamily="50" charset="-127"/>
                 <a:ea typeface="굴림" panose="020B0600000101010101" pitchFamily="50" charset="-127"/>
               </a:rPr>
-              <a:t>교통사고 줄이기 캠페인</a:t>
+              <a:t> 일평균 이용 대수</a:t>
             </a:r>
             <a:endParaRPr lang="ko-KR" altLang="en-US" sz="2400" dirty="0">
               <a:latin typeface="굴림" panose="020B0600000101010101" pitchFamily="50" charset="-127"/>
@@ -4313,9 +4277,274 @@
           </a:p>
         </p:txBody>
       </p:sp>
+      <p:sp>
+        <p:nvSpPr>
+          <p:cNvPr id="14" name="순서도: 지연 13"/>
+          <p:cNvSpPr/>
+          <p:nvPr/>
+        </p:nvSpPr>
+        <p:spPr>
+          <a:xfrm>
+            <a:off x="2668602" y="3713992"/>
+            <a:ext cx="848332" cy="864522"/>
+          </a:xfrm>
+          <a:prstGeom prst="flowChartDelay">
+            <a:avLst/>
+          </a:prstGeom>
+          <a:solidFill>
+            <a:schemeClr val="accent6">
+              <a:lumMod val="75000"/>
+            </a:schemeClr>
+          </a:solidFill>
+          <a:ln>
+            <a:noFill/>
+          </a:ln>
+        </p:spPr>
+        <p:style>
+          <a:lnRef idx="2">
+            <a:schemeClr val="accent1">
+              <a:shade val="50000"/>
+            </a:schemeClr>
+          </a:lnRef>
+          <a:fillRef idx="1">
+            <a:schemeClr val="accent1"/>
+          </a:fillRef>
+          <a:effectRef idx="0">
+            <a:schemeClr val="accent1"/>
+          </a:effectRef>
+          <a:fontRef idx="minor">
+            <a:schemeClr val="lt1"/>
+          </a:fontRef>
+        </p:style>
+        <p:txBody>
+          <a:bodyPr rtlCol="0" anchor="ctr"/>
+          <a:lstStyle/>
+          <a:p>
+            <a:pPr algn="ctr"/>
+            <a:r>
+              <a:rPr lang="en-US" altLang="ko-KR" sz="2400" dirty="0">
+                <a:solidFill>
+                  <a:schemeClr val="bg1"/>
+                </a:solidFill>
+                <a:latin typeface="굴림" panose="020B0600000101010101" pitchFamily="50" charset="-127"/>
+                <a:ea typeface="굴림" panose="020B0600000101010101" pitchFamily="50" charset="-127"/>
+              </a:rPr>
+              <a:t>3</a:t>
+            </a:r>
+            <a:endParaRPr lang="ko-KR" altLang="en-US" sz="2400" dirty="0">
+              <a:solidFill>
+                <a:schemeClr val="bg1"/>
+              </a:solidFill>
+              <a:latin typeface="굴림" panose="020B0600000101010101" pitchFamily="50" charset="-127"/>
+              <a:ea typeface="굴림" panose="020B0600000101010101" pitchFamily="50" charset="-127"/>
+            </a:endParaRPr>
+          </a:p>
+        </p:txBody>
+      </p:sp>
+      <p:sp>
+        <p:nvSpPr>
+          <p:cNvPr id="15" name="직사각형 14"/>
+          <p:cNvSpPr/>
+          <p:nvPr/>
+        </p:nvSpPr>
+        <p:spPr>
+          <a:xfrm>
+            <a:off x="2668602" y="4333289"/>
+            <a:ext cx="6284423" cy="257694"/>
+          </a:xfrm>
+          <a:prstGeom prst="rect">
+            <a:avLst/>
+          </a:prstGeom>
+          <a:solidFill>
+            <a:schemeClr val="accent6">
+              <a:lumMod val="75000"/>
+            </a:schemeClr>
+          </a:solidFill>
+          <a:ln>
+            <a:noFill/>
+          </a:ln>
+        </p:spPr>
+        <p:style>
+          <a:lnRef idx="2">
+            <a:schemeClr val="accent1">
+              <a:shade val="50000"/>
+            </a:schemeClr>
+          </a:lnRef>
+          <a:fillRef idx="1">
+            <a:schemeClr val="accent1"/>
+          </a:fillRef>
+          <a:effectRef idx="0">
+            <a:schemeClr val="accent1"/>
+          </a:effectRef>
+          <a:fontRef idx="minor">
+            <a:schemeClr val="lt1"/>
+          </a:fontRef>
+        </p:style>
+        <p:txBody>
+          <a:bodyPr rtlCol="0" anchor="ctr"/>
+          <a:lstStyle/>
+          <a:p>
+            <a:pPr algn="ctr"/>
+            <a:r>
+              <a:rPr lang="en-US" altLang="ko-KR" dirty="0" smtClean="0"/>
+              <a:t> </a:t>
+            </a:r>
+            <a:endParaRPr lang="ko-KR" altLang="en-US" dirty="0"/>
+          </a:p>
+        </p:txBody>
+      </p:sp>
+      <p:sp>
+        <p:nvSpPr>
+          <p:cNvPr id="17" name="순서도: 지연 16"/>
+          <p:cNvSpPr/>
+          <p:nvPr/>
+        </p:nvSpPr>
+        <p:spPr>
+          <a:xfrm>
+            <a:off x="2668602" y="4940367"/>
+            <a:ext cx="848332" cy="864522"/>
+          </a:xfrm>
+          <a:prstGeom prst="flowChartDelay">
+            <a:avLst/>
+          </a:prstGeom>
+          <a:solidFill>
+            <a:schemeClr val="accent6">
+              <a:lumMod val="75000"/>
+            </a:schemeClr>
+          </a:solidFill>
+          <a:ln>
+            <a:noFill/>
+          </a:ln>
+        </p:spPr>
+        <p:style>
+          <a:lnRef idx="2">
+            <a:schemeClr val="accent1">
+              <a:shade val="50000"/>
+            </a:schemeClr>
+          </a:lnRef>
+          <a:fillRef idx="1">
+            <a:schemeClr val="accent1"/>
+          </a:fillRef>
+          <a:effectRef idx="0">
+            <a:schemeClr val="accent1"/>
+          </a:effectRef>
+          <a:fontRef idx="minor">
+            <a:schemeClr val="lt1"/>
+          </a:fontRef>
+        </p:style>
+        <p:txBody>
+          <a:bodyPr rtlCol="0" anchor="ctr"/>
+          <a:lstStyle/>
+          <a:p>
+            <a:pPr algn="ctr"/>
+            <a:r>
+              <a:rPr lang="en-US" altLang="ko-KR" sz="2400" dirty="0">
+                <a:solidFill>
+                  <a:schemeClr val="bg1"/>
+                </a:solidFill>
+                <a:latin typeface="굴림" panose="020B0600000101010101" pitchFamily="50" charset="-127"/>
+                <a:ea typeface="굴림" panose="020B0600000101010101" pitchFamily="50" charset="-127"/>
+              </a:rPr>
+              <a:t>4</a:t>
+            </a:r>
+            <a:endParaRPr lang="ko-KR" altLang="en-US" sz="2400" dirty="0">
+              <a:solidFill>
+                <a:schemeClr val="bg1"/>
+              </a:solidFill>
+              <a:latin typeface="굴림" panose="020B0600000101010101" pitchFamily="50" charset="-127"/>
+              <a:ea typeface="굴림" panose="020B0600000101010101" pitchFamily="50" charset="-127"/>
+            </a:endParaRPr>
+          </a:p>
+        </p:txBody>
+      </p:sp>
+      <p:sp>
+        <p:nvSpPr>
+          <p:cNvPr id="18" name="직사각형 17"/>
+          <p:cNvSpPr/>
+          <p:nvPr/>
+        </p:nvSpPr>
+        <p:spPr>
+          <a:xfrm>
+            <a:off x="2668602" y="5559664"/>
+            <a:ext cx="6284423" cy="257694"/>
+          </a:xfrm>
+          <a:prstGeom prst="rect">
+            <a:avLst/>
+          </a:prstGeom>
+          <a:solidFill>
+            <a:schemeClr val="accent6">
+              <a:lumMod val="75000"/>
+            </a:schemeClr>
+          </a:solidFill>
+          <a:ln>
+            <a:noFill/>
+          </a:ln>
+        </p:spPr>
+        <p:style>
+          <a:lnRef idx="2">
+            <a:schemeClr val="accent1">
+              <a:shade val="50000"/>
+            </a:schemeClr>
+          </a:lnRef>
+          <a:fillRef idx="1">
+            <a:schemeClr val="accent1"/>
+          </a:fillRef>
+          <a:effectRef idx="0">
+            <a:schemeClr val="accent1"/>
+          </a:effectRef>
+          <a:fontRef idx="minor">
+            <a:schemeClr val="lt1"/>
+          </a:fontRef>
+        </p:style>
+        <p:txBody>
+          <a:bodyPr rtlCol="0" anchor="ctr"/>
+          <a:lstStyle/>
+          <a:p>
+            <a:pPr algn="ctr"/>
+            <a:endParaRPr lang="ko-KR" altLang="en-US"/>
+          </a:p>
+        </p:txBody>
+      </p:sp>
+      <p:sp>
+        <p:nvSpPr>
+          <p:cNvPr id="19" name="TextBox 18"/>
+          <p:cNvSpPr txBox="1"/>
+          <p:nvPr/>
+        </p:nvSpPr>
+        <p:spPr>
+          <a:xfrm>
+            <a:off x="3516934" y="5060698"/>
+            <a:ext cx="5436091" cy="461665"/>
+          </a:xfrm>
+          <a:prstGeom prst="rect">
+            <a:avLst/>
+          </a:prstGeom>
+          <a:noFill/>
+        </p:spPr>
+        <p:txBody>
+          <a:bodyPr wrap="square" rtlCol="0">
+            <a:spAutoFit/>
+          </a:bodyPr>
+          <a:lstStyle/>
+          <a:p>
+            <a:r>
+              <a:rPr lang="ko-KR" altLang="en-US" sz="2400" dirty="0" smtClean="0">
+                <a:latin typeface="굴림" panose="020B0600000101010101" pitchFamily="50" charset="-127"/>
+                <a:ea typeface="굴림" panose="020B0600000101010101" pitchFamily="50" charset="-127"/>
+                <a:hlinkClick r:id="rId2" action="ppaction://hlinksldjump"/>
+              </a:rPr>
+              <a:t>고속도로 건축선 현황</a:t>
+            </a:r>
+            <a:endParaRPr lang="ko-KR" altLang="en-US" sz="2400" dirty="0">
+              <a:latin typeface="굴림" panose="020B0600000101010101" pitchFamily="50" charset="-127"/>
+              <a:ea typeface="굴림" panose="020B0600000101010101" pitchFamily="50" charset="-127"/>
+            </a:endParaRPr>
+          </a:p>
+        </p:txBody>
+      </p:sp>
       <p:pic>
         <p:nvPicPr>
-          <p:cNvPr id="17" name="그림 16"/>
+          <p:cNvPr id="20" name="그림 19"/>
           <p:cNvPicPr>
             <a:picLocks noChangeAspect="1"/>
           </p:cNvPicPr>
@@ -4329,13 +4558,13 @@
               </a:ext>
             </a:extLst>
           </a:blip>
-          <a:srcRect r="54909" b="67168"/>
+          <a:srcRect l="54608" t="3053" r="6212" b="67379"/>
           <a:stretch/>
         </p:blipFill>
         <p:spPr>
           <a:xfrm>
-            <a:off x="457201" y="1702998"/>
-            <a:ext cx="1889761" cy="1791912"/>
+            <a:off x="602358" y="4253815"/>
+            <a:ext cx="1642078" cy="1613766"/>
           </a:xfrm>
           <a:prstGeom prst="rect">
             <a:avLst/>
@@ -4345,7 +4574,7 @@
     </p:spTree>
     <p:extLst>
       <p:ext uri="{BB962C8B-B14F-4D97-AF65-F5344CB8AC3E}">
-        <p14:creationId xmlns:p14="http://schemas.microsoft.com/office/powerpoint/2010/main" val="1311870993"/>
+        <p14:creationId xmlns:p14="http://schemas.microsoft.com/office/powerpoint/2010/main" val="735936642"/>
       </p:ext>
     </p:extLst>
   </p:cSld>
@@ -4395,23 +4624,22 @@
           <a:lstStyle/>
           <a:p>
             <a:r>
-              <a:rPr lang="en-US" altLang="ko-KR" dirty="0" smtClean="0">
-                <a:latin typeface="돋움" panose="020B0600000101010101" pitchFamily="50" charset="-127"/>
-                <a:ea typeface="돋움" panose="020B0600000101010101" pitchFamily="50" charset="-127"/>
-              </a:rPr>
-              <a:t>Ⅰ.</a:t>
-            </a:r>
-            <a:r>
-              <a:rPr lang="ko-KR" altLang="en-US" dirty="0" smtClean="0">
-                <a:latin typeface="돋움" panose="020B0600000101010101" pitchFamily="50" charset="-127"/>
-                <a:ea typeface="돋움" panose="020B0600000101010101" pitchFamily="50" charset="-127"/>
-              </a:rPr>
-              <a:t>교통사고 발생시 조치 사항</a:t>
-            </a:r>
-            <a:endParaRPr lang="ko-KR" altLang="en-US" dirty="0">
-              <a:latin typeface="돋움" panose="020B0600000101010101" pitchFamily="50" charset="-127"/>
-              <a:ea typeface="돋움" panose="020B0600000101010101" pitchFamily="50" charset="-127"/>
-            </a:endParaRPr>
+              <a:rPr lang="en-US" altLang="ko-KR" dirty="0" smtClean="0"/>
+              <a:t>1. </a:t>
+            </a:r>
+            <a:r>
+              <a:rPr lang="ko-KR" altLang="en-US" dirty="0" smtClean="0"/>
+              <a:t>도로의</a:t>
+            </a:r>
+            <a:r>
+              <a:rPr lang="en-US" altLang="ko-KR" dirty="0" smtClean="0"/>
+              <a:t> </a:t>
+            </a:r>
+            <a:r>
+              <a:rPr lang="ko-KR" altLang="en-US" dirty="0" smtClean="0"/>
+              <a:t>이해</a:t>
+            </a:r>
+            <a:endParaRPr lang="ko-KR" altLang="en-US" dirty="0"/>
           </a:p>
         </p:txBody>
       </p:sp>
@@ -4427,17 +4655,31 @@
         </p:nvSpPr>
         <p:spPr>
           <a:xfrm>
-            <a:off x="240463" y="1376738"/>
-            <a:ext cx="7099675" cy="2222673"/>
+            <a:off x="303187" y="1349533"/>
+            <a:ext cx="8543925" cy="1779076"/>
           </a:xfrm>
         </p:spPr>
         <p:txBody>
-          <a:bodyPr>
-            <a:noAutofit/>
-          </a:bodyPr>
+          <a:bodyPr/>
           <a:lstStyle/>
           <a:p>
             <a:pPr>
+              <a:lnSpc>
+                <a:spcPct val="150000"/>
+              </a:lnSpc>
+              <a:buFont typeface="Wingdings" panose="05000000000000000000" pitchFamily="2" charset="2"/>
+              <a:buChar char="v"/>
+            </a:pPr>
+            <a:r>
+              <a:rPr lang="en-US" altLang="ko-KR" sz="2400" b="1" dirty="0" smtClean="0">
+                <a:latin typeface="굴림" panose="020B0600000101010101" pitchFamily="50" charset="-127"/>
+                <a:ea typeface="굴림" panose="020B0600000101010101" pitchFamily="50" charset="-127"/>
+              </a:rPr>
+              <a:t>Expressways</a:t>
+            </a:r>
+          </a:p>
+          <a:p>
+            <a:pPr lvl="1">
               <a:lnSpc>
                 <a:spcPct val="150000"/>
               </a:lnSpc>
@@ -4445,11 +4687,11 @@
               <a:buChar char="Ø"/>
             </a:pPr>
             <a:r>
-              <a:rPr lang="en-US" altLang="ko-KR" b="1" dirty="0" smtClean="0">
+              <a:rPr lang="en-US" altLang="ko-KR" sz="2000" dirty="0" smtClean="0">
                 <a:latin typeface="굴림" panose="020B0600000101010101" pitchFamily="50" charset="-127"/>
                 <a:ea typeface="굴림" panose="020B0600000101010101" pitchFamily="50" charset="-127"/>
               </a:rPr>
-              <a:t>Traffic accident</a:t>
+              <a:t>Building expressway that are in harmony with their surroundings</a:t>
             </a:r>
           </a:p>
           <a:p>
@@ -4458,19 +4700,43 @@
                 <a:spcPct val="150000"/>
               </a:lnSpc>
               <a:buFont typeface="Wingdings" panose="05000000000000000000" pitchFamily="2" charset="2"/>
-              <a:buChar char="ü"/>
+              <a:buChar char="Ø"/>
             </a:pPr>
             <a:r>
               <a:rPr lang="en-US" altLang="ko-KR" sz="2000" dirty="0" smtClean="0">
                 <a:latin typeface="굴림" panose="020B0600000101010101" pitchFamily="50" charset="-127"/>
                 <a:ea typeface="굴림" panose="020B0600000101010101" pitchFamily="50" charset="-127"/>
               </a:rPr>
-              <a:t>Accidents caused by traffic are sudject to the special cases of the traffic accident handing act regardless of the place</a:t>
-            </a:r>
-            <a:endParaRPr lang="ko-KR" altLang="en-US" sz="2000" dirty="0">
-              <a:latin typeface="굴림" panose="020B0600000101010101" pitchFamily="50" charset="-127"/>
-              <a:ea typeface="굴림" panose="020B0600000101010101" pitchFamily="50" charset="-127"/>
-            </a:endParaRPr>
+              <a:t>Bypassing or minimizing damage to protected areas</a:t>
+            </a:r>
+          </a:p>
+          <a:p>
+            <a:pPr lvl="1">
+              <a:lnSpc>
+                <a:spcPct val="150000"/>
+              </a:lnSpc>
+              <a:buFont typeface="Wingdings" panose="05000000000000000000" pitchFamily="2" charset="2"/>
+              <a:buChar char="Ø"/>
+            </a:pPr>
+            <a:endParaRPr lang="en-US" altLang="ko-KR" dirty="0"/>
+          </a:p>
+          <a:p>
+            <a:pPr marL="457200" lvl="1" indent="0">
+              <a:lnSpc>
+                <a:spcPct val="150000"/>
+              </a:lnSpc>
+              <a:buNone/>
+            </a:pPr>
+            <a:endParaRPr lang="en-US" altLang="ko-KR" dirty="0"/>
+          </a:p>
+          <a:p>
+            <a:pPr marL="457200" lvl="1" indent="0">
+              <a:lnSpc>
+                <a:spcPct val="150000"/>
+              </a:lnSpc>
+              <a:buNone/>
+            </a:pPr>
+            <a:endParaRPr lang="en-US" altLang="ko-KR" dirty="0" smtClean="0"/>
           </a:p>
         </p:txBody>
       </p:sp>
@@ -4489,17 +4755,17 @@
           <a:bodyPr/>
           <a:lstStyle/>
           <a:p>
-            <a:fld id="{ADE4B6AC-C1FE-4E24-8BB5-8F122553B6B1}" type="slidenum">
+            <a:fld id="{87932528-7ED5-470E-80D5-6A765EBCDFE6}" type="slidenum">
               <a:rPr lang="ko-KR" altLang="en-US" smtClean="0"/>
               <a:t>3</a:t>
             </a:fld>
-            <a:endParaRPr lang="ko-KR" altLang="en-US"/>
-          </a:p>
-        </p:txBody>
-      </p:sp>
-      <p:sp>
-        <p:nvSpPr>
-          <p:cNvPr id="6" name="내용 개체 틀 2"/>
+            <a:endParaRPr lang="ko-KR" altLang="en-US" dirty="0"/>
+          </a:p>
+        </p:txBody>
+      </p:sp>
+      <p:sp>
+        <p:nvSpPr>
+          <p:cNvPr id="5" name="내용 개체 틀 2"/>
           <p:cNvSpPr txBox="1">
             <a:spLocks/>
           </p:cNvSpPr>
@@ -4507,8 +4773,8 @@
         </p:nvSpPr>
         <p:spPr>
           <a:xfrm>
-            <a:off x="240463" y="3838432"/>
-            <a:ext cx="8984498" cy="2222673"/>
+            <a:off x="303186" y="3745927"/>
+            <a:ext cx="5947985" cy="1779076"/>
           </a:xfrm>
           <a:prstGeom prst="rect">
             <a:avLst/>
@@ -4516,7 +4782,7 @@
         </p:spPr>
         <p:txBody>
           <a:bodyPr vert="horz" lIns="91440" tIns="45720" rIns="91440" bIns="45720" rtlCol="0">
-            <a:noAutofit/>
+            <a:normAutofit fontScale="70000" lnSpcReduction="20000"/>
           </a:bodyPr>
           <a:lstStyle>
             <a:lvl1pPr marL="228600" indent="-228600" algn="l" defTabSz="914400" rtl="0" eaLnBrk="1" latinLnBrk="1" hangingPunct="1">
@@ -4688,14 +4954,28 @@
                 <a:spcPct val="150000"/>
               </a:lnSpc>
               <a:buFont typeface="Wingdings" panose="05000000000000000000" pitchFamily="2" charset="2"/>
-              <a:buChar char="Ø"/>
+              <a:buChar char="v"/>
             </a:pPr>
             <a:r>
               <a:rPr lang="ko-KR" altLang="en-US" b="1" dirty="0" smtClean="0">
                 <a:latin typeface="굴림" panose="020B0600000101010101" pitchFamily="50" charset="-127"/>
                 <a:ea typeface="굴림" panose="020B0600000101010101" pitchFamily="50" charset="-127"/>
               </a:rPr>
-              <a:t>피해자 구호조치</a:t>
+              <a:t>도로의</a:t>
+            </a:r>
+            <a:r>
+              <a:rPr lang="en-US" altLang="ko-KR" b="1" dirty="0" smtClean="0">
+                <a:latin typeface="굴림" panose="020B0600000101010101" pitchFamily="50" charset="-127"/>
+                <a:ea typeface="굴림" panose="020B0600000101010101" pitchFamily="50" charset="-127"/>
+              </a:rPr>
+              <a:t> </a:t>
+            </a:r>
+            <a:r>
+              <a:rPr lang="ko-KR" altLang="en-US" b="1" dirty="0" smtClean="0">
+                <a:latin typeface="굴림" panose="020B0600000101010101" pitchFamily="50" charset="-127"/>
+                <a:ea typeface="굴림" panose="020B0600000101010101" pitchFamily="50" charset="-127"/>
+              </a:rPr>
+              <a:t>종류와 관리</a:t>
             </a:r>
             <a:endParaRPr lang="en-US" altLang="ko-KR" b="1" dirty="0" smtClean="0">
               <a:latin typeface="굴림" panose="020B0600000101010101" pitchFamily="50" charset="-127"/>
@@ -4708,16 +4988,16 @@
                 <a:spcPct val="150000"/>
               </a:lnSpc>
               <a:buFont typeface="Wingdings" panose="05000000000000000000" pitchFamily="2" charset="2"/>
-              <a:buChar char="ü"/>
+              <a:buChar char="Ø"/>
             </a:pPr>
             <a:r>
-              <a:rPr lang="ko-KR" altLang="en-US" sz="2000" dirty="0" smtClean="0">
+              <a:rPr lang="ko-KR" altLang="en-US" dirty="0" smtClean="0">
                 <a:latin typeface="굴림" panose="020B0600000101010101" pitchFamily="50" charset="-127"/>
                 <a:ea typeface="굴림" panose="020B0600000101010101" pitchFamily="50" charset="-127"/>
               </a:rPr>
-              <a:t>교통사고가 발생한 경우에는 그 차의 운전자나 그 밖의 승무원은 즉시 정차하여 조치</a:t>
-            </a:r>
-            <a:endParaRPr lang="en-US" altLang="ko-KR" sz="2000" dirty="0" smtClean="0">
+              <a:t>자동차전용도로와 일반 도로로 구분</a:t>
+            </a:r>
+            <a:endParaRPr lang="en-US" altLang="ko-KR" dirty="0" smtClean="0">
               <a:latin typeface="굴림" panose="020B0600000101010101" pitchFamily="50" charset="-127"/>
               <a:ea typeface="굴림" panose="020B0600000101010101" pitchFamily="50" charset="-127"/>
             </a:endParaRPr>
@@ -4728,25 +5008,121 @@
                 <a:spcPct val="150000"/>
               </a:lnSpc>
               <a:buFont typeface="Wingdings" panose="05000000000000000000" pitchFamily="2" charset="2"/>
-              <a:buChar char="ü"/>
+              <a:buChar char="Ø"/>
             </a:pPr>
             <a:r>
-              <a:rPr lang="ko-KR" altLang="en-US" sz="2000" dirty="0" smtClean="0">
+              <a:rPr lang="ko-KR" altLang="en-US" dirty="0" smtClean="0">
                 <a:latin typeface="굴림" panose="020B0600000101010101" pitchFamily="50" charset="-127"/>
                 <a:ea typeface="굴림" panose="020B0600000101010101" pitchFamily="50" charset="-127"/>
               </a:rPr>
-              <a:t>사상자를 구호하는 등 필요한 조치 및 피해자에게 인적 사항 제공</a:t>
-            </a:r>
-            <a:endParaRPr lang="ko-KR" altLang="en-US" sz="2000" dirty="0">
+              <a:t>자동차전용도로</a:t>
+            </a:r>
+            <a:r>
+              <a:rPr lang="en-US" altLang="ko-KR" dirty="0">
+                <a:latin typeface="굴림" panose="020B0600000101010101" pitchFamily="50" charset="-127"/>
+                <a:ea typeface="굴림" panose="020B0600000101010101" pitchFamily="50" charset="-127"/>
+              </a:rPr>
+              <a:t> </a:t>
+            </a:r>
+            <a:r>
+              <a:rPr lang="en-US" altLang="ko-KR" dirty="0" smtClean="0">
+                <a:latin typeface="굴림" panose="020B0600000101010101" pitchFamily="50" charset="-127"/>
+                <a:ea typeface="굴림" panose="020B0600000101010101" pitchFamily="50" charset="-127"/>
+              </a:rPr>
+              <a:t>: </a:t>
+            </a:r>
+            <a:r>
+              <a:rPr lang="ko-KR" altLang="en-US" dirty="0" smtClean="0">
+                <a:latin typeface="굴림" panose="020B0600000101010101" pitchFamily="50" charset="-127"/>
+                <a:ea typeface="굴림" panose="020B0600000101010101" pitchFamily="50" charset="-127"/>
+              </a:rPr>
+              <a:t>고속도로</a:t>
+            </a:r>
+            <a:r>
+              <a:rPr lang="en-US" altLang="ko-KR" dirty="0" smtClean="0">
+                <a:latin typeface="굴림" panose="020B0600000101010101" pitchFamily="50" charset="-127"/>
+                <a:ea typeface="굴림" panose="020B0600000101010101" pitchFamily="50" charset="-127"/>
+              </a:rPr>
+              <a:t>(</a:t>
+            </a:r>
+            <a:r>
+              <a:rPr lang="ko-KR" altLang="en-US" dirty="0" smtClean="0">
+                <a:latin typeface="굴림" panose="020B0600000101010101" pitchFamily="50" charset="-127"/>
+                <a:ea typeface="굴림" panose="020B0600000101010101" pitchFamily="50" charset="-127"/>
+              </a:rPr>
+              <a:t>고속국도</a:t>
+            </a:r>
+            <a:r>
+              <a:rPr lang="en-US" altLang="ko-KR" dirty="0" smtClean="0">
+                <a:latin typeface="굴림" panose="020B0600000101010101" pitchFamily="50" charset="-127"/>
+                <a:ea typeface="굴림" panose="020B0600000101010101" pitchFamily="50" charset="-127"/>
+              </a:rPr>
+              <a:t>)</a:t>
+            </a:r>
+            <a:r>
+              <a:rPr lang="ko-KR" altLang="en-US" dirty="0" smtClean="0">
+                <a:latin typeface="굴림" panose="020B0600000101010101" pitchFamily="50" charset="-127"/>
+                <a:ea typeface="굴림" panose="020B0600000101010101" pitchFamily="50" charset="-127"/>
+              </a:rPr>
+              <a:t>와 </a:t>
+            </a:r>
+            <a:r>
+              <a:rPr lang="ko-KR" altLang="en-US" dirty="0" err="1" smtClean="0">
+                <a:latin typeface="굴림" panose="020B0600000101010101" pitchFamily="50" charset="-127"/>
+                <a:ea typeface="굴림" panose="020B0600000101010101" pitchFamily="50" charset="-127"/>
+              </a:rPr>
+              <a:t>도시고속</a:t>
+            </a:r>
+            <a:r>
+              <a:rPr lang="en-US" altLang="ko-KR" dirty="0">
+                <a:latin typeface="굴림" panose="020B0600000101010101" pitchFamily="50" charset="-127"/>
+                <a:ea typeface="굴림" panose="020B0600000101010101" pitchFamily="50" charset="-127"/>
+              </a:rPr>
+              <a:t/>
+            </a:r>
+            <a:br>
+              <a:rPr lang="en-US" altLang="ko-KR" dirty="0">
+                <a:latin typeface="굴림" panose="020B0600000101010101" pitchFamily="50" charset="-127"/>
+                <a:ea typeface="굴림" panose="020B0600000101010101" pitchFamily="50" charset="-127"/>
+              </a:rPr>
+            </a:br>
+            <a:r>
+              <a:rPr lang="ko-KR" altLang="en-US" dirty="0" smtClean="0">
+                <a:latin typeface="굴림" panose="020B0600000101010101" pitchFamily="50" charset="-127"/>
+                <a:ea typeface="굴림" panose="020B0600000101010101" pitchFamily="50" charset="-127"/>
+              </a:rPr>
+              <a:t>도로로 구분</a:t>
+            </a:r>
+            <a:endParaRPr lang="en-US" altLang="ko-KR" dirty="0" smtClean="0">
               <a:latin typeface="굴림" panose="020B0600000101010101" pitchFamily="50" charset="-127"/>
               <a:ea typeface="굴림" panose="020B0600000101010101" pitchFamily="50" charset="-127"/>
             </a:endParaRPr>
           </a:p>
+          <a:p>
+            <a:pPr marL="457200" lvl="1" indent="0">
+              <a:lnSpc>
+                <a:spcPct val="150000"/>
+              </a:lnSpc>
+              <a:buFont typeface="Arial" panose="020B0604020202020204" pitchFamily="34" charset="0"/>
+              <a:buNone/>
+            </a:pPr>
+            <a:endParaRPr lang="en-US" altLang="ko-KR" dirty="0" smtClean="0"/>
+          </a:p>
+          <a:p>
+            <a:pPr marL="457200" lvl="1" indent="0">
+              <a:lnSpc>
+                <a:spcPct val="150000"/>
+              </a:lnSpc>
+              <a:buFont typeface="Arial" panose="020B0604020202020204" pitchFamily="34" charset="0"/>
+              <a:buNone/>
+            </a:pPr>
+            <a:endParaRPr lang="en-US" altLang="ko-KR" dirty="0" smtClean="0"/>
+          </a:p>
         </p:txBody>
       </p:sp>
       <p:pic>
         <p:nvPicPr>
-          <p:cNvPr id="7" name="동영상">
+          <p:cNvPr id="6" name="동영상">
             <a:hlinkClick r:id="" action="ppaction://media"/>
           </p:cNvPr>
           <p:cNvPicPr>
@@ -4769,7 +5145,7 @@
         </p:blipFill>
         <p:spPr>
           <a:xfrm>
-            <a:off x="7243761" y="2194922"/>
+            <a:off x="6639098" y="3873465"/>
             <a:ext cx="1981200" cy="1524000"/>
           </a:xfrm>
           <a:prstGeom prst="rect">
@@ -4780,7 +5156,7 @@
     </p:spTree>
     <p:extLst>
       <p:ext uri="{BB962C8B-B14F-4D97-AF65-F5344CB8AC3E}">
-        <p14:creationId xmlns:p14="http://schemas.microsoft.com/office/powerpoint/2010/main" val="4184438290"/>
+        <p14:creationId xmlns:p14="http://schemas.microsoft.com/office/powerpoint/2010/main" val="2578126931"/>
       </p:ext>
     </p:extLst>
   </p:cSld>
@@ -4797,7 +5173,7 @@
                 <p:stCondLst>
                   <p:cond evt="onClick" delay="0">
                     <p:tgtEl>
-                      <p:spTgt spid="7"/>
+                      <p:spTgt spid="6"/>
                     </p:tgtEl>
                   </p:cond>
                 </p:stCondLst>
@@ -4827,7 +5203,7 @@
                                       <p:cBhvr>
                                         <p:cTn id="6" dur="1" fill="hold"/>
                                         <p:tgtEl>
-                                          <p:spTgt spid="7"/>
+                                          <p:spTgt spid="6"/>
                                         </p:tgtEl>
                                       </p:cBhvr>
                                     </p:cmd>
@@ -4845,7 +5221,7 @@
               <p:nextCondLst>
                 <p:cond evt="onClick" delay="0">
                   <p:tgtEl>
-                    <p:spTgt spid="7"/>
+                    <p:spTgt spid="6"/>
                   </p:tgtEl>
                 </p:cond>
               </p:nextCondLst>
@@ -4858,7 +5234,7 @@
                   </p:stCondLst>
                 </p:cTn>
                 <p:tgtEl>
-                  <p:spTgt spid="7"/>
+                  <p:spTgt spid="6"/>
                 </p:tgtEl>
               </p:cMediaNode>
             </p:video>
@@ -4902,531 +5278,29 @@
           <a:bodyPr/>
           <a:lstStyle/>
           <a:p>
-            <a:r>
-              <a:rPr lang="en-US" altLang="ko-KR" dirty="0" smtClean="0">
-                <a:latin typeface="돋움" panose="020B0600000101010101" pitchFamily="50" charset="-127"/>
-                <a:ea typeface="돋움" panose="020B0600000101010101" pitchFamily="50" charset="-127"/>
-              </a:rPr>
-              <a:t>Ⅱ. </a:t>
-            </a:r>
-            <a:r>
-              <a:rPr lang="ko-KR" altLang="en-US" dirty="0" smtClean="0">
-                <a:latin typeface="돋움" panose="020B0600000101010101" pitchFamily="50" charset="-127"/>
-                <a:ea typeface="돋움" panose="020B0600000101010101" pitchFamily="50" charset="-127"/>
-              </a:rPr>
-              <a:t>교통사고 줄이기 종합대책</a:t>
-            </a:r>
-            <a:endParaRPr lang="ko-KR" altLang="en-US" dirty="0">
-              <a:latin typeface="돋움" panose="020B0600000101010101" pitchFamily="50" charset="-127"/>
-              <a:ea typeface="돋움" panose="020B0600000101010101" pitchFamily="50" charset="-127"/>
-            </a:endParaRPr>
-          </a:p>
-        </p:txBody>
-      </p:sp>
-      <p:graphicFrame>
-        <p:nvGraphicFramePr>
-          <p:cNvPr id="5" name="내용 개체 틀 4"/>
-          <p:cNvGraphicFramePr>
-            <a:graphicFrameLocks noGrp="1"/>
-          </p:cNvGraphicFramePr>
+            <a:endParaRPr lang="ko-KR" altLang="en-US" dirty="0"/>
+          </a:p>
+        </p:txBody>
+      </p:sp>
+      <p:sp>
+        <p:nvSpPr>
+          <p:cNvPr id="3" name="내용 개체 틀 2"/>
+          <p:cNvSpPr>
+            <a:spLocks noGrp="1"/>
+          </p:cNvSpPr>
           <p:nvPr>
             <p:ph idx="1"/>
-            <p:extLst>
-              <p:ext uri="{D42A27DB-BD31-4B8C-83A1-F6EECF244321}">
-                <p14:modId xmlns:p14="http://schemas.microsoft.com/office/powerpoint/2010/main" val="943330904"/>
-              </p:ext>
-            </p:extLst>
-          </p:nvPr>
-        </p:nvGraphicFramePr>
-        <p:xfrm>
-          <a:off x="1770614" y="2867890"/>
-          <a:ext cx="7454350" cy="3340392"/>
-        </p:xfrm>
-        <a:graphic>
-          <a:graphicData uri="http://schemas.openxmlformats.org/drawingml/2006/table">
-            <a:tbl>
-              <a:tblPr>
-                <a:tableStyleId>{69C7853C-536D-4A76-A0AE-DD22124D55A5}</a:tableStyleId>
-              </a:tblPr>
-              <a:tblGrid>
-                <a:gridCol w="1490870">
-                  <a:extLst>
-                    <a:ext uri="{9D8B030D-6E8A-4147-A177-3AD203B41FA5}">
-                      <a16:colId xmlns:a16="http://schemas.microsoft.com/office/drawing/2014/main" val="918381807"/>
-                    </a:ext>
-                  </a:extLst>
-                </a:gridCol>
-                <a:gridCol w="1490870">
-                  <a:extLst>
-                    <a:ext uri="{9D8B030D-6E8A-4147-A177-3AD203B41FA5}">
-                      <a16:colId xmlns:a16="http://schemas.microsoft.com/office/drawing/2014/main" val="3905307919"/>
-                    </a:ext>
-                  </a:extLst>
-                </a:gridCol>
-                <a:gridCol w="1490870">
-                  <a:extLst>
-                    <a:ext uri="{9D8B030D-6E8A-4147-A177-3AD203B41FA5}">
-                      <a16:colId xmlns:a16="http://schemas.microsoft.com/office/drawing/2014/main" val="4254817139"/>
-                    </a:ext>
-                  </a:extLst>
-                </a:gridCol>
-                <a:gridCol w="1490870">
-                  <a:extLst>
-                    <a:ext uri="{9D8B030D-6E8A-4147-A177-3AD203B41FA5}">
-                      <a16:colId xmlns:a16="http://schemas.microsoft.com/office/drawing/2014/main" val="2191744551"/>
-                    </a:ext>
-                  </a:extLst>
-                </a:gridCol>
-                <a:gridCol w="1490870">
-                  <a:extLst>
-                    <a:ext uri="{9D8B030D-6E8A-4147-A177-3AD203B41FA5}">
-                      <a16:colId xmlns:a16="http://schemas.microsoft.com/office/drawing/2014/main" val="3486814463"/>
-                    </a:ext>
-                  </a:extLst>
-                </a:gridCol>
-              </a:tblGrid>
-              <a:tr h="835098">
-                <a:tc>
-                  <a:txBody>
-                    <a:bodyPr/>
-                    <a:lstStyle/>
-                    <a:p>
-                      <a:pPr algn="ctr" latinLnBrk="1"/>
-                      <a:r>
-                        <a:rPr lang="ko-KR" altLang="en-US" dirty="0" smtClean="0">
-                          <a:latin typeface="돋움" panose="020B0600000101010101" pitchFamily="50" charset="-127"/>
-                          <a:ea typeface="돋움" panose="020B0600000101010101" pitchFamily="50" charset="-127"/>
-                        </a:rPr>
-                        <a:t>교통약자</a:t>
-                      </a:r>
-                      <a:endParaRPr lang="ko-KR" altLang="en-US" dirty="0">
-                        <a:latin typeface="돋움" panose="020B0600000101010101" pitchFamily="50" charset="-127"/>
-                        <a:ea typeface="돋움" panose="020B0600000101010101" pitchFamily="50" charset="-127"/>
-                      </a:endParaRPr>
-                    </a:p>
-                  </a:txBody>
-                  <a:tcPr anchor="ctr"/>
-                </a:tc>
-                <a:tc rowSpan="2">
-                  <a:txBody>
-                    <a:bodyPr/>
-                    <a:lstStyle/>
-                    <a:p>
-                      <a:pPr algn="ctr" latinLnBrk="1"/>
-                      <a:r>
-                        <a:rPr lang="ko-KR" altLang="en-US" dirty="0" smtClean="0">
-                          <a:latin typeface="돋움" panose="020B0600000101010101" pitchFamily="50" charset="-127"/>
-                          <a:ea typeface="돋움" panose="020B0600000101010101" pitchFamily="50" charset="-127"/>
-                        </a:rPr>
-                        <a:t>어르신</a:t>
-                      </a:r>
-                      <a:r>
-                        <a:rPr lang="en-US" altLang="ko-KR" dirty="0" smtClean="0">
-                          <a:latin typeface="돋움" panose="020B0600000101010101" pitchFamily="50" charset="-127"/>
-                          <a:ea typeface="돋움" panose="020B0600000101010101" pitchFamily="50" charset="-127"/>
-                        </a:rPr>
-                        <a:t>,</a:t>
-                      </a:r>
-                    </a:p>
-                    <a:p>
-                      <a:pPr algn="ctr" latinLnBrk="1"/>
-                      <a:r>
-                        <a:rPr lang="ko-KR" altLang="en-US" dirty="0" smtClean="0">
-                          <a:latin typeface="돋움" panose="020B0600000101010101" pitchFamily="50" charset="-127"/>
-                          <a:ea typeface="돋움" panose="020B0600000101010101" pitchFamily="50" charset="-127"/>
-                        </a:rPr>
-                        <a:t>어린이 교통사고 방지</a:t>
-                      </a:r>
-                      <a:endParaRPr lang="ko-KR" altLang="en-US" dirty="0">
-                        <a:latin typeface="돋움" panose="020B0600000101010101" pitchFamily="50" charset="-127"/>
-                        <a:ea typeface="돋움" panose="020B0600000101010101" pitchFamily="50" charset="-127"/>
-                      </a:endParaRPr>
-                    </a:p>
-                  </a:txBody>
-                  <a:tcPr anchor="ctr"/>
-                </a:tc>
-                <a:tc rowSpan="2">
-                  <a:txBody>
-                    <a:bodyPr/>
-                    <a:lstStyle/>
-                    <a:p>
-                      <a:pPr algn="ctr" latinLnBrk="1"/>
-                      <a:r>
-                        <a:rPr lang="ko-KR" altLang="en-US" dirty="0" smtClean="0">
-                          <a:latin typeface="돋움" panose="020B0600000101010101" pitchFamily="50" charset="-127"/>
-                          <a:ea typeface="돋움" panose="020B0600000101010101" pitchFamily="50" charset="-127"/>
-                        </a:rPr>
-                        <a:t>안전한 보행 환경 구축</a:t>
-                      </a:r>
-                      <a:endParaRPr lang="ko-KR" altLang="en-US" dirty="0">
-                        <a:latin typeface="돋움" panose="020B0600000101010101" pitchFamily="50" charset="-127"/>
-                        <a:ea typeface="돋움" panose="020B0600000101010101" pitchFamily="50" charset="-127"/>
-                      </a:endParaRPr>
-                    </a:p>
-                  </a:txBody>
-                  <a:tcPr anchor="ctr"/>
-                </a:tc>
-                <a:tc rowSpan="2">
-                  <a:txBody>
-                    <a:bodyPr/>
-                    <a:lstStyle/>
-                    <a:p>
-                      <a:pPr algn="ctr" latinLnBrk="1"/>
-                      <a:r>
-                        <a:rPr lang="ko-KR" altLang="en-US" dirty="0" smtClean="0">
-                          <a:latin typeface="돋움" panose="020B0600000101010101" pitchFamily="50" charset="-127"/>
-                          <a:ea typeface="돋움" panose="020B0600000101010101" pitchFamily="50" charset="-127"/>
-                        </a:rPr>
-                        <a:t>택시</a:t>
-                      </a:r>
-                      <a:r>
-                        <a:rPr lang="en-US" altLang="ko-KR" dirty="0" smtClean="0">
-                          <a:latin typeface="돋움" panose="020B0600000101010101" pitchFamily="50" charset="-127"/>
-                          <a:ea typeface="돋움" panose="020B0600000101010101" pitchFamily="50" charset="-127"/>
-                        </a:rPr>
-                        <a:t>,</a:t>
-                      </a:r>
-                      <a:r>
-                        <a:rPr lang="ko-KR" altLang="en-US" baseline="0" dirty="0" smtClean="0">
-                          <a:latin typeface="돋움" panose="020B0600000101010101" pitchFamily="50" charset="-127"/>
-                          <a:ea typeface="돋움" panose="020B0600000101010101" pitchFamily="50" charset="-127"/>
-                        </a:rPr>
-                        <a:t> 화물</a:t>
-                      </a:r>
-                      <a:r>
-                        <a:rPr lang="en-US" altLang="ko-KR" baseline="0" dirty="0" smtClean="0">
-                          <a:latin typeface="돋움" panose="020B0600000101010101" pitchFamily="50" charset="-127"/>
-                          <a:ea typeface="돋움" panose="020B0600000101010101" pitchFamily="50" charset="-127"/>
-                        </a:rPr>
-                        <a:t>, </a:t>
-                      </a:r>
-                      <a:r>
-                        <a:rPr lang="ko-KR" altLang="en-US" baseline="0" dirty="0" smtClean="0">
-                          <a:latin typeface="돋움" panose="020B0600000101010101" pitchFamily="50" charset="-127"/>
-                          <a:ea typeface="돋움" panose="020B0600000101010101" pitchFamily="50" charset="-127"/>
-                        </a:rPr>
-                        <a:t>버스 교통사고 줄이기</a:t>
-                      </a:r>
-                      <a:endParaRPr lang="ko-KR" altLang="en-US" dirty="0">
-                        <a:latin typeface="돋움" panose="020B0600000101010101" pitchFamily="50" charset="-127"/>
-                        <a:ea typeface="돋움" panose="020B0600000101010101" pitchFamily="50" charset="-127"/>
-                      </a:endParaRPr>
-                    </a:p>
-                  </a:txBody>
-                  <a:tcPr anchor="ctr"/>
-                </a:tc>
-                <a:tc rowSpan="4">
-                  <a:txBody>
-                    <a:bodyPr/>
-                    <a:lstStyle/>
-                    <a:p>
-                      <a:pPr algn="ctr" latinLnBrk="1"/>
-                      <a:r>
-                        <a:rPr lang="ko-KR" altLang="en-US" dirty="0" smtClean="0">
-                          <a:latin typeface="돋움" panose="020B0600000101010101" pitchFamily="50" charset="-127"/>
-                          <a:ea typeface="돋움" panose="020B0600000101010101" pitchFamily="50" charset="-127"/>
-                        </a:rPr>
-                        <a:t>교통안전</a:t>
-                      </a:r>
-                      <a:endParaRPr lang="en-US" altLang="ko-KR" dirty="0" smtClean="0">
-                        <a:latin typeface="돋움" panose="020B0600000101010101" pitchFamily="50" charset="-127"/>
-                        <a:ea typeface="돋움" panose="020B0600000101010101" pitchFamily="50" charset="-127"/>
-                      </a:endParaRPr>
-                    </a:p>
-                    <a:p>
-                      <a:pPr algn="ctr" latinLnBrk="1"/>
-                      <a:r>
-                        <a:rPr lang="ko-KR" altLang="en-US" dirty="0" err="1" smtClean="0">
-                          <a:latin typeface="돋움" panose="020B0600000101010101" pitchFamily="50" charset="-127"/>
-                          <a:ea typeface="돋움" panose="020B0600000101010101" pitchFamily="50" charset="-127"/>
-                        </a:rPr>
-                        <a:t>문화확산</a:t>
-                      </a:r>
-                      <a:endParaRPr lang="ko-KR" altLang="en-US" dirty="0">
-                        <a:latin typeface="돋움" panose="020B0600000101010101" pitchFamily="50" charset="-127"/>
-                        <a:ea typeface="돋움" panose="020B0600000101010101" pitchFamily="50" charset="-127"/>
-                      </a:endParaRPr>
-                    </a:p>
-                  </a:txBody>
-                  <a:tcPr anchor="ctr"/>
-                </a:tc>
-                <a:extLst>
-                  <a:ext uri="{0D108BD9-81ED-4DB2-BD59-A6C34878D82A}">
-                    <a16:rowId xmlns:a16="http://schemas.microsoft.com/office/drawing/2014/main" val="2965860141"/>
-                  </a:ext>
-                </a:extLst>
-              </a:tr>
-              <a:tr h="835098">
-                <a:tc>
-                  <a:txBody>
-                    <a:bodyPr/>
-                    <a:lstStyle/>
-                    <a:p>
-                      <a:pPr algn="ctr" latinLnBrk="1"/>
-                      <a:r>
-                        <a:rPr lang="ko-KR" altLang="en-US" dirty="0" err="1" smtClean="0">
-                          <a:latin typeface="돋움" panose="020B0600000101010101" pitchFamily="50" charset="-127"/>
-                          <a:ea typeface="돋움" panose="020B0600000101010101" pitchFamily="50" charset="-127"/>
-                        </a:rPr>
-                        <a:t>사업용차량</a:t>
-                      </a:r>
-                      <a:endParaRPr lang="ko-KR" altLang="en-US" dirty="0">
-                        <a:latin typeface="돋움" panose="020B0600000101010101" pitchFamily="50" charset="-127"/>
-                        <a:ea typeface="돋움" panose="020B0600000101010101" pitchFamily="50" charset="-127"/>
-                      </a:endParaRPr>
-                    </a:p>
-                  </a:txBody>
-                  <a:tcPr anchor="ctr"/>
-                </a:tc>
-                <a:tc vMerge="1">
-                  <a:txBody>
-                    <a:bodyPr/>
-                    <a:lstStyle/>
-                    <a:p>
-                      <a:pPr latinLnBrk="1"/>
-                      <a:endParaRPr lang="ko-KR" altLang="en-US"/>
-                    </a:p>
-                  </a:txBody>
-                  <a:tcPr/>
-                </a:tc>
-                <a:tc vMerge="1">
-                  <a:txBody>
-                    <a:bodyPr/>
-                    <a:lstStyle/>
-                    <a:p>
-                      <a:pPr latinLnBrk="1"/>
-                      <a:endParaRPr lang="ko-KR" altLang="en-US"/>
-                    </a:p>
-                  </a:txBody>
-                  <a:tcPr/>
-                </a:tc>
-                <a:tc vMerge="1">
-                  <a:txBody>
-                    <a:bodyPr/>
-                    <a:lstStyle/>
-                    <a:p>
-                      <a:pPr latinLnBrk="1"/>
-                      <a:endParaRPr lang="ko-KR" altLang="en-US"/>
-                    </a:p>
-                  </a:txBody>
-                  <a:tcPr/>
-                </a:tc>
-                <a:tc vMerge="1">
-                  <a:txBody>
-                    <a:bodyPr/>
-                    <a:lstStyle/>
-                    <a:p>
-                      <a:pPr latinLnBrk="1"/>
-                      <a:endParaRPr lang="ko-KR" altLang="en-US"/>
-                    </a:p>
-                  </a:txBody>
-                  <a:tcPr/>
-                </a:tc>
-                <a:extLst>
-                  <a:ext uri="{0D108BD9-81ED-4DB2-BD59-A6C34878D82A}">
-                    <a16:rowId xmlns:a16="http://schemas.microsoft.com/office/drawing/2014/main" val="2026764621"/>
-                  </a:ext>
-                </a:extLst>
-              </a:tr>
-              <a:tr h="835098">
-                <a:tc>
-                  <a:txBody>
-                    <a:bodyPr/>
-                    <a:lstStyle/>
-                    <a:p>
-                      <a:pPr algn="ctr" latinLnBrk="1"/>
-                      <a:r>
-                        <a:rPr lang="ko-KR" altLang="en-US" dirty="0" smtClean="0">
-                          <a:latin typeface="돋움" panose="020B0600000101010101" pitchFamily="50" charset="-127"/>
-                          <a:ea typeface="돋움" panose="020B0600000101010101" pitchFamily="50" charset="-127"/>
-                        </a:rPr>
-                        <a:t>도로교통</a:t>
-                      </a:r>
-                      <a:endParaRPr lang="ko-KR" altLang="en-US" dirty="0">
-                        <a:latin typeface="돋움" panose="020B0600000101010101" pitchFamily="50" charset="-127"/>
-                        <a:ea typeface="돋움" panose="020B0600000101010101" pitchFamily="50" charset="-127"/>
-                      </a:endParaRPr>
-                    </a:p>
-                  </a:txBody>
-                  <a:tcPr anchor="ctr"/>
-                </a:tc>
-                <a:tc rowSpan="2">
-                  <a:txBody>
-                    <a:bodyPr/>
-                    <a:lstStyle/>
-                    <a:p>
-                      <a:pPr algn="ctr" latinLnBrk="1"/>
-                      <a:r>
-                        <a:rPr lang="ko-KR" altLang="en-US" dirty="0" smtClean="0">
-                          <a:latin typeface="돋움" panose="020B0600000101010101" pitchFamily="50" charset="-127"/>
-                          <a:ea typeface="돋움" panose="020B0600000101010101" pitchFamily="50" charset="-127"/>
-                        </a:rPr>
-                        <a:t>현장 응급대응 체계 강화</a:t>
-                      </a:r>
-                      <a:endParaRPr lang="en-US" altLang="ko-KR" dirty="0" smtClean="0">
-                        <a:latin typeface="돋움" panose="020B0600000101010101" pitchFamily="50" charset="-127"/>
-                        <a:ea typeface="돋움" panose="020B0600000101010101" pitchFamily="50" charset="-127"/>
-                      </a:endParaRPr>
-                    </a:p>
-                  </a:txBody>
-                  <a:tcPr anchor="ctr"/>
-                </a:tc>
-                <a:tc rowSpan="2">
-                  <a:txBody>
-                    <a:bodyPr/>
-                    <a:lstStyle/>
-                    <a:p>
-                      <a:pPr algn="ctr" latinLnBrk="1"/>
-                      <a:r>
-                        <a:rPr lang="ko-KR" altLang="en-US" dirty="0" err="1" smtClean="0">
-                          <a:latin typeface="돋움" panose="020B0600000101010101" pitchFamily="50" charset="-127"/>
-                          <a:ea typeface="돋움" panose="020B0600000101010101" pitchFamily="50" charset="-127"/>
-                        </a:rPr>
-                        <a:t>도로별</a:t>
-                      </a:r>
-                      <a:r>
-                        <a:rPr lang="ko-KR" altLang="en-US" dirty="0" smtClean="0">
-                          <a:latin typeface="돋움" panose="020B0600000101010101" pitchFamily="50" charset="-127"/>
-                          <a:ea typeface="돋움" panose="020B0600000101010101" pitchFamily="50" charset="-127"/>
-                        </a:rPr>
-                        <a:t> 응급대응 지원시설 도입</a:t>
-                      </a:r>
-                      <a:endParaRPr lang="ko-KR" altLang="en-US" dirty="0">
-                        <a:latin typeface="돋움" panose="020B0600000101010101" pitchFamily="50" charset="-127"/>
-                        <a:ea typeface="돋움" panose="020B0600000101010101" pitchFamily="50" charset="-127"/>
-                      </a:endParaRPr>
-                    </a:p>
-                  </a:txBody>
-                  <a:tcPr anchor="ctr"/>
-                </a:tc>
-                <a:tc rowSpan="2">
-                  <a:txBody>
-                    <a:bodyPr/>
-                    <a:lstStyle/>
-                    <a:p>
-                      <a:pPr algn="ctr" latinLnBrk="1"/>
-                      <a:r>
-                        <a:rPr lang="ko-KR" altLang="en-US" dirty="0" smtClean="0">
-                          <a:latin typeface="돋움" panose="020B0600000101010101" pitchFamily="50" charset="-127"/>
-                          <a:ea typeface="돋움" panose="020B0600000101010101" pitchFamily="50" charset="-127"/>
-                        </a:rPr>
-                        <a:t>교통안전 맞춤형 교육 </a:t>
-                      </a:r>
-                      <a:endParaRPr lang="en-US" altLang="ko-KR" dirty="0" smtClean="0">
-                        <a:latin typeface="돋움" panose="020B0600000101010101" pitchFamily="50" charset="-127"/>
-                        <a:ea typeface="돋움" panose="020B0600000101010101" pitchFamily="50" charset="-127"/>
-                      </a:endParaRPr>
-                    </a:p>
-                    <a:p>
-                      <a:pPr algn="ctr" latinLnBrk="1"/>
-                      <a:r>
-                        <a:rPr lang="ko-KR" altLang="en-US" dirty="0" smtClean="0">
-                          <a:latin typeface="돋움" panose="020B0600000101010101" pitchFamily="50" charset="-127"/>
-                          <a:ea typeface="돋움" panose="020B0600000101010101" pitchFamily="50" charset="-127"/>
-                        </a:rPr>
-                        <a:t>강화</a:t>
-                      </a:r>
-                      <a:endParaRPr lang="ko-KR" altLang="en-US" dirty="0">
-                        <a:latin typeface="돋움" panose="020B0600000101010101" pitchFamily="50" charset="-127"/>
-                        <a:ea typeface="돋움" panose="020B0600000101010101" pitchFamily="50" charset="-127"/>
-                      </a:endParaRPr>
-                    </a:p>
-                  </a:txBody>
-                  <a:tcPr anchor="ctr"/>
-                </a:tc>
-                <a:tc vMerge="1">
-                  <a:txBody>
-                    <a:bodyPr/>
-                    <a:lstStyle/>
-                    <a:p>
-                      <a:pPr latinLnBrk="1"/>
-                      <a:endParaRPr lang="ko-KR" altLang="en-US" dirty="0"/>
-                    </a:p>
-                  </a:txBody>
-                  <a:tcPr/>
-                </a:tc>
-                <a:extLst>
-                  <a:ext uri="{0D108BD9-81ED-4DB2-BD59-A6C34878D82A}">
-                    <a16:rowId xmlns:a16="http://schemas.microsoft.com/office/drawing/2014/main" val="3206267806"/>
-                  </a:ext>
-                </a:extLst>
-              </a:tr>
-              <a:tr h="835098">
-                <a:tc>
-                  <a:txBody>
-                    <a:bodyPr/>
-                    <a:lstStyle/>
-                    <a:p>
-                      <a:pPr algn="ctr" latinLnBrk="1"/>
-                      <a:r>
-                        <a:rPr lang="ko-KR" altLang="en-US" dirty="0" smtClean="0">
-                          <a:latin typeface="돋움" panose="020B0600000101010101" pitchFamily="50" charset="-127"/>
-                          <a:ea typeface="돋움" panose="020B0600000101010101" pitchFamily="50" charset="-127"/>
-                        </a:rPr>
-                        <a:t>교통문화</a:t>
-                      </a:r>
-                      <a:endParaRPr lang="ko-KR" altLang="en-US" dirty="0">
-                        <a:latin typeface="돋움" panose="020B0600000101010101" pitchFamily="50" charset="-127"/>
-                        <a:ea typeface="돋움" panose="020B0600000101010101" pitchFamily="50" charset="-127"/>
-                      </a:endParaRPr>
-                    </a:p>
-                  </a:txBody>
-                  <a:tcPr anchor="ctr"/>
-                </a:tc>
-                <a:tc vMerge="1">
-                  <a:txBody>
-                    <a:bodyPr/>
-                    <a:lstStyle/>
-                    <a:p>
-                      <a:pPr latinLnBrk="1"/>
-                      <a:endParaRPr lang="ko-KR" altLang="en-US"/>
-                    </a:p>
-                  </a:txBody>
-                  <a:tcPr/>
-                </a:tc>
-                <a:tc vMerge="1">
-                  <a:txBody>
-                    <a:bodyPr/>
-                    <a:lstStyle/>
-                    <a:p>
-                      <a:pPr latinLnBrk="1"/>
-                      <a:endParaRPr lang="ko-KR" altLang="en-US"/>
-                    </a:p>
-                  </a:txBody>
-                  <a:tcPr/>
-                </a:tc>
-                <a:tc vMerge="1">
-                  <a:txBody>
-                    <a:bodyPr/>
-                    <a:lstStyle/>
-                    <a:p>
-                      <a:pPr latinLnBrk="1"/>
-                      <a:endParaRPr lang="ko-KR" altLang="en-US"/>
-                    </a:p>
-                  </a:txBody>
-                  <a:tcPr/>
-                </a:tc>
-                <a:tc vMerge="1">
-                  <a:txBody>
-                    <a:bodyPr/>
-                    <a:lstStyle/>
-                    <a:p>
-                      <a:pPr latinLnBrk="1"/>
-                      <a:endParaRPr lang="ko-KR" altLang="en-US"/>
-                    </a:p>
-                  </a:txBody>
-                  <a:tcPr/>
-                </a:tc>
-                <a:extLst>
-                  <a:ext uri="{0D108BD9-81ED-4DB2-BD59-A6C34878D82A}">
-                    <a16:rowId xmlns:a16="http://schemas.microsoft.com/office/drawing/2014/main" val="2620553714"/>
-                  </a:ext>
-                </a:extLst>
-              </a:tr>
-            </a:tbl>
-          </a:graphicData>
-        </a:graphic>
-      </p:graphicFrame>
+          </p:nvPr>
+        </p:nvSpPr>
+        <p:spPr/>
+        <p:txBody>
+          <a:bodyPr/>
+          <a:lstStyle/>
+          <a:p>
+            <a:endParaRPr lang="ko-KR" altLang="en-US" dirty="0"/>
+          </a:p>
+        </p:txBody>
+      </p:sp>
       <p:sp>
         <p:nvSpPr>
           <p:cNvPr id="4" name="슬라이드 번호 개체 틀 3"/>
@@ -5442,557 +5316,18 @@
           <a:bodyPr/>
           <a:lstStyle/>
           <a:p>
-            <a:fld id="{ADE4B6AC-C1FE-4E24-8BB5-8F122553B6B1}" type="slidenum">
+            <a:fld id="{87932528-7ED5-470E-80D5-6A765EBCDFE6}" type="slidenum">
               <a:rPr lang="ko-KR" altLang="en-US" smtClean="0"/>
               <a:t>4</a:t>
             </a:fld>
-            <a:endParaRPr lang="ko-KR" altLang="en-US"/>
-          </a:p>
-        </p:txBody>
-      </p:sp>
-      <p:sp>
-        <p:nvSpPr>
-          <p:cNvPr id="6" name="배지 5"/>
-          <p:cNvSpPr/>
-          <p:nvPr/>
-        </p:nvSpPr>
-        <p:spPr>
-          <a:xfrm>
-            <a:off x="1770614" y="1920241"/>
-            <a:ext cx="1487974" cy="947649"/>
-          </a:xfrm>
-          <a:prstGeom prst="plaque">
-            <a:avLst/>
-          </a:prstGeom>
-          <a:solidFill>
-            <a:schemeClr val="accent6"/>
-          </a:solidFill>
-          <a:ln>
-            <a:solidFill>
-              <a:schemeClr val="tx1"/>
-            </a:solidFill>
-          </a:ln>
-        </p:spPr>
-        <p:style>
-          <a:lnRef idx="2">
-            <a:schemeClr val="accent1">
-              <a:shade val="50000"/>
-            </a:schemeClr>
-          </a:lnRef>
-          <a:fillRef idx="1">
-            <a:schemeClr val="accent1"/>
-          </a:fillRef>
-          <a:effectRef idx="0">
-            <a:schemeClr val="accent1"/>
-          </a:effectRef>
-          <a:fontRef idx="minor">
-            <a:schemeClr val="lt1"/>
-          </a:fontRef>
-        </p:style>
-        <p:txBody>
-          <a:bodyPr rtlCol="0" anchor="ctr"/>
-          <a:lstStyle/>
-          <a:p>
-            <a:pPr algn="ctr"/>
-            <a:endParaRPr lang="ko-KR" altLang="en-US">
-              <a:solidFill>
-                <a:schemeClr val="tx1"/>
-              </a:solidFill>
-              <a:latin typeface="돋움" panose="020B0600000101010101" pitchFamily="50" charset="-127"/>
-              <a:ea typeface="돋움" panose="020B0600000101010101" pitchFamily="50" charset="-127"/>
-            </a:endParaRPr>
-          </a:p>
-        </p:txBody>
-      </p:sp>
-      <p:sp>
-        <p:nvSpPr>
-          <p:cNvPr id="7" name="눈물 방울 6"/>
-          <p:cNvSpPr/>
-          <p:nvPr/>
-        </p:nvSpPr>
-        <p:spPr>
-          <a:xfrm flipH="1">
-            <a:off x="1770614" y="1920240"/>
-            <a:ext cx="1487974" cy="947650"/>
-          </a:xfrm>
-          <a:prstGeom prst="teardrop">
-            <a:avLst>
-              <a:gd name="adj" fmla="val 30726"/>
-            </a:avLst>
-          </a:prstGeom>
-          <a:solidFill>
-            <a:schemeClr val="accent4">
-              <a:lumMod val="40000"/>
-              <a:lumOff val="60000"/>
-            </a:schemeClr>
-          </a:solidFill>
-          <a:ln>
-            <a:solidFill>
-              <a:schemeClr val="tx1"/>
-            </a:solidFill>
-          </a:ln>
-        </p:spPr>
-        <p:style>
-          <a:lnRef idx="2">
-            <a:schemeClr val="accent1">
-              <a:shade val="50000"/>
-            </a:schemeClr>
-          </a:lnRef>
-          <a:fillRef idx="1">
-            <a:schemeClr val="accent1"/>
-          </a:fillRef>
-          <a:effectRef idx="0">
-            <a:schemeClr val="accent1"/>
-          </a:effectRef>
-          <a:fontRef idx="minor">
-            <a:schemeClr val="lt1"/>
-          </a:fontRef>
-        </p:style>
-        <p:txBody>
-          <a:bodyPr rtlCol="0" anchor="ctr"/>
-          <a:lstStyle/>
-          <a:p>
-            <a:pPr algn="ctr"/>
-            <a:r>
-              <a:rPr lang="ko-KR" altLang="en-US" dirty="0" smtClean="0">
-                <a:solidFill>
-                  <a:schemeClr val="tx1"/>
-                </a:solidFill>
-                <a:latin typeface="돋움" panose="020B0600000101010101" pitchFamily="50" charset="-127"/>
-                <a:ea typeface="돋움" panose="020B0600000101010101" pitchFamily="50" charset="-127"/>
-              </a:rPr>
-              <a:t>분야</a:t>
-            </a:r>
-            <a:endParaRPr lang="ko-KR" altLang="en-US" dirty="0">
-              <a:solidFill>
-                <a:schemeClr val="tx1"/>
-              </a:solidFill>
-              <a:latin typeface="돋움" panose="020B0600000101010101" pitchFamily="50" charset="-127"/>
-              <a:ea typeface="돋움" panose="020B0600000101010101" pitchFamily="50" charset="-127"/>
-            </a:endParaRPr>
-          </a:p>
-        </p:txBody>
-      </p:sp>
-      <p:sp>
-        <p:nvSpPr>
-          <p:cNvPr id="8" name="배지 7"/>
-          <p:cNvSpPr/>
-          <p:nvPr/>
-        </p:nvSpPr>
-        <p:spPr>
-          <a:xfrm>
-            <a:off x="3258588" y="1920241"/>
-            <a:ext cx="4471158" cy="947649"/>
-          </a:xfrm>
-          <a:prstGeom prst="plaque">
-            <a:avLst/>
-          </a:prstGeom>
-          <a:solidFill>
-            <a:schemeClr val="accent6"/>
-          </a:solidFill>
-          <a:ln>
-            <a:solidFill>
-              <a:schemeClr val="tx1"/>
-            </a:solidFill>
-          </a:ln>
-        </p:spPr>
-        <p:style>
-          <a:lnRef idx="2">
-            <a:schemeClr val="accent1">
-              <a:shade val="50000"/>
-            </a:schemeClr>
-          </a:lnRef>
-          <a:fillRef idx="1">
-            <a:schemeClr val="accent1"/>
-          </a:fillRef>
-          <a:effectRef idx="0">
-            <a:schemeClr val="accent1"/>
-          </a:effectRef>
-          <a:fontRef idx="minor">
-            <a:schemeClr val="lt1"/>
-          </a:fontRef>
-        </p:style>
-        <p:txBody>
-          <a:bodyPr rtlCol="0" anchor="ctr"/>
-          <a:lstStyle/>
-          <a:p>
-            <a:pPr algn="ctr"/>
-            <a:endParaRPr lang="ko-KR" altLang="en-US">
-              <a:solidFill>
-                <a:schemeClr val="tx1"/>
-              </a:solidFill>
-              <a:latin typeface="돋움" panose="020B0600000101010101" pitchFamily="50" charset="-127"/>
-              <a:ea typeface="돋움" panose="020B0600000101010101" pitchFamily="50" charset="-127"/>
-            </a:endParaRPr>
-          </a:p>
-        </p:txBody>
-      </p:sp>
-      <p:sp>
-        <p:nvSpPr>
-          <p:cNvPr id="9" name="눈물 방울 8"/>
-          <p:cNvSpPr/>
-          <p:nvPr/>
-        </p:nvSpPr>
-        <p:spPr>
-          <a:xfrm flipH="1">
-            <a:off x="3258588" y="1920240"/>
-            <a:ext cx="4471158" cy="947650"/>
-          </a:xfrm>
-          <a:prstGeom prst="teardrop">
-            <a:avLst>
-              <a:gd name="adj" fmla="val 30726"/>
-            </a:avLst>
-          </a:prstGeom>
-          <a:solidFill>
-            <a:schemeClr val="accent4">
-              <a:lumMod val="40000"/>
-              <a:lumOff val="60000"/>
-            </a:schemeClr>
-          </a:solidFill>
-          <a:ln>
-            <a:solidFill>
-              <a:schemeClr val="tx1"/>
-            </a:solidFill>
-          </a:ln>
-        </p:spPr>
-        <p:style>
-          <a:lnRef idx="2">
-            <a:schemeClr val="accent1">
-              <a:shade val="50000"/>
-            </a:schemeClr>
-          </a:lnRef>
-          <a:fillRef idx="1">
-            <a:schemeClr val="accent1"/>
-          </a:fillRef>
-          <a:effectRef idx="0">
-            <a:schemeClr val="accent1"/>
-          </a:effectRef>
-          <a:fontRef idx="minor">
-            <a:schemeClr val="lt1"/>
-          </a:fontRef>
-        </p:style>
-        <p:txBody>
-          <a:bodyPr rtlCol="0" anchor="ctr"/>
-          <a:lstStyle/>
-          <a:p>
-            <a:pPr algn="ctr"/>
-            <a:r>
-              <a:rPr lang="ko-KR" altLang="en-US" dirty="0" smtClean="0">
-                <a:solidFill>
-                  <a:schemeClr val="tx1"/>
-                </a:solidFill>
-                <a:latin typeface="돋움" panose="020B0600000101010101" pitchFamily="50" charset="-127"/>
-                <a:ea typeface="돋움" panose="020B0600000101010101" pitchFamily="50" charset="-127"/>
-              </a:rPr>
-              <a:t>정책 과제</a:t>
-            </a:r>
-            <a:endParaRPr lang="ko-KR" altLang="en-US" dirty="0">
-              <a:solidFill>
-                <a:schemeClr val="tx1"/>
-              </a:solidFill>
-              <a:latin typeface="돋움" panose="020B0600000101010101" pitchFamily="50" charset="-127"/>
-              <a:ea typeface="돋움" panose="020B0600000101010101" pitchFamily="50" charset="-127"/>
-            </a:endParaRPr>
-          </a:p>
-        </p:txBody>
-      </p:sp>
-      <p:sp>
-        <p:nvSpPr>
-          <p:cNvPr id="10" name="배지 9"/>
-          <p:cNvSpPr/>
-          <p:nvPr/>
-        </p:nvSpPr>
-        <p:spPr>
-          <a:xfrm>
-            <a:off x="7736987" y="1920241"/>
-            <a:ext cx="1487974" cy="947649"/>
-          </a:xfrm>
-          <a:prstGeom prst="plaque">
-            <a:avLst/>
-          </a:prstGeom>
-          <a:solidFill>
-            <a:schemeClr val="accent6"/>
-          </a:solidFill>
-          <a:ln>
-            <a:solidFill>
-              <a:schemeClr val="tx1"/>
-            </a:solidFill>
-          </a:ln>
-        </p:spPr>
-        <p:style>
-          <a:lnRef idx="2">
-            <a:schemeClr val="accent1">
-              <a:shade val="50000"/>
-            </a:schemeClr>
-          </a:lnRef>
-          <a:fillRef idx="1">
-            <a:schemeClr val="accent1"/>
-          </a:fillRef>
-          <a:effectRef idx="0">
-            <a:schemeClr val="accent1"/>
-          </a:effectRef>
-          <a:fontRef idx="minor">
-            <a:schemeClr val="lt1"/>
-          </a:fontRef>
-        </p:style>
-        <p:txBody>
-          <a:bodyPr rtlCol="0" anchor="ctr"/>
-          <a:lstStyle/>
-          <a:p>
-            <a:pPr algn="ctr"/>
-            <a:endParaRPr lang="ko-KR" altLang="en-US">
-              <a:solidFill>
-                <a:schemeClr val="tx1"/>
-              </a:solidFill>
-              <a:latin typeface="돋움" panose="020B0600000101010101" pitchFamily="50" charset="-127"/>
-              <a:ea typeface="돋움" panose="020B0600000101010101" pitchFamily="50" charset="-127"/>
-            </a:endParaRPr>
-          </a:p>
-        </p:txBody>
-      </p:sp>
-      <p:sp>
-        <p:nvSpPr>
-          <p:cNvPr id="11" name="눈물 방울 10"/>
-          <p:cNvSpPr/>
-          <p:nvPr/>
-        </p:nvSpPr>
-        <p:spPr>
-          <a:xfrm flipH="1">
-            <a:off x="7736984" y="1920240"/>
-            <a:ext cx="1487977" cy="947650"/>
-          </a:xfrm>
-          <a:prstGeom prst="teardrop">
-            <a:avLst>
-              <a:gd name="adj" fmla="val 30726"/>
-            </a:avLst>
-          </a:prstGeom>
-          <a:solidFill>
-            <a:schemeClr val="accent4">
-              <a:lumMod val="40000"/>
-              <a:lumOff val="60000"/>
-            </a:schemeClr>
-          </a:solidFill>
-          <a:ln>
-            <a:solidFill>
-              <a:schemeClr val="tx1"/>
-            </a:solidFill>
-          </a:ln>
-        </p:spPr>
-        <p:style>
-          <a:lnRef idx="2">
-            <a:schemeClr val="accent1">
-              <a:shade val="50000"/>
-            </a:schemeClr>
-          </a:lnRef>
-          <a:fillRef idx="1">
-            <a:schemeClr val="accent1"/>
-          </a:fillRef>
-          <a:effectRef idx="0">
-            <a:schemeClr val="accent1"/>
-          </a:effectRef>
-          <a:fontRef idx="minor">
-            <a:schemeClr val="lt1"/>
-          </a:fontRef>
-        </p:style>
-        <p:txBody>
-          <a:bodyPr rtlCol="0" anchor="ctr"/>
-          <a:lstStyle/>
-          <a:p>
-            <a:pPr algn="ctr"/>
-            <a:r>
-              <a:rPr lang="ko-KR" altLang="en-US" dirty="0" smtClean="0">
-                <a:solidFill>
-                  <a:schemeClr val="tx1"/>
-                </a:solidFill>
-                <a:latin typeface="돋움" panose="020B0600000101010101" pitchFamily="50" charset="-127"/>
-                <a:ea typeface="돋움" panose="020B0600000101010101" pitchFamily="50" charset="-127"/>
-              </a:rPr>
-              <a:t>기타</a:t>
-            </a:r>
-            <a:endParaRPr lang="ko-KR" altLang="en-US" dirty="0">
-              <a:solidFill>
-                <a:schemeClr val="tx1"/>
-              </a:solidFill>
-              <a:latin typeface="돋움" panose="020B0600000101010101" pitchFamily="50" charset="-127"/>
-              <a:ea typeface="돋움" panose="020B0600000101010101" pitchFamily="50" charset="-127"/>
-            </a:endParaRPr>
-          </a:p>
-        </p:txBody>
-      </p:sp>
-      <p:sp>
-        <p:nvSpPr>
-          <p:cNvPr id="12" name="순서도: 지연 11"/>
-          <p:cNvSpPr/>
-          <p:nvPr/>
-        </p:nvSpPr>
-        <p:spPr>
-          <a:xfrm flipH="1">
-            <a:off x="440573" y="4530437"/>
-            <a:ext cx="1330039" cy="1662548"/>
-          </a:xfrm>
-          <a:prstGeom prst="flowChartDelay">
-            <a:avLst/>
-          </a:prstGeom>
-          <a:gradFill flip="none" rotWithShape="1">
-            <a:gsLst>
-              <a:gs pos="0">
-                <a:schemeClr val="accent1">
-                  <a:tint val="66000"/>
-                  <a:satMod val="160000"/>
-                </a:schemeClr>
-              </a:gs>
-              <a:gs pos="50000">
-                <a:schemeClr val="accent1">
-                  <a:tint val="44500"/>
-                  <a:satMod val="160000"/>
-                </a:schemeClr>
-              </a:gs>
-              <a:gs pos="100000">
-                <a:schemeClr val="accent1">
-                  <a:tint val="23500"/>
-                  <a:satMod val="160000"/>
-                </a:schemeClr>
-              </a:gs>
-            </a:gsLst>
-            <a:lin ang="5400000" scaled="1"/>
-            <a:tileRect/>
-          </a:gradFill>
-          <a:ln>
-            <a:solidFill>
-              <a:schemeClr val="tx1"/>
-            </a:solidFill>
-          </a:ln>
-        </p:spPr>
-        <p:style>
-          <a:lnRef idx="2">
-            <a:schemeClr val="accent1">
-              <a:shade val="50000"/>
-            </a:schemeClr>
-          </a:lnRef>
-          <a:fillRef idx="1">
-            <a:schemeClr val="accent1"/>
-          </a:fillRef>
-          <a:effectRef idx="0">
-            <a:schemeClr val="accent1"/>
-          </a:effectRef>
-          <a:fontRef idx="minor">
-            <a:schemeClr val="lt1"/>
-          </a:fontRef>
-        </p:style>
-        <p:txBody>
-          <a:bodyPr rtlCol="0" anchor="ctr"/>
-          <a:lstStyle/>
-          <a:p>
-            <a:pPr algn="ctr"/>
-            <a:r>
-              <a:rPr lang="ko-KR" altLang="en-US" dirty="0" smtClean="0">
-                <a:solidFill>
-                  <a:schemeClr val="tx1"/>
-                </a:solidFill>
-                <a:latin typeface="돋움" panose="020B0600000101010101" pitchFamily="50" charset="-127"/>
-                <a:ea typeface="돋움" panose="020B0600000101010101" pitchFamily="50" charset="-127"/>
-              </a:rPr>
-              <a:t>기관</a:t>
-            </a:r>
-            <a:endParaRPr lang="ko-KR" altLang="en-US" dirty="0">
-              <a:solidFill>
-                <a:schemeClr val="tx1"/>
-              </a:solidFill>
-              <a:latin typeface="돋움" panose="020B0600000101010101" pitchFamily="50" charset="-127"/>
-              <a:ea typeface="돋움" panose="020B0600000101010101" pitchFamily="50" charset="-127"/>
-            </a:endParaRPr>
-          </a:p>
-        </p:txBody>
-      </p:sp>
-      <p:sp>
-        <p:nvSpPr>
-          <p:cNvPr id="14" name="순서도: 지연 13"/>
-          <p:cNvSpPr/>
-          <p:nvPr/>
-        </p:nvSpPr>
-        <p:spPr>
-          <a:xfrm flipH="1">
-            <a:off x="440573" y="2875538"/>
-            <a:ext cx="1330039" cy="1662548"/>
-          </a:xfrm>
-          <a:prstGeom prst="flowChartDelay">
-            <a:avLst/>
-          </a:prstGeom>
-          <a:gradFill flip="none" rotWithShape="1">
-            <a:gsLst>
-              <a:gs pos="0">
-                <a:schemeClr val="accent1">
-                  <a:tint val="66000"/>
-                  <a:satMod val="160000"/>
-                </a:schemeClr>
-              </a:gs>
-              <a:gs pos="50000">
-                <a:schemeClr val="accent1">
-                  <a:tint val="44500"/>
-                  <a:satMod val="160000"/>
-                </a:schemeClr>
-              </a:gs>
-              <a:gs pos="100000">
-                <a:schemeClr val="accent1">
-                  <a:tint val="23500"/>
-                  <a:satMod val="160000"/>
-                </a:schemeClr>
-              </a:gs>
-            </a:gsLst>
-            <a:lin ang="5400000" scaled="1"/>
-            <a:tileRect/>
-          </a:gradFill>
-          <a:ln>
-            <a:solidFill>
-              <a:schemeClr val="tx1"/>
-            </a:solidFill>
-          </a:ln>
-        </p:spPr>
-        <p:style>
-          <a:lnRef idx="2">
-            <a:schemeClr val="accent1">
-              <a:shade val="50000"/>
-            </a:schemeClr>
-          </a:lnRef>
-          <a:fillRef idx="1">
-            <a:schemeClr val="accent1"/>
-          </a:fillRef>
-          <a:effectRef idx="0">
-            <a:schemeClr val="accent1"/>
-          </a:effectRef>
-          <a:fontRef idx="minor">
-            <a:schemeClr val="lt1"/>
-          </a:fontRef>
-        </p:style>
-        <p:txBody>
-          <a:bodyPr rtlCol="0" anchor="ctr"/>
-          <a:lstStyle/>
-          <a:p>
-            <a:pPr algn="ctr"/>
-            <a:r>
-              <a:rPr lang="ko-KR" altLang="en-US" dirty="0" smtClean="0">
-                <a:solidFill>
-                  <a:schemeClr val="tx1"/>
-                </a:solidFill>
-                <a:latin typeface="돋움" panose="020B0600000101010101" pitchFamily="50" charset="-127"/>
-                <a:ea typeface="돋움" panose="020B0600000101010101" pitchFamily="50" charset="-127"/>
-              </a:rPr>
-              <a:t>개인</a:t>
-            </a:r>
-            <a:endParaRPr lang="ko-KR" altLang="en-US" dirty="0">
-              <a:solidFill>
-                <a:schemeClr val="tx1"/>
-              </a:solidFill>
-              <a:latin typeface="돋움" panose="020B0600000101010101" pitchFamily="50" charset="-127"/>
-              <a:ea typeface="돋움" panose="020B0600000101010101" pitchFamily="50" charset="-127"/>
-            </a:endParaRPr>
+            <a:endParaRPr lang="ko-KR" altLang="en-US" dirty="0"/>
           </a:p>
         </p:txBody>
       </p:sp>
     </p:spTree>
     <p:extLst>
       <p:ext uri="{BB962C8B-B14F-4D97-AF65-F5344CB8AC3E}">
-        <p14:creationId xmlns:p14="http://schemas.microsoft.com/office/powerpoint/2010/main" val="3202636704"/>
+        <p14:creationId xmlns:p14="http://schemas.microsoft.com/office/powerpoint/2010/main" val="782690289"/>
       </p:ext>
     </p:extLst>
   </p:cSld>
@@ -6047,6 +5382,25 @@
       </p:sp>
       <p:sp>
         <p:nvSpPr>
+          <p:cNvPr id="3" name="내용 개체 틀 2"/>
+          <p:cNvSpPr>
+            <a:spLocks noGrp="1"/>
+          </p:cNvSpPr>
+          <p:nvPr>
+            <p:ph idx="1"/>
+          </p:nvPr>
+        </p:nvSpPr>
+        <p:spPr/>
+        <p:txBody>
+          <a:bodyPr/>
+          <a:lstStyle/>
+          <a:p>
+            <a:endParaRPr lang="ko-KR" altLang="en-US"/>
+          </a:p>
+        </p:txBody>
+      </p:sp>
+      <p:sp>
+        <p:nvSpPr>
           <p:cNvPr id="4" name="슬라이드 번호 개체 틀 3"/>
           <p:cNvSpPr>
             <a:spLocks noGrp="1"/>
@@ -6060,37 +5414,18 @@
           <a:bodyPr/>
           <a:lstStyle/>
           <a:p>
-            <a:fld id="{ADE4B6AC-C1FE-4E24-8BB5-8F122553B6B1}" type="slidenum">
+            <a:fld id="{87932528-7ED5-470E-80D5-6A765EBCDFE6}" type="slidenum">
               <a:rPr lang="ko-KR" altLang="en-US" smtClean="0"/>
               <a:t>5</a:t>
             </a:fld>
-            <a:endParaRPr lang="ko-KR" altLang="en-US"/>
-          </a:p>
-        </p:txBody>
-      </p:sp>
-      <p:sp>
-        <p:nvSpPr>
-          <p:cNvPr id="9" name="내용 개체 틀 8"/>
-          <p:cNvSpPr>
-            <a:spLocks noGrp="1"/>
-          </p:cNvSpPr>
-          <p:nvPr>
-            <p:ph idx="1"/>
-          </p:nvPr>
-        </p:nvSpPr>
-        <p:spPr/>
-        <p:txBody>
-          <a:bodyPr/>
-          <a:lstStyle/>
-          <a:p>
-            <a:endParaRPr lang="ko-KR" altLang="en-US"/>
+            <a:endParaRPr lang="ko-KR" altLang="en-US" dirty="0"/>
           </a:p>
         </p:txBody>
       </p:sp>
     </p:spTree>
     <p:extLst>
       <p:ext uri="{BB962C8B-B14F-4D97-AF65-F5344CB8AC3E}">
-        <p14:creationId xmlns:p14="http://schemas.microsoft.com/office/powerpoint/2010/main" val="2032199760"/>
+        <p14:creationId xmlns:p14="http://schemas.microsoft.com/office/powerpoint/2010/main" val="3558032746"/>
       </p:ext>
     </p:extLst>
   </p:cSld>
@@ -6177,18 +5512,18 @@
           <a:bodyPr/>
           <a:lstStyle/>
           <a:p>
-            <a:fld id="{ADE4B6AC-C1FE-4E24-8BB5-8F122553B6B1}" type="slidenum">
+            <a:fld id="{87932528-7ED5-470E-80D5-6A765EBCDFE6}" type="slidenum">
               <a:rPr lang="ko-KR" altLang="en-US" smtClean="0"/>
               <a:t>6</a:t>
             </a:fld>
-            <a:endParaRPr lang="ko-KR" altLang="en-US"/>
+            <a:endParaRPr lang="ko-KR" altLang="en-US" dirty="0"/>
           </a:p>
         </p:txBody>
       </p:sp>
     </p:spTree>
     <p:extLst>
       <p:ext uri="{BB962C8B-B14F-4D97-AF65-F5344CB8AC3E}">
-        <p14:creationId xmlns:p14="http://schemas.microsoft.com/office/powerpoint/2010/main" val="3479516176"/>
+        <p14:creationId xmlns:p14="http://schemas.microsoft.com/office/powerpoint/2010/main" val="3527168295"/>
       </p:ext>
     </p:extLst>
   </p:cSld>
